--- a/UI/Icons TremnCRM.pptx
+++ b/UI/Icons TremnCRM.pptx
@@ -7,16 +7,18 @@
   <p:sldIdLst>
     <p:sldId id="291" r:id="rId2"/>
     <p:sldId id="293" r:id="rId3"/>
-    <p:sldId id="289" r:id="rId4"/>
-    <p:sldId id="300" r:id="rId5"/>
-    <p:sldId id="292" r:id="rId6"/>
-    <p:sldId id="295" r:id="rId7"/>
-    <p:sldId id="302" r:id="rId8"/>
-    <p:sldId id="301" r:id="rId9"/>
-    <p:sldId id="303" r:id="rId10"/>
-    <p:sldId id="297" r:id="rId11"/>
-    <p:sldId id="298" r:id="rId12"/>
-    <p:sldId id="299" r:id="rId13"/>
+    <p:sldId id="304" r:id="rId4"/>
+    <p:sldId id="305" r:id="rId5"/>
+    <p:sldId id="289" r:id="rId6"/>
+    <p:sldId id="300" r:id="rId7"/>
+    <p:sldId id="292" r:id="rId8"/>
+    <p:sldId id="295" r:id="rId9"/>
+    <p:sldId id="302" r:id="rId10"/>
+    <p:sldId id="301" r:id="rId11"/>
+    <p:sldId id="303" r:id="rId12"/>
+    <p:sldId id="297" r:id="rId13"/>
+    <p:sldId id="298" r:id="rId14"/>
+    <p:sldId id="299" r:id="rId15"/>
   </p:sldIdLst>
   <p:sldSz cx="10799763" cy="10799763"/>
   <p:notesSz cx="9144000" cy="6858000"/>
@@ -117,7 +119,7 @@
   </p:defaultTextStyle>
   <p:extLst>
     <p:ext uri="{EFAFB233-063F-42B5-8137-9DF3F51BA10A}">
-      <p15:sldGuideLst xmlns:p15="http://schemas.microsoft.com/office/powerpoint/2012/main" xmlns="">
+      <p15:sldGuideLst xmlns="" xmlns:p15="http://schemas.microsoft.com/office/powerpoint/2012/main">
         <p15:guide id="1" orient="horz" pos="3402" userDrawn="1">
           <p15:clr>
             <a:srgbClr val="A4A3A4"/>
@@ -316,7 +318,7 @@
             <a:fld id="{1B45BA29-84C7-4EAB-A065-0CAC1B85748C}" type="datetimeFigureOut">
               <a:rPr lang="pt-BR" smtClean="0"/>
               <a:pPr/>
-              <a:t>25/01/2015</a:t>
+              <a:t>02/02/2015</a:t>
             </a:fld>
             <a:endParaRPr lang="pt-BR"/>
           </a:p>
@@ -483,7 +485,7 @@
             <a:fld id="{1B45BA29-84C7-4EAB-A065-0CAC1B85748C}" type="datetimeFigureOut">
               <a:rPr lang="pt-BR" smtClean="0"/>
               <a:pPr/>
-              <a:t>25/01/2015</a:t>
+              <a:t>02/02/2015</a:t>
             </a:fld>
             <a:endParaRPr lang="pt-BR"/>
           </a:p>
@@ -660,7 +662,7 @@
             <a:fld id="{1B45BA29-84C7-4EAB-A065-0CAC1B85748C}" type="datetimeFigureOut">
               <a:rPr lang="pt-BR" smtClean="0"/>
               <a:pPr/>
-              <a:t>25/01/2015</a:t>
+              <a:t>02/02/2015</a:t>
             </a:fld>
             <a:endParaRPr lang="pt-BR"/>
           </a:p>
@@ -827,7 +829,7 @@
             <a:fld id="{1B45BA29-84C7-4EAB-A065-0CAC1B85748C}" type="datetimeFigureOut">
               <a:rPr lang="pt-BR" smtClean="0"/>
               <a:pPr/>
-              <a:t>25/01/2015</a:t>
+              <a:t>02/02/2015</a:t>
             </a:fld>
             <a:endParaRPr lang="pt-BR"/>
           </a:p>
@@ -1070,7 +1072,7 @@
             <a:fld id="{1B45BA29-84C7-4EAB-A065-0CAC1B85748C}" type="datetimeFigureOut">
               <a:rPr lang="pt-BR" smtClean="0"/>
               <a:pPr/>
-              <a:t>25/01/2015</a:t>
+              <a:t>02/02/2015</a:t>
             </a:fld>
             <a:endParaRPr lang="pt-BR"/>
           </a:p>
@@ -1355,7 +1357,7 @@
             <a:fld id="{1B45BA29-84C7-4EAB-A065-0CAC1B85748C}" type="datetimeFigureOut">
               <a:rPr lang="pt-BR" smtClean="0"/>
               <a:pPr/>
-              <a:t>25/01/2015</a:t>
+              <a:t>02/02/2015</a:t>
             </a:fld>
             <a:endParaRPr lang="pt-BR"/>
           </a:p>
@@ -1774,7 +1776,7 @@
             <a:fld id="{1B45BA29-84C7-4EAB-A065-0CAC1B85748C}" type="datetimeFigureOut">
               <a:rPr lang="pt-BR" smtClean="0"/>
               <a:pPr/>
-              <a:t>25/01/2015</a:t>
+              <a:t>02/02/2015</a:t>
             </a:fld>
             <a:endParaRPr lang="pt-BR"/>
           </a:p>
@@ -1889,7 +1891,7 @@
             <a:fld id="{1B45BA29-84C7-4EAB-A065-0CAC1B85748C}" type="datetimeFigureOut">
               <a:rPr lang="pt-BR" smtClean="0"/>
               <a:pPr/>
-              <a:t>25/01/2015</a:t>
+              <a:t>02/02/2015</a:t>
             </a:fld>
             <a:endParaRPr lang="pt-BR"/>
           </a:p>
@@ -1981,7 +1983,7 @@
             <a:fld id="{1B45BA29-84C7-4EAB-A065-0CAC1B85748C}" type="datetimeFigureOut">
               <a:rPr lang="pt-BR" smtClean="0"/>
               <a:pPr/>
-              <a:t>25/01/2015</a:t>
+              <a:t>02/02/2015</a:t>
             </a:fld>
             <a:endParaRPr lang="pt-BR"/>
           </a:p>
@@ -2255,7 +2257,7 @@
             <a:fld id="{1B45BA29-84C7-4EAB-A065-0CAC1B85748C}" type="datetimeFigureOut">
               <a:rPr lang="pt-BR" smtClean="0"/>
               <a:pPr/>
-              <a:t>25/01/2015</a:t>
+              <a:t>02/02/2015</a:t>
             </a:fld>
             <a:endParaRPr lang="pt-BR"/>
           </a:p>
@@ -2505,7 +2507,7 @@
             <a:fld id="{1B45BA29-84C7-4EAB-A065-0CAC1B85748C}" type="datetimeFigureOut">
               <a:rPr lang="pt-BR" smtClean="0"/>
               <a:pPr/>
-              <a:t>25/01/2015</a:t>
+              <a:t>02/02/2015</a:t>
             </a:fld>
             <a:endParaRPr lang="pt-BR"/>
           </a:p>
@@ -2715,7 +2717,7 @@
             <a:fld id="{1B45BA29-84C7-4EAB-A065-0CAC1B85748C}" type="datetimeFigureOut">
               <a:rPr lang="pt-BR" smtClean="0"/>
               <a:pPr/>
-              <a:t>25/01/2015</a:t>
+              <a:t>02/02/2015</a:t>
             </a:fld>
             <a:endParaRPr lang="pt-BR"/>
           </a:p>
@@ -3168,7 +3170,7 @@
           <a:blip r:embed="rId2" cstate="print">
             <a:extLst>
               <a:ext uri="{28A0092B-C50C-407E-A947-70E740481C1C}">
-                <a14:useLocalDpi xmlns:a14="http://schemas.microsoft.com/office/drawing/2010/main" xmlns="" val="0"/>
+                <a14:useLocalDpi xmlns="" xmlns:a14="http://schemas.microsoft.com/office/drawing/2010/main" val="0"/>
               </a:ext>
             </a:extLst>
           </a:blip>
@@ -3251,7 +3253,7 @@
     </p:spTree>
     <p:extLst>
       <p:ext uri="{BB962C8B-B14F-4D97-AF65-F5344CB8AC3E}">
-        <p14:creationId xmlns:p14="http://schemas.microsoft.com/office/powerpoint/2010/main" xmlns="" val="12229296"/>
+        <p14:creationId xmlns="" xmlns:p14="http://schemas.microsoft.com/office/powerpoint/2010/main" val="12229296"/>
       </p:ext>
     </p:extLst>
   </p:cSld>
@@ -3298,31 +3300,28 @@
           </a:xfrm>
           <a:prstGeom prst="roundRect">
             <a:avLst>
-              <a:gd name="adj" fmla="val 18713"/>
+              <a:gd name="adj" fmla="val 18923"/>
             </a:avLst>
           </a:prstGeom>
           <a:gradFill flip="none" rotWithShape="1">
             <a:gsLst>
               <a:gs pos="0">
-                <a:srgbClr val="800080">
-                  <a:shade val="30000"/>
-                  <a:satMod val="115000"/>
-                </a:srgbClr>
+                <a:srgbClr val="000082"/>
               </a:gs>
-              <a:gs pos="50000">
-                <a:srgbClr val="800080">
-                  <a:shade val="67500"/>
-                  <a:satMod val="115000"/>
-                </a:srgbClr>
+              <a:gs pos="30000">
+                <a:srgbClr val="66008F"/>
+              </a:gs>
+              <a:gs pos="64999">
+                <a:srgbClr val="BA0066"/>
+              </a:gs>
+              <a:gs pos="89999">
+                <a:srgbClr val="FF0000"/>
               </a:gs>
               <a:gs pos="100000">
-                <a:srgbClr val="800080">
-                  <a:shade val="100000"/>
-                  <a:satMod val="115000"/>
-                </a:srgbClr>
+                <a:srgbClr val="FF8200"/>
               </a:gs>
             </a:gsLst>
-            <a:lin ang="16200000" scaled="1"/>
+            <a:lin ang="16200000" scaled="0"/>
             <a:tileRect/>
           </a:gradFill>
           <a:ln>
@@ -3356,25 +3355,23 @@
       </p:sp>
       <p:sp>
         <p:nvSpPr>
-          <p:cNvPr id="34" name="Losango 33"/>
+          <p:cNvPr id="47" name="Retângulo 46"/>
           <p:cNvSpPr/>
           <p:nvPr/>
         </p:nvSpPr>
         <p:spPr>
           <a:xfrm>
-            <a:off x="1350121" y="1511449"/>
-            <a:ext cx="8280000" cy="2160240"/>
-          </a:xfrm>
-          <a:prstGeom prst="diamond">
+            <a:off x="5823545" y="1079401"/>
+            <a:ext cx="4112840" cy="8289304"/>
+          </a:xfrm>
+          <a:prstGeom prst="rect">
             <a:avLst/>
           </a:prstGeom>
           <a:solidFill>
-            <a:schemeClr val="bg1"/>
+            <a:schemeClr val="tx1"/>
           </a:solidFill>
           <a:ln w="76200">
-            <a:solidFill>
-              <a:schemeClr val="bg1"/>
-            </a:solidFill>
+            <a:noFill/>
           </a:ln>
         </p:spPr>
         <p:style>
@@ -3402,121 +3399,16 @@
           </a:p>
         </p:txBody>
       </p:sp>
-      <p:cxnSp>
-        <p:nvCxnSpPr>
-          <p:cNvPr id="38" name="Conector reto 37"/>
-          <p:cNvCxnSpPr/>
-          <p:nvPr/>
-        </p:nvCxnSpPr>
-        <p:spPr>
-          <a:xfrm>
-            <a:off x="1169641" y="4247753"/>
-            <a:ext cx="0" cy="1656184"/>
-          </a:xfrm>
-          <a:prstGeom prst="line">
-            <a:avLst/>
-          </a:prstGeom>
-          <a:ln w="76200">
-            <a:solidFill>
-              <a:schemeClr val="bg1"/>
-            </a:solidFill>
-          </a:ln>
-        </p:spPr>
-        <p:style>
-          <a:lnRef idx="1">
-            <a:schemeClr val="accent1"/>
-          </a:lnRef>
-          <a:fillRef idx="0">
-            <a:schemeClr val="accent1"/>
-          </a:fillRef>
-          <a:effectRef idx="0">
-            <a:schemeClr val="accent1"/>
-          </a:effectRef>
-          <a:fontRef idx="minor">
-            <a:schemeClr val="tx1"/>
-          </a:fontRef>
-        </p:style>
-      </p:cxnSp>
-      <p:cxnSp>
-        <p:nvCxnSpPr>
-          <p:cNvPr id="39" name="Conector reto 38"/>
-          <p:cNvCxnSpPr/>
-          <p:nvPr/>
-        </p:nvCxnSpPr>
-        <p:spPr>
-          <a:xfrm>
-            <a:off x="1340545" y="4247753"/>
-            <a:ext cx="0" cy="1656184"/>
-          </a:xfrm>
-          <a:prstGeom prst="line">
-            <a:avLst/>
-          </a:prstGeom>
-          <a:ln w="76200">
-            <a:solidFill>
-              <a:schemeClr val="bg1"/>
-            </a:solidFill>
-          </a:ln>
-        </p:spPr>
-        <p:style>
-          <a:lnRef idx="1">
-            <a:schemeClr val="accent1"/>
-          </a:lnRef>
-          <a:fillRef idx="0">
-            <a:schemeClr val="accent1"/>
-          </a:fillRef>
-          <a:effectRef idx="0">
-            <a:schemeClr val="accent1"/>
-          </a:effectRef>
-          <a:fontRef idx="minor">
-            <a:schemeClr val="tx1"/>
-          </a:fontRef>
-        </p:style>
-      </p:cxnSp>
-      <p:cxnSp>
-        <p:nvCxnSpPr>
-          <p:cNvPr id="41" name="Conector reto 40"/>
-          <p:cNvCxnSpPr/>
-          <p:nvPr/>
-        </p:nvCxnSpPr>
-        <p:spPr>
-          <a:xfrm>
-            <a:off x="1511449" y="4247753"/>
-            <a:ext cx="0" cy="1656184"/>
-          </a:xfrm>
-          <a:prstGeom prst="line">
-            <a:avLst/>
-          </a:prstGeom>
-          <a:ln w="76200">
-            <a:solidFill>
-              <a:schemeClr val="bg1"/>
-            </a:solidFill>
-          </a:ln>
-        </p:spPr>
-        <p:style>
-          <a:lnRef idx="1">
-            <a:schemeClr val="accent1"/>
-          </a:lnRef>
-          <a:fillRef idx="0">
-            <a:schemeClr val="accent1"/>
-          </a:fillRef>
-          <a:effectRef idx="0">
-            <a:schemeClr val="accent1"/>
-          </a:effectRef>
-          <a:fontRef idx="minor">
-            <a:schemeClr val="tx1"/>
-          </a:fontRef>
-        </p:style>
-      </p:cxnSp>
-      <p:sp>
-        <p:nvSpPr>
-          <p:cNvPr id="24" name="Retângulo de cantos arredondados 23"/>
+      <p:sp>
+        <p:nvSpPr>
+          <p:cNvPr id="26" name="Retângulo de cantos arredondados 25"/>
           <p:cNvSpPr/>
           <p:nvPr/>
         </p:nvSpPr>
         <p:spPr>
           <a:xfrm>
-            <a:off x="1079401" y="2807593"/>
-            <a:ext cx="540000" cy="1440000"/>
+            <a:off x="7416225" y="1439441"/>
+            <a:ext cx="900000" cy="900000"/>
           </a:xfrm>
           <a:prstGeom prst="roundRect">
             <a:avLst/>
@@ -3551,14 +3443,1356 @@
           <a:lstStyle/>
           <a:p>
             <a:pPr algn="ctr"/>
+            <a:endParaRPr lang="pt-BR" dirty="0"/>
+          </a:p>
+        </p:txBody>
+      </p:sp>
+      <p:sp>
+        <p:nvSpPr>
+          <p:cNvPr id="27" name="Retângulo de cantos arredondados 26"/>
+          <p:cNvSpPr/>
+          <p:nvPr/>
+        </p:nvSpPr>
+        <p:spPr>
+          <a:xfrm>
+            <a:off x="8712369" y="1439441"/>
+            <a:ext cx="900000" cy="900000"/>
+          </a:xfrm>
+          <a:prstGeom prst="roundRect">
+            <a:avLst/>
+          </a:prstGeom>
+          <a:solidFill>
+            <a:schemeClr val="bg1"/>
+          </a:solidFill>
+          <a:ln w="76200">
+            <a:solidFill>
+              <a:schemeClr val="bg1"/>
+            </a:solidFill>
+          </a:ln>
+        </p:spPr>
+        <p:style>
+          <a:lnRef idx="2">
+            <a:schemeClr val="accent1">
+              <a:shade val="50000"/>
+            </a:schemeClr>
+          </a:lnRef>
+          <a:fillRef idx="1">
+            <a:schemeClr val="accent1"/>
+          </a:fillRef>
+          <a:effectRef idx="0">
+            <a:schemeClr val="accent1"/>
+          </a:effectRef>
+          <a:fontRef idx="minor">
+            <a:schemeClr val="lt1"/>
+          </a:fontRef>
+        </p:style>
+        <p:txBody>
+          <a:bodyPr rtlCol="0" anchor="ctr"/>
+          <a:lstStyle/>
+          <a:p>
+            <a:pPr algn="ctr"/>
+            <a:endParaRPr lang="pt-BR" dirty="0"/>
+          </a:p>
+        </p:txBody>
+      </p:sp>
+      <p:sp>
+        <p:nvSpPr>
+          <p:cNvPr id="30" name="Retângulo de cantos arredondados 29"/>
+          <p:cNvSpPr/>
+          <p:nvPr/>
+        </p:nvSpPr>
+        <p:spPr>
+          <a:xfrm>
+            <a:off x="7416105" y="2699641"/>
+            <a:ext cx="900000" cy="900000"/>
+          </a:xfrm>
+          <a:prstGeom prst="roundRect">
+            <a:avLst/>
+          </a:prstGeom>
+          <a:solidFill>
+            <a:schemeClr val="bg1"/>
+          </a:solidFill>
+          <a:ln w="76200">
+            <a:solidFill>
+              <a:schemeClr val="bg1"/>
+            </a:solidFill>
+          </a:ln>
+        </p:spPr>
+        <p:style>
+          <a:lnRef idx="2">
+            <a:schemeClr val="accent1">
+              <a:shade val="50000"/>
+            </a:schemeClr>
+          </a:lnRef>
+          <a:fillRef idx="1">
+            <a:schemeClr val="accent1"/>
+          </a:fillRef>
+          <a:effectRef idx="0">
+            <a:schemeClr val="accent1"/>
+          </a:effectRef>
+          <a:fontRef idx="minor">
+            <a:schemeClr val="lt1"/>
+          </a:fontRef>
+        </p:style>
+        <p:txBody>
+          <a:bodyPr rtlCol="0" anchor="ctr"/>
+          <a:lstStyle/>
+          <a:p>
+            <a:pPr algn="ctr"/>
+            <a:endParaRPr lang="pt-BR" dirty="0"/>
+          </a:p>
+        </p:txBody>
+      </p:sp>
+      <p:sp>
+        <p:nvSpPr>
+          <p:cNvPr id="34" name="Retângulo de cantos arredondados 33"/>
+          <p:cNvSpPr/>
+          <p:nvPr/>
+        </p:nvSpPr>
+        <p:spPr>
+          <a:xfrm>
+            <a:off x="8712249" y="2699641"/>
+            <a:ext cx="900000" cy="900000"/>
+          </a:xfrm>
+          <a:prstGeom prst="roundRect">
+            <a:avLst/>
+          </a:prstGeom>
+          <a:solidFill>
+            <a:schemeClr val="bg1"/>
+          </a:solidFill>
+          <a:ln w="76200">
+            <a:solidFill>
+              <a:schemeClr val="bg1"/>
+            </a:solidFill>
+          </a:ln>
+        </p:spPr>
+        <p:style>
+          <a:lnRef idx="2">
+            <a:schemeClr val="accent1">
+              <a:shade val="50000"/>
+            </a:schemeClr>
+          </a:lnRef>
+          <a:fillRef idx="1">
+            <a:schemeClr val="accent1"/>
+          </a:fillRef>
+          <a:effectRef idx="0">
+            <a:schemeClr val="accent1"/>
+          </a:effectRef>
+          <a:fontRef idx="minor">
+            <a:schemeClr val="lt1"/>
+          </a:fontRef>
+        </p:style>
+        <p:txBody>
+          <a:bodyPr rtlCol="0" anchor="ctr"/>
+          <a:lstStyle/>
+          <a:p>
+            <a:pPr algn="ctr"/>
+            <a:endParaRPr lang="pt-BR" dirty="0"/>
+          </a:p>
+        </p:txBody>
+      </p:sp>
+      <p:sp>
+        <p:nvSpPr>
+          <p:cNvPr id="35" name="Retângulo de cantos arredondados 34"/>
+          <p:cNvSpPr/>
+          <p:nvPr/>
+        </p:nvSpPr>
+        <p:spPr>
+          <a:xfrm>
+            <a:off x="7415985" y="3959841"/>
+            <a:ext cx="900000" cy="900000"/>
+          </a:xfrm>
+          <a:prstGeom prst="roundRect">
+            <a:avLst/>
+          </a:prstGeom>
+          <a:solidFill>
+            <a:schemeClr val="bg1"/>
+          </a:solidFill>
+          <a:ln w="76200">
+            <a:solidFill>
+              <a:schemeClr val="bg1"/>
+            </a:solidFill>
+          </a:ln>
+        </p:spPr>
+        <p:style>
+          <a:lnRef idx="2">
+            <a:schemeClr val="accent1">
+              <a:shade val="50000"/>
+            </a:schemeClr>
+          </a:lnRef>
+          <a:fillRef idx="1">
+            <a:schemeClr val="accent1"/>
+          </a:fillRef>
+          <a:effectRef idx="0">
+            <a:schemeClr val="accent1"/>
+          </a:effectRef>
+          <a:fontRef idx="minor">
+            <a:schemeClr val="lt1"/>
+          </a:fontRef>
+        </p:style>
+        <p:txBody>
+          <a:bodyPr rtlCol="0" anchor="ctr"/>
+          <a:lstStyle/>
+          <a:p>
+            <a:pPr algn="ctr"/>
+            <a:endParaRPr lang="pt-BR" dirty="0"/>
+          </a:p>
+        </p:txBody>
+      </p:sp>
+      <p:sp>
+        <p:nvSpPr>
+          <p:cNvPr id="36" name="Retângulo de cantos arredondados 35"/>
+          <p:cNvSpPr/>
+          <p:nvPr/>
+        </p:nvSpPr>
+        <p:spPr>
+          <a:xfrm>
+            <a:off x="8712129" y="3959841"/>
+            <a:ext cx="900000" cy="900000"/>
+          </a:xfrm>
+          <a:prstGeom prst="roundRect">
+            <a:avLst/>
+          </a:prstGeom>
+          <a:solidFill>
+            <a:schemeClr val="bg1"/>
+          </a:solidFill>
+          <a:ln w="76200">
+            <a:solidFill>
+              <a:schemeClr val="bg1"/>
+            </a:solidFill>
+          </a:ln>
+        </p:spPr>
+        <p:style>
+          <a:lnRef idx="2">
+            <a:schemeClr val="accent1">
+              <a:shade val="50000"/>
+            </a:schemeClr>
+          </a:lnRef>
+          <a:fillRef idx="1">
+            <a:schemeClr val="accent1"/>
+          </a:fillRef>
+          <a:effectRef idx="0">
+            <a:schemeClr val="accent1"/>
+          </a:effectRef>
+          <a:fontRef idx="minor">
+            <a:schemeClr val="lt1"/>
+          </a:fontRef>
+        </p:style>
+        <p:txBody>
+          <a:bodyPr rtlCol="0" anchor="ctr"/>
+          <a:lstStyle/>
+          <a:p>
+            <a:pPr algn="ctr"/>
+            <a:endParaRPr lang="pt-BR" dirty="0"/>
+          </a:p>
+        </p:txBody>
+      </p:sp>
+      <p:sp>
+        <p:nvSpPr>
+          <p:cNvPr id="37" name="Retângulo de cantos arredondados 36"/>
+          <p:cNvSpPr/>
+          <p:nvPr/>
+        </p:nvSpPr>
+        <p:spPr>
+          <a:xfrm>
+            <a:off x="7415865" y="5220041"/>
+            <a:ext cx="900000" cy="900000"/>
+          </a:xfrm>
+          <a:prstGeom prst="roundRect">
+            <a:avLst/>
+          </a:prstGeom>
+          <a:solidFill>
+            <a:schemeClr val="bg1"/>
+          </a:solidFill>
+          <a:ln w="76200">
+            <a:solidFill>
+              <a:schemeClr val="bg1"/>
+            </a:solidFill>
+          </a:ln>
+        </p:spPr>
+        <p:style>
+          <a:lnRef idx="2">
+            <a:schemeClr val="accent1">
+              <a:shade val="50000"/>
+            </a:schemeClr>
+          </a:lnRef>
+          <a:fillRef idx="1">
+            <a:schemeClr val="accent1"/>
+          </a:fillRef>
+          <a:effectRef idx="0">
+            <a:schemeClr val="accent1"/>
+          </a:effectRef>
+          <a:fontRef idx="minor">
+            <a:schemeClr val="lt1"/>
+          </a:fontRef>
+        </p:style>
+        <p:txBody>
+          <a:bodyPr rtlCol="0" anchor="ctr"/>
+          <a:lstStyle/>
+          <a:p>
+            <a:pPr algn="ctr"/>
+            <a:endParaRPr lang="pt-BR" dirty="0"/>
+          </a:p>
+        </p:txBody>
+      </p:sp>
+      <p:sp>
+        <p:nvSpPr>
+          <p:cNvPr id="38" name="Retângulo de cantos arredondados 37"/>
+          <p:cNvSpPr/>
+          <p:nvPr/>
+        </p:nvSpPr>
+        <p:spPr>
+          <a:xfrm>
+            <a:off x="8712009" y="5220041"/>
+            <a:ext cx="900000" cy="900000"/>
+          </a:xfrm>
+          <a:prstGeom prst="roundRect">
+            <a:avLst/>
+          </a:prstGeom>
+          <a:solidFill>
+            <a:schemeClr val="bg1"/>
+          </a:solidFill>
+          <a:ln w="76200">
+            <a:solidFill>
+              <a:schemeClr val="bg1"/>
+            </a:solidFill>
+          </a:ln>
+        </p:spPr>
+        <p:style>
+          <a:lnRef idx="2">
+            <a:schemeClr val="accent1">
+              <a:shade val="50000"/>
+            </a:schemeClr>
+          </a:lnRef>
+          <a:fillRef idx="1">
+            <a:schemeClr val="accent1"/>
+          </a:fillRef>
+          <a:effectRef idx="0">
+            <a:schemeClr val="accent1"/>
+          </a:effectRef>
+          <a:fontRef idx="minor">
+            <a:schemeClr val="lt1"/>
+          </a:fontRef>
+        </p:style>
+        <p:txBody>
+          <a:bodyPr rtlCol="0" anchor="ctr"/>
+          <a:lstStyle/>
+          <a:p>
+            <a:pPr algn="ctr"/>
+            <a:endParaRPr lang="pt-BR" dirty="0"/>
+          </a:p>
+        </p:txBody>
+      </p:sp>
+      <p:sp>
+        <p:nvSpPr>
+          <p:cNvPr id="41" name="Retângulo de cantos arredondados 40"/>
+          <p:cNvSpPr/>
+          <p:nvPr/>
+        </p:nvSpPr>
+        <p:spPr>
+          <a:xfrm>
+            <a:off x="6120441" y="1439321"/>
+            <a:ext cx="900000" cy="900000"/>
+          </a:xfrm>
+          <a:prstGeom prst="roundRect">
+            <a:avLst/>
+          </a:prstGeom>
+          <a:solidFill>
+            <a:schemeClr val="bg1"/>
+          </a:solidFill>
+          <a:ln w="76200">
+            <a:solidFill>
+              <a:schemeClr val="bg1"/>
+            </a:solidFill>
+          </a:ln>
+        </p:spPr>
+        <p:style>
+          <a:lnRef idx="2">
+            <a:schemeClr val="accent1">
+              <a:shade val="50000"/>
+            </a:schemeClr>
+          </a:lnRef>
+          <a:fillRef idx="1">
+            <a:schemeClr val="accent1"/>
+          </a:fillRef>
+          <a:effectRef idx="0">
+            <a:schemeClr val="accent1"/>
+          </a:effectRef>
+          <a:fontRef idx="minor">
+            <a:schemeClr val="lt1"/>
+          </a:fontRef>
+        </p:style>
+        <p:txBody>
+          <a:bodyPr rtlCol="0" anchor="ctr"/>
+          <a:lstStyle/>
+          <a:p>
+            <a:pPr algn="ctr"/>
+            <a:endParaRPr lang="pt-BR" dirty="0"/>
+          </a:p>
+        </p:txBody>
+      </p:sp>
+      <p:sp>
+        <p:nvSpPr>
+          <p:cNvPr id="42" name="Retângulo de cantos arredondados 41"/>
+          <p:cNvSpPr/>
+          <p:nvPr/>
+        </p:nvSpPr>
+        <p:spPr>
+          <a:xfrm>
+            <a:off x="6120321" y="2699521"/>
+            <a:ext cx="900000" cy="900000"/>
+          </a:xfrm>
+          <a:prstGeom prst="roundRect">
+            <a:avLst/>
+          </a:prstGeom>
+          <a:solidFill>
+            <a:schemeClr val="bg1"/>
+          </a:solidFill>
+          <a:ln w="76200">
+            <a:solidFill>
+              <a:schemeClr val="bg1"/>
+            </a:solidFill>
+          </a:ln>
+        </p:spPr>
+        <p:style>
+          <a:lnRef idx="2">
+            <a:schemeClr val="accent1">
+              <a:shade val="50000"/>
+            </a:schemeClr>
+          </a:lnRef>
+          <a:fillRef idx="1">
+            <a:schemeClr val="accent1"/>
+          </a:fillRef>
+          <a:effectRef idx="0">
+            <a:schemeClr val="accent1"/>
+          </a:effectRef>
+          <a:fontRef idx="minor">
+            <a:schemeClr val="lt1"/>
+          </a:fontRef>
+        </p:style>
+        <p:txBody>
+          <a:bodyPr rtlCol="0" anchor="ctr"/>
+          <a:lstStyle/>
+          <a:p>
+            <a:pPr algn="ctr"/>
+            <a:endParaRPr lang="pt-BR" dirty="0"/>
+          </a:p>
+        </p:txBody>
+      </p:sp>
+      <p:sp>
+        <p:nvSpPr>
+          <p:cNvPr id="43" name="Retângulo de cantos arredondados 42"/>
+          <p:cNvSpPr/>
+          <p:nvPr/>
+        </p:nvSpPr>
+        <p:spPr>
+          <a:xfrm>
+            <a:off x="6120201" y="3959721"/>
+            <a:ext cx="900000" cy="900000"/>
+          </a:xfrm>
+          <a:prstGeom prst="roundRect">
+            <a:avLst/>
+          </a:prstGeom>
+          <a:solidFill>
+            <a:schemeClr val="bg1"/>
+          </a:solidFill>
+          <a:ln w="76200">
+            <a:solidFill>
+              <a:schemeClr val="bg1"/>
+            </a:solidFill>
+          </a:ln>
+        </p:spPr>
+        <p:style>
+          <a:lnRef idx="2">
+            <a:schemeClr val="accent1">
+              <a:shade val="50000"/>
+            </a:schemeClr>
+          </a:lnRef>
+          <a:fillRef idx="1">
+            <a:schemeClr val="accent1"/>
+          </a:fillRef>
+          <a:effectRef idx="0">
+            <a:schemeClr val="accent1"/>
+          </a:effectRef>
+          <a:fontRef idx="minor">
+            <a:schemeClr val="lt1"/>
+          </a:fontRef>
+        </p:style>
+        <p:txBody>
+          <a:bodyPr rtlCol="0" anchor="ctr"/>
+          <a:lstStyle/>
+          <a:p>
+            <a:pPr algn="ctr"/>
+            <a:endParaRPr lang="pt-BR" dirty="0"/>
+          </a:p>
+        </p:txBody>
+      </p:sp>
+      <p:sp>
+        <p:nvSpPr>
+          <p:cNvPr id="44" name="Retângulo de cantos arredondados 43"/>
+          <p:cNvSpPr/>
+          <p:nvPr/>
+        </p:nvSpPr>
+        <p:spPr>
+          <a:xfrm>
+            <a:off x="6120081" y="5219921"/>
+            <a:ext cx="900000" cy="900000"/>
+          </a:xfrm>
+          <a:prstGeom prst="roundRect">
+            <a:avLst/>
+          </a:prstGeom>
+          <a:solidFill>
+            <a:schemeClr val="bg1"/>
+          </a:solidFill>
+          <a:ln w="76200">
+            <a:solidFill>
+              <a:schemeClr val="bg1"/>
+            </a:solidFill>
+          </a:ln>
+        </p:spPr>
+        <p:style>
+          <a:lnRef idx="2">
+            <a:schemeClr val="accent1">
+              <a:shade val="50000"/>
+            </a:schemeClr>
+          </a:lnRef>
+          <a:fillRef idx="1">
+            <a:schemeClr val="accent1"/>
+          </a:fillRef>
+          <a:effectRef idx="0">
+            <a:schemeClr val="accent1"/>
+          </a:effectRef>
+          <a:fontRef idx="minor">
+            <a:schemeClr val="lt1"/>
+          </a:fontRef>
+        </p:style>
+        <p:txBody>
+          <a:bodyPr rtlCol="0" anchor="ctr"/>
+          <a:lstStyle/>
+          <a:p>
+            <a:pPr algn="ctr"/>
+            <a:endParaRPr lang="pt-BR" dirty="0"/>
+          </a:p>
+        </p:txBody>
+      </p:sp>
+      <p:sp>
+        <p:nvSpPr>
+          <p:cNvPr id="48" name="Retângulo 47"/>
+          <p:cNvSpPr/>
+          <p:nvPr/>
+        </p:nvSpPr>
+        <p:spPr>
+          <a:xfrm>
+            <a:off x="2447553" y="5040321"/>
+            <a:ext cx="3096344" cy="4320000"/>
+          </a:xfrm>
+          <a:prstGeom prst="rect">
+            <a:avLst/>
+          </a:prstGeom>
+          <a:solidFill>
+            <a:schemeClr val="tx1"/>
+          </a:solidFill>
+          <a:ln w="76200">
+            <a:noFill/>
+          </a:ln>
+        </p:spPr>
+        <p:style>
+          <a:lnRef idx="2">
+            <a:schemeClr val="accent1">
+              <a:shade val="50000"/>
+            </a:schemeClr>
+          </a:lnRef>
+          <a:fillRef idx="1">
+            <a:schemeClr val="accent1"/>
+          </a:fillRef>
+          <a:effectRef idx="0">
+            <a:schemeClr val="accent1"/>
+          </a:effectRef>
+          <a:fontRef idx="minor">
+            <a:schemeClr val="lt1"/>
+          </a:fontRef>
+        </p:style>
+        <p:txBody>
+          <a:bodyPr rtlCol="0" anchor="ctr"/>
+          <a:lstStyle/>
+          <a:p>
+            <a:pPr algn="ctr"/>
             <a:endParaRPr lang="pt-BR"/>
+          </a:p>
+        </p:txBody>
+      </p:sp>
+      <p:sp>
+        <p:nvSpPr>
+          <p:cNvPr id="51" name="Retângulo de cantos arredondados 50"/>
+          <p:cNvSpPr/>
+          <p:nvPr/>
+        </p:nvSpPr>
+        <p:spPr>
+          <a:xfrm>
+            <a:off x="2735505" y="5831849"/>
+            <a:ext cx="720000" cy="720000"/>
+          </a:xfrm>
+          <a:prstGeom prst="roundRect">
+            <a:avLst>
+              <a:gd name="adj" fmla="val 0"/>
+            </a:avLst>
+          </a:prstGeom>
+          <a:solidFill>
+            <a:schemeClr val="bg1"/>
+          </a:solidFill>
+          <a:ln w="76200">
+            <a:noFill/>
+          </a:ln>
+        </p:spPr>
+        <p:style>
+          <a:lnRef idx="2">
+            <a:schemeClr val="accent1">
+              <a:shade val="50000"/>
+            </a:schemeClr>
+          </a:lnRef>
+          <a:fillRef idx="1">
+            <a:schemeClr val="accent1"/>
+          </a:fillRef>
+          <a:effectRef idx="0">
+            <a:schemeClr val="accent1"/>
+          </a:effectRef>
+          <a:fontRef idx="minor">
+            <a:schemeClr val="lt1"/>
+          </a:fontRef>
+        </p:style>
+        <p:txBody>
+          <a:bodyPr rtlCol="0" anchor="ctr"/>
+          <a:lstStyle/>
+          <a:p>
+            <a:pPr algn="ctr"/>
+            <a:endParaRPr lang="pt-BR" dirty="0"/>
+          </a:p>
+        </p:txBody>
+      </p:sp>
+      <p:sp>
+        <p:nvSpPr>
+          <p:cNvPr id="52" name="Retângulo de cantos arredondados 51"/>
+          <p:cNvSpPr/>
+          <p:nvPr/>
+        </p:nvSpPr>
+        <p:spPr>
+          <a:xfrm>
+            <a:off x="3671689" y="5831849"/>
+            <a:ext cx="720000" cy="720000"/>
+          </a:xfrm>
+          <a:prstGeom prst="roundRect">
+            <a:avLst>
+              <a:gd name="adj" fmla="val 0"/>
+            </a:avLst>
+          </a:prstGeom>
+          <a:solidFill>
+            <a:schemeClr val="bg1"/>
+          </a:solidFill>
+          <a:ln w="76200">
+            <a:noFill/>
+          </a:ln>
+        </p:spPr>
+        <p:style>
+          <a:lnRef idx="2">
+            <a:schemeClr val="accent1">
+              <a:shade val="50000"/>
+            </a:schemeClr>
+          </a:lnRef>
+          <a:fillRef idx="1">
+            <a:schemeClr val="accent1"/>
+          </a:fillRef>
+          <a:effectRef idx="0">
+            <a:schemeClr val="accent1"/>
+          </a:effectRef>
+          <a:fontRef idx="minor">
+            <a:schemeClr val="lt1"/>
+          </a:fontRef>
+        </p:style>
+        <p:txBody>
+          <a:bodyPr rtlCol="0" anchor="ctr"/>
+          <a:lstStyle/>
+          <a:p>
+            <a:pPr algn="ctr"/>
+            <a:endParaRPr lang="pt-BR" dirty="0"/>
+          </a:p>
+        </p:txBody>
+      </p:sp>
+      <p:sp>
+        <p:nvSpPr>
+          <p:cNvPr id="53" name="Retângulo de cantos arredondados 52"/>
+          <p:cNvSpPr/>
+          <p:nvPr/>
+        </p:nvSpPr>
+        <p:spPr>
+          <a:xfrm>
+            <a:off x="4607873" y="5831849"/>
+            <a:ext cx="720000" cy="720000"/>
+          </a:xfrm>
+          <a:prstGeom prst="roundRect">
+            <a:avLst>
+              <a:gd name="adj" fmla="val 0"/>
+            </a:avLst>
+          </a:prstGeom>
+          <a:solidFill>
+            <a:schemeClr val="bg1"/>
+          </a:solidFill>
+          <a:ln w="76200">
+            <a:noFill/>
+          </a:ln>
+        </p:spPr>
+        <p:style>
+          <a:lnRef idx="2">
+            <a:schemeClr val="accent1">
+              <a:shade val="50000"/>
+            </a:schemeClr>
+          </a:lnRef>
+          <a:fillRef idx="1">
+            <a:schemeClr val="accent1"/>
+          </a:fillRef>
+          <a:effectRef idx="0">
+            <a:schemeClr val="accent1"/>
+          </a:effectRef>
+          <a:fontRef idx="minor">
+            <a:schemeClr val="lt1"/>
+          </a:fontRef>
+        </p:style>
+        <p:txBody>
+          <a:bodyPr rtlCol="0" anchor="ctr"/>
+          <a:lstStyle/>
+          <a:p>
+            <a:pPr algn="ctr"/>
+            <a:endParaRPr lang="pt-BR" dirty="0"/>
+          </a:p>
+        </p:txBody>
+      </p:sp>
+      <p:sp>
+        <p:nvSpPr>
+          <p:cNvPr id="54" name="Retângulo de cantos arredondados 53"/>
+          <p:cNvSpPr/>
+          <p:nvPr/>
+        </p:nvSpPr>
+        <p:spPr>
+          <a:xfrm>
+            <a:off x="2735505" y="6768033"/>
+            <a:ext cx="720000" cy="720000"/>
+          </a:xfrm>
+          <a:prstGeom prst="roundRect">
+            <a:avLst>
+              <a:gd name="adj" fmla="val 0"/>
+            </a:avLst>
+          </a:prstGeom>
+          <a:solidFill>
+            <a:schemeClr val="bg1"/>
+          </a:solidFill>
+          <a:ln w="76200">
+            <a:noFill/>
+          </a:ln>
+        </p:spPr>
+        <p:style>
+          <a:lnRef idx="2">
+            <a:schemeClr val="accent1">
+              <a:shade val="50000"/>
+            </a:schemeClr>
+          </a:lnRef>
+          <a:fillRef idx="1">
+            <a:schemeClr val="accent1"/>
+          </a:fillRef>
+          <a:effectRef idx="0">
+            <a:schemeClr val="accent1"/>
+          </a:effectRef>
+          <a:fontRef idx="minor">
+            <a:schemeClr val="lt1"/>
+          </a:fontRef>
+        </p:style>
+        <p:txBody>
+          <a:bodyPr rtlCol="0" anchor="ctr"/>
+          <a:lstStyle/>
+          <a:p>
+            <a:pPr algn="ctr"/>
+            <a:endParaRPr lang="pt-BR" dirty="0"/>
+          </a:p>
+        </p:txBody>
+      </p:sp>
+      <p:sp>
+        <p:nvSpPr>
+          <p:cNvPr id="55" name="Retângulo de cantos arredondados 54"/>
+          <p:cNvSpPr/>
+          <p:nvPr/>
+        </p:nvSpPr>
+        <p:spPr>
+          <a:xfrm>
+            <a:off x="3671689" y="6768033"/>
+            <a:ext cx="720000" cy="720000"/>
+          </a:xfrm>
+          <a:prstGeom prst="roundRect">
+            <a:avLst>
+              <a:gd name="adj" fmla="val 0"/>
+            </a:avLst>
+          </a:prstGeom>
+          <a:solidFill>
+            <a:schemeClr val="bg1"/>
+          </a:solidFill>
+          <a:ln w="76200">
+            <a:noFill/>
+          </a:ln>
+        </p:spPr>
+        <p:style>
+          <a:lnRef idx="2">
+            <a:schemeClr val="accent1">
+              <a:shade val="50000"/>
+            </a:schemeClr>
+          </a:lnRef>
+          <a:fillRef idx="1">
+            <a:schemeClr val="accent1"/>
+          </a:fillRef>
+          <a:effectRef idx="0">
+            <a:schemeClr val="accent1"/>
+          </a:effectRef>
+          <a:fontRef idx="minor">
+            <a:schemeClr val="lt1"/>
+          </a:fontRef>
+        </p:style>
+        <p:txBody>
+          <a:bodyPr rtlCol="0" anchor="ctr"/>
+          <a:lstStyle/>
+          <a:p>
+            <a:pPr algn="ctr"/>
+            <a:endParaRPr lang="pt-BR" dirty="0"/>
+          </a:p>
+        </p:txBody>
+      </p:sp>
+      <p:sp>
+        <p:nvSpPr>
+          <p:cNvPr id="56" name="Retângulo de cantos arredondados 55"/>
+          <p:cNvSpPr/>
+          <p:nvPr/>
+        </p:nvSpPr>
+        <p:spPr>
+          <a:xfrm>
+            <a:off x="4607873" y="6768033"/>
+            <a:ext cx="720000" cy="720000"/>
+          </a:xfrm>
+          <a:prstGeom prst="roundRect">
+            <a:avLst>
+              <a:gd name="adj" fmla="val 0"/>
+            </a:avLst>
+          </a:prstGeom>
+          <a:solidFill>
+            <a:schemeClr val="bg1"/>
+          </a:solidFill>
+          <a:ln w="76200">
+            <a:noFill/>
+          </a:ln>
+        </p:spPr>
+        <p:style>
+          <a:lnRef idx="2">
+            <a:schemeClr val="accent1">
+              <a:shade val="50000"/>
+            </a:schemeClr>
+          </a:lnRef>
+          <a:fillRef idx="1">
+            <a:schemeClr val="accent1"/>
+          </a:fillRef>
+          <a:effectRef idx="0">
+            <a:schemeClr val="accent1"/>
+          </a:effectRef>
+          <a:fontRef idx="minor">
+            <a:schemeClr val="lt1"/>
+          </a:fontRef>
+        </p:style>
+        <p:txBody>
+          <a:bodyPr rtlCol="0" anchor="ctr"/>
+          <a:lstStyle/>
+          <a:p>
+            <a:pPr algn="ctr"/>
+            <a:endParaRPr lang="pt-BR" dirty="0"/>
+          </a:p>
+        </p:txBody>
+      </p:sp>
+      <p:sp>
+        <p:nvSpPr>
+          <p:cNvPr id="57" name="Retângulo de cantos arredondados 56"/>
+          <p:cNvSpPr/>
+          <p:nvPr/>
+        </p:nvSpPr>
+        <p:spPr>
+          <a:xfrm>
+            <a:off x="2735505" y="7704217"/>
+            <a:ext cx="720000" cy="720000"/>
+          </a:xfrm>
+          <a:prstGeom prst="roundRect">
+            <a:avLst>
+              <a:gd name="adj" fmla="val 0"/>
+            </a:avLst>
+          </a:prstGeom>
+          <a:solidFill>
+            <a:schemeClr val="bg1"/>
+          </a:solidFill>
+          <a:ln w="76200">
+            <a:noFill/>
+          </a:ln>
+        </p:spPr>
+        <p:style>
+          <a:lnRef idx="2">
+            <a:schemeClr val="accent1">
+              <a:shade val="50000"/>
+            </a:schemeClr>
+          </a:lnRef>
+          <a:fillRef idx="1">
+            <a:schemeClr val="accent1"/>
+          </a:fillRef>
+          <a:effectRef idx="0">
+            <a:schemeClr val="accent1"/>
+          </a:effectRef>
+          <a:fontRef idx="minor">
+            <a:schemeClr val="lt1"/>
+          </a:fontRef>
+        </p:style>
+        <p:txBody>
+          <a:bodyPr rtlCol="0" anchor="ctr"/>
+          <a:lstStyle/>
+          <a:p>
+            <a:pPr algn="ctr"/>
+            <a:endParaRPr lang="pt-BR" dirty="0"/>
+          </a:p>
+        </p:txBody>
+      </p:sp>
+      <p:sp>
+        <p:nvSpPr>
+          <p:cNvPr id="58" name="Retângulo de cantos arredondados 57"/>
+          <p:cNvSpPr/>
+          <p:nvPr/>
+        </p:nvSpPr>
+        <p:spPr>
+          <a:xfrm>
+            <a:off x="3671689" y="7704217"/>
+            <a:ext cx="720000" cy="720000"/>
+          </a:xfrm>
+          <a:prstGeom prst="roundRect">
+            <a:avLst>
+              <a:gd name="adj" fmla="val 0"/>
+            </a:avLst>
+          </a:prstGeom>
+          <a:solidFill>
+            <a:schemeClr val="bg1"/>
+          </a:solidFill>
+          <a:ln w="76200">
+            <a:noFill/>
+          </a:ln>
+        </p:spPr>
+        <p:style>
+          <a:lnRef idx="2">
+            <a:schemeClr val="accent1">
+              <a:shade val="50000"/>
+            </a:schemeClr>
+          </a:lnRef>
+          <a:fillRef idx="1">
+            <a:schemeClr val="accent1"/>
+          </a:fillRef>
+          <a:effectRef idx="0">
+            <a:schemeClr val="accent1"/>
+          </a:effectRef>
+          <a:fontRef idx="minor">
+            <a:schemeClr val="lt1"/>
+          </a:fontRef>
+        </p:style>
+        <p:txBody>
+          <a:bodyPr rtlCol="0" anchor="ctr"/>
+          <a:lstStyle/>
+          <a:p>
+            <a:pPr algn="ctr"/>
+            <a:endParaRPr lang="pt-BR" dirty="0"/>
+          </a:p>
+        </p:txBody>
+      </p:sp>
+      <p:sp>
+        <p:nvSpPr>
+          <p:cNvPr id="59" name="Retângulo de cantos arredondados 58"/>
+          <p:cNvSpPr/>
+          <p:nvPr/>
+        </p:nvSpPr>
+        <p:spPr>
+          <a:xfrm>
+            <a:off x="4607873" y="7704217"/>
+            <a:ext cx="720000" cy="720000"/>
+          </a:xfrm>
+          <a:prstGeom prst="roundRect">
+            <a:avLst>
+              <a:gd name="adj" fmla="val 0"/>
+            </a:avLst>
+          </a:prstGeom>
+          <a:solidFill>
+            <a:schemeClr val="bg1"/>
+          </a:solidFill>
+          <a:ln w="76200">
+            <a:noFill/>
+          </a:ln>
+        </p:spPr>
+        <p:style>
+          <a:lnRef idx="2">
+            <a:schemeClr val="accent1">
+              <a:shade val="50000"/>
+            </a:schemeClr>
+          </a:lnRef>
+          <a:fillRef idx="1">
+            <a:schemeClr val="accent1"/>
+          </a:fillRef>
+          <a:effectRef idx="0">
+            <a:schemeClr val="accent1"/>
+          </a:effectRef>
+          <a:fontRef idx="minor">
+            <a:schemeClr val="lt1"/>
+          </a:fontRef>
+        </p:style>
+        <p:txBody>
+          <a:bodyPr rtlCol="0" anchor="ctr"/>
+          <a:lstStyle/>
+          <a:p>
+            <a:pPr algn="ctr"/>
+            <a:endParaRPr lang="pt-BR" dirty="0"/>
+          </a:p>
+        </p:txBody>
+      </p:sp>
+      <p:sp>
+        <p:nvSpPr>
+          <p:cNvPr id="60" name="Coração 59"/>
+          <p:cNvSpPr/>
+          <p:nvPr/>
+        </p:nvSpPr>
+        <p:spPr>
+          <a:xfrm>
+            <a:off x="1079401" y="935385"/>
+            <a:ext cx="2880000" cy="2880000"/>
+          </a:xfrm>
+          <a:prstGeom prst="heart">
+            <a:avLst/>
+          </a:prstGeom>
+          <a:solidFill>
+            <a:schemeClr val="bg1"/>
+          </a:solidFill>
+          <a:ln w="76200">
+            <a:solidFill>
+              <a:schemeClr val="bg1"/>
+            </a:solidFill>
+          </a:ln>
+        </p:spPr>
+        <p:style>
+          <a:lnRef idx="2">
+            <a:schemeClr val="accent1">
+              <a:shade val="50000"/>
+            </a:schemeClr>
+          </a:lnRef>
+          <a:fillRef idx="1">
+            <a:schemeClr val="accent1"/>
+          </a:fillRef>
+          <a:effectRef idx="0">
+            <a:schemeClr val="accent1"/>
+          </a:effectRef>
+          <a:fontRef idx="minor">
+            <a:schemeClr val="lt1"/>
+          </a:fontRef>
+        </p:style>
+        <p:txBody>
+          <a:bodyPr rtlCol="0" anchor="ctr"/>
+          <a:lstStyle/>
+          <a:p>
+            <a:pPr algn="ctr"/>
+            <a:endParaRPr lang="pt-BR"/>
+          </a:p>
+        </p:txBody>
+      </p:sp>
+      <p:sp>
+        <p:nvSpPr>
+          <p:cNvPr id="61" name="Retângulo de cantos arredondados 60"/>
+          <p:cNvSpPr/>
+          <p:nvPr/>
+        </p:nvSpPr>
+        <p:spPr>
+          <a:xfrm>
+            <a:off x="7415745" y="6444097"/>
+            <a:ext cx="900000" cy="900000"/>
+          </a:xfrm>
+          <a:prstGeom prst="roundRect">
+            <a:avLst/>
+          </a:prstGeom>
+          <a:solidFill>
+            <a:schemeClr val="bg1"/>
+          </a:solidFill>
+          <a:ln w="76200">
+            <a:solidFill>
+              <a:schemeClr val="bg1"/>
+            </a:solidFill>
+          </a:ln>
+        </p:spPr>
+        <p:style>
+          <a:lnRef idx="2">
+            <a:schemeClr val="accent1">
+              <a:shade val="50000"/>
+            </a:schemeClr>
+          </a:lnRef>
+          <a:fillRef idx="1">
+            <a:schemeClr val="accent1"/>
+          </a:fillRef>
+          <a:effectRef idx="0">
+            <a:schemeClr val="accent1"/>
+          </a:effectRef>
+          <a:fontRef idx="minor">
+            <a:schemeClr val="lt1"/>
+          </a:fontRef>
+        </p:style>
+        <p:txBody>
+          <a:bodyPr rtlCol="0" anchor="ctr"/>
+          <a:lstStyle/>
+          <a:p>
+            <a:pPr algn="ctr"/>
+            <a:endParaRPr lang="pt-BR" dirty="0"/>
+          </a:p>
+        </p:txBody>
+      </p:sp>
+      <p:sp>
+        <p:nvSpPr>
+          <p:cNvPr id="62" name="Retângulo de cantos arredondados 61"/>
+          <p:cNvSpPr/>
+          <p:nvPr/>
+        </p:nvSpPr>
+        <p:spPr>
+          <a:xfrm>
+            <a:off x="8711889" y="6444097"/>
+            <a:ext cx="900000" cy="900000"/>
+          </a:xfrm>
+          <a:prstGeom prst="roundRect">
+            <a:avLst/>
+          </a:prstGeom>
+          <a:solidFill>
+            <a:schemeClr val="bg1"/>
+          </a:solidFill>
+          <a:ln w="76200">
+            <a:solidFill>
+              <a:schemeClr val="bg1"/>
+            </a:solidFill>
+          </a:ln>
+        </p:spPr>
+        <p:style>
+          <a:lnRef idx="2">
+            <a:schemeClr val="accent1">
+              <a:shade val="50000"/>
+            </a:schemeClr>
+          </a:lnRef>
+          <a:fillRef idx="1">
+            <a:schemeClr val="accent1"/>
+          </a:fillRef>
+          <a:effectRef idx="0">
+            <a:schemeClr val="accent1"/>
+          </a:effectRef>
+          <a:fontRef idx="minor">
+            <a:schemeClr val="lt1"/>
+          </a:fontRef>
+        </p:style>
+        <p:txBody>
+          <a:bodyPr rtlCol="0" anchor="ctr"/>
+          <a:lstStyle/>
+          <a:p>
+            <a:pPr algn="ctr"/>
+            <a:endParaRPr lang="pt-BR" dirty="0"/>
+          </a:p>
+        </p:txBody>
+      </p:sp>
+      <p:sp>
+        <p:nvSpPr>
+          <p:cNvPr id="63" name="Retângulo de cantos arredondados 62"/>
+          <p:cNvSpPr/>
+          <p:nvPr/>
+        </p:nvSpPr>
+        <p:spPr>
+          <a:xfrm>
+            <a:off x="6119961" y="6443977"/>
+            <a:ext cx="900000" cy="900000"/>
+          </a:xfrm>
+          <a:prstGeom prst="roundRect">
+            <a:avLst/>
+          </a:prstGeom>
+          <a:solidFill>
+            <a:schemeClr val="bg1"/>
+          </a:solidFill>
+          <a:ln w="76200">
+            <a:solidFill>
+              <a:schemeClr val="bg1"/>
+            </a:solidFill>
+          </a:ln>
+        </p:spPr>
+        <p:style>
+          <a:lnRef idx="2">
+            <a:schemeClr val="accent1">
+              <a:shade val="50000"/>
+            </a:schemeClr>
+          </a:lnRef>
+          <a:fillRef idx="1">
+            <a:schemeClr val="accent1"/>
+          </a:fillRef>
+          <a:effectRef idx="0">
+            <a:schemeClr val="accent1"/>
+          </a:effectRef>
+          <a:fontRef idx="minor">
+            <a:schemeClr val="lt1"/>
+          </a:fontRef>
+        </p:style>
+        <p:txBody>
+          <a:bodyPr rtlCol="0" anchor="ctr"/>
+          <a:lstStyle/>
+          <a:p>
+            <a:pPr algn="ctr"/>
+            <a:endParaRPr lang="pt-BR" dirty="0"/>
+          </a:p>
+        </p:txBody>
+      </p:sp>
+      <p:sp>
+        <p:nvSpPr>
+          <p:cNvPr id="64" name="Retângulo de cantos arredondados 63"/>
+          <p:cNvSpPr/>
+          <p:nvPr/>
+        </p:nvSpPr>
+        <p:spPr>
+          <a:xfrm>
+            <a:off x="7415625" y="7668153"/>
+            <a:ext cx="900000" cy="900000"/>
+          </a:xfrm>
+          <a:prstGeom prst="roundRect">
+            <a:avLst/>
+          </a:prstGeom>
+          <a:solidFill>
+            <a:schemeClr val="bg1"/>
+          </a:solidFill>
+          <a:ln w="76200">
+            <a:solidFill>
+              <a:schemeClr val="bg1"/>
+            </a:solidFill>
+          </a:ln>
+        </p:spPr>
+        <p:style>
+          <a:lnRef idx="2">
+            <a:schemeClr val="accent1">
+              <a:shade val="50000"/>
+            </a:schemeClr>
+          </a:lnRef>
+          <a:fillRef idx="1">
+            <a:schemeClr val="accent1"/>
+          </a:fillRef>
+          <a:effectRef idx="0">
+            <a:schemeClr val="accent1"/>
+          </a:effectRef>
+          <a:fontRef idx="minor">
+            <a:schemeClr val="lt1"/>
+          </a:fontRef>
+        </p:style>
+        <p:txBody>
+          <a:bodyPr rtlCol="0" anchor="ctr"/>
+          <a:lstStyle/>
+          <a:p>
+            <a:pPr algn="ctr"/>
+            <a:endParaRPr lang="pt-BR" dirty="0"/>
+          </a:p>
+        </p:txBody>
+      </p:sp>
+      <p:sp>
+        <p:nvSpPr>
+          <p:cNvPr id="65" name="Retângulo de cantos arredondados 64"/>
+          <p:cNvSpPr/>
+          <p:nvPr/>
+        </p:nvSpPr>
+        <p:spPr>
+          <a:xfrm>
+            <a:off x="8711769" y="7668153"/>
+            <a:ext cx="900000" cy="900000"/>
+          </a:xfrm>
+          <a:prstGeom prst="roundRect">
+            <a:avLst/>
+          </a:prstGeom>
+          <a:solidFill>
+            <a:schemeClr val="bg1"/>
+          </a:solidFill>
+          <a:ln w="76200">
+            <a:solidFill>
+              <a:schemeClr val="bg1"/>
+            </a:solidFill>
+          </a:ln>
+        </p:spPr>
+        <p:style>
+          <a:lnRef idx="2">
+            <a:schemeClr val="accent1">
+              <a:shade val="50000"/>
+            </a:schemeClr>
+          </a:lnRef>
+          <a:fillRef idx="1">
+            <a:schemeClr val="accent1"/>
+          </a:fillRef>
+          <a:effectRef idx="0">
+            <a:schemeClr val="accent1"/>
+          </a:effectRef>
+          <a:fontRef idx="minor">
+            <a:schemeClr val="lt1"/>
+          </a:fontRef>
+        </p:style>
+        <p:txBody>
+          <a:bodyPr rtlCol="0" anchor="ctr"/>
+          <a:lstStyle/>
+          <a:p>
+            <a:pPr algn="ctr"/>
+            <a:endParaRPr lang="pt-BR" dirty="0"/>
+          </a:p>
+        </p:txBody>
+      </p:sp>
+      <p:sp>
+        <p:nvSpPr>
+          <p:cNvPr id="66" name="Retângulo de cantos arredondados 65"/>
+          <p:cNvSpPr/>
+          <p:nvPr/>
+        </p:nvSpPr>
+        <p:spPr>
+          <a:xfrm>
+            <a:off x="6119841" y="7668033"/>
+            <a:ext cx="900000" cy="900000"/>
+          </a:xfrm>
+          <a:prstGeom prst="roundRect">
+            <a:avLst/>
+          </a:prstGeom>
+          <a:solidFill>
+            <a:schemeClr val="bg1"/>
+          </a:solidFill>
+          <a:ln w="76200">
+            <a:solidFill>
+              <a:schemeClr val="bg1"/>
+            </a:solidFill>
+          </a:ln>
+        </p:spPr>
+        <p:style>
+          <a:lnRef idx="2">
+            <a:schemeClr val="accent1">
+              <a:shade val="50000"/>
+            </a:schemeClr>
+          </a:lnRef>
+          <a:fillRef idx="1">
+            <a:schemeClr val="accent1"/>
+          </a:fillRef>
+          <a:effectRef idx="0">
+            <a:schemeClr val="accent1"/>
+          </a:effectRef>
+          <a:fontRef idx="minor">
+            <a:schemeClr val="lt1"/>
+          </a:fontRef>
+        </p:style>
+        <p:txBody>
+          <a:bodyPr rtlCol="0" anchor="ctr"/>
+          <a:lstStyle/>
+          <a:p>
+            <a:pPr algn="ctr"/>
+            <a:endParaRPr lang="pt-BR" dirty="0"/>
           </a:p>
         </p:txBody>
       </p:sp>
     </p:spTree>
     <p:extLst>
       <p:ext uri="{BB962C8B-B14F-4D97-AF65-F5344CB8AC3E}">
-        <p14:creationId xmlns:p14="http://schemas.microsoft.com/office/powerpoint/2010/main" xmlns="" val="601465837"/>
+        <p14:creationId xmlns="" xmlns:p14="http://schemas.microsoft.com/office/powerpoint/2010/main" val="601465837"/>
       </p:ext>
     </p:extLst>
   </p:cSld>
@@ -3605,6 +4839,833 @@
           </a:xfrm>
           <a:prstGeom prst="roundRect">
             <a:avLst>
+              <a:gd name="adj" fmla="val 18923"/>
+            </a:avLst>
+          </a:prstGeom>
+          <a:gradFill flip="none" rotWithShape="1">
+            <a:gsLst>
+              <a:gs pos="0">
+                <a:srgbClr val="000082"/>
+              </a:gs>
+              <a:gs pos="30000">
+                <a:srgbClr val="66008F"/>
+              </a:gs>
+              <a:gs pos="64999">
+                <a:srgbClr val="BA0066"/>
+              </a:gs>
+              <a:gs pos="89999">
+                <a:srgbClr val="FF0000"/>
+              </a:gs>
+              <a:gs pos="100000">
+                <a:srgbClr val="FF8200"/>
+              </a:gs>
+            </a:gsLst>
+            <a:lin ang="16200000" scaled="0"/>
+            <a:tileRect/>
+          </a:gradFill>
+          <a:ln>
+            <a:noFill/>
+          </a:ln>
+        </p:spPr>
+        <p:style>
+          <a:lnRef idx="2">
+            <a:schemeClr val="accent1">
+              <a:shade val="50000"/>
+            </a:schemeClr>
+          </a:lnRef>
+          <a:fillRef idx="1">
+            <a:schemeClr val="accent1"/>
+          </a:fillRef>
+          <a:effectRef idx="0">
+            <a:schemeClr val="accent1"/>
+          </a:effectRef>
+          <a:fontRef idx="minor">
+            <a:schemeClr val="lt1"/>
+          </a:fontRef>
+        </p:style>
+        <p:txBody>
+          <a:bodyPr rtlCol="0" anchor="ctr"/>
+          <a:lstStyle/>
+          <a:p>
+            <a:pPr algn="ctr"/>
+            <a:endParaRPr lang="pt-BR"/>
+          </a:p>
+        </p:txBody>
+      </p:sp>
+      <p:sp>
+        <p:nvSpPr>
+          <p:cNvPr id="60" name="Coração 59"/>
+          <p:cNvSpPr/>
+          <p:nvPr/>
+        </p:nvSpPr>
+        <p:spPr>
+          <a:xfrm>
+            <a:off x="1007393" y="935385"/>
+            <a:ext cx="2880000" cy="2880000"/>
+          </a:xfrm>
+          <a:prstGeom prst="heart">
+            <a:avLst/>
+          </a:prstGeom>
+          <a:solidFill>
+            <a:schemeClr val="bg1"/>
+          </a:solidFill>
+          <a:ln w="76200">
+            <a:solidFill>
+              <a:schemeClr val="bg1"/>
+            </a:solidFill>
+          </a:ln>
+        </p:spPr>
+        <p:style>
+          <a:lnRef idx="2">
+            <a:schemeClr val="accent1">
+              <a:shade val="50000"/>
+            </a:schemeClr>
+          </a:lnRef>
+          <a:fillRef idx="1">
+            <a:schemeClr val="accent1"/>
+          </a:fillRef>
+          <a:effectRef idx="0">
+            <a:schemeClr val="accent1"/>
+          </a:effectRef>
+          <a:fontRef idx="minor">
+            <a:schemeClr val="lt1"/>
+          </a:fontRef>
+        </p:style>
+        <p:txBody>
+          <a:bodyPr rtlCol="0" anchor="ctr"/>
+          <a:lstStyle/>
+          <a:p>
+            <a:pPr algn="ctr"/>
+            <a:endParaRPr lang="pt-BR"/>
+          </a:p>
+        </p:txBody>
+      </p:sp>
+      <p:grpSp>
+        <p:nvGrpSpPr>
+          <p:cNvPr id="76" name="Grupo 75"/>
+          <p:cNvGrpSpPr/>
+          <p:nvPr/>
+        </p:nvGrpSpPr>
+        <p:grpSpPr>
+          <a:xfrm>
+            <a:off x="1961719" y="1699777"/>
+            <a:ext cx="6876324" cy="7920000"/>
+            <a:chOff x="-936823" y="1699777"/>
+            <a:chExt cx="6876324" cy="7920000"/>
+          </a:xfrm>
+        </p:grpSpPr>
+        <p:sp>
+          <p:nvSpPr>
+            <p:cNvPr id="68" name="Retângulo 67"/>
+            <p:cNvSpPr/>
+            <p:nvPr/>
+          </p:nvSpPr>
+          <p:spPr>
+            <a:xfrm>
+              <a:off x="1979501" y="1699777"/>
+              <a:ext cx="3960000" cy="7920000"/>
+            </a:xfrm>
+            <a:prstGeom prst="rect">
+              <a:avLst/>
+            </a:prstGeom>
+            <a:solidFill>
+              <a:schemeClr val="bg1"/>
+            </a:solidFill>
+            <a:ln w="508000" cap="sq">
+              <a:solidFill>
+                <a:schemeClr val="tx1"/>
+              </a:solidFill>
+              <a:miter lim="800000"/>
+            </a:ln>
+          </p:spPr>
+          <p:style>
+            <a:lnRef idx="2">
+              <a:schemeClr val="accent1">
+                <a:shade val="50000"/>
+              </a:schemeClr>
+            </a:lnRef>
+            <a:fillRef idx="1">
+              <a:schemeClr val="accent1"/>
+            </a:fillRef>
+            <a:effectRef idx="0">
+              <a:schemeClr val="accent1"/>
+            </a:effectRef>
+            <a:fontRef idx="minor">
+              <a:schemeClr val="lt1"/>
+            </a:fontRef>
+          </p:style>
+          <p:txBody>
+            <a:bodyPr rtlCol="0" anchor="ctr"/>
+            <a:lstStyle/>
+            <a:p>
+              <a:pPr algn="ctr"/>
+              <a:endParaRPr lang="pt-BR"/>
+            </a:p>
+          </p:txBody>
+        </p:sp>
+        <p:sp>
+          <p:nvSpPr>
+            <p:cNvPr id="69" name="Retângulo 68"/>
+            <p:cNvSpPr/>
+            <p:nvPr/>
+          </p:nvSpPr>
+          <p:spPr>
+            <a:xfrm>
+              <a:off x="3149501" y="6379777"/>
+              <a:ext cx="1620000" cy="3240000"/>
+            </a:xfrm>
+            <a:prstGeom prst="rect">
+              <a:avLst/>
+            </a:prstGeom>
+            <a:solidFill>
+              <a:schemeClr val="bg1"/>
+            </a:solidFill>
+            <a:ln w="508000" cap="sq">
+              <a:solidFill>
+                <a:schemeClr val="tx1"/>
+              </a:solidFill>
+              <a:miter lim="800000"/>
+            </a:ln>
+          </p:spPr>
+          <p:style>
+            <a:lnRef idx="2">
+              <a:schemeClr val="accent1">
+                <a:shade val="50000"/>
+              </a:schemeClr>
+            </a:lnRef>
+            <a:fillRef idx="1">
+              <a:schemeClr val="accent1"/>
+            </a:fillRef>
+            <a:effectRef idx="0">
+              <a:schemeClr val="accent1"/>
+            </a:effectRef>
+            <a:fontRef idx="minor">
+              <a:schemeClr val="lt1"/>
+            </a:fontRef>
+          </p:style>
+          <p:txBody>
+            <a:bodyPr rtlCol="0" anchor="ctr"/>
+            <a:lstStyle/>
+            <a:p>
+              <a:pPr algn="ctr"/>
+              <a:endParaRPr lang="pt-BR"/>
+            </a:p>
+          </p:txBody>
+        </p:sp>
+        <p:sp>
+          <p:nvSpPr>
+            <p:cNvPr id="70" name="Retângulo de cantos arredondados 69"/>
+            <p:cNvSpPr/>
+            <p:nvPr/>
+          </p:nvSpPr>
+          <p:spPr>
+            <a:xfrm>
+              <a:off x="3419501" y="4175745"/>
+              <a:ext cx="1080000" cy="1080000"/>
+            </a:xfrm>
+            <a:prstGeom prst="roundRect">
+              <a:avLst>
+                <a:gd name="adj" fmla="val 0"/>
+              </a:avLst>
+            </a:prstGeom>
+            <a:solidFill>
+              <a:schemeClr val="tx1"/>
+            </a:solidFill>
+            <a:ln w="76200">
+              <a:noFill/>
+            </a:ln>
+          </p:spPr>
+          <p:style>
+            <a:lnRef idx="2">
+              <a:schemeClr val="accent1">
+                <a:shade val="50000"/>
+              </a:schemeClr>
+            </a:lnRef>
+            <a:fillRef idx="1">
+              <a:schemeClr val="accent1"/>
+            </a:fillRef>
+            <a:effectRef idx="0">
+              <a:schemeClr val="accent1"/>
+            </a:effectRef>
+            <a:fontRef idx="minor">
+              <a:schemeClr val="lt1"/>
+            </a:fontRef>
+          </p:style>
+          <p:txBody>
+            <a:bodyPr rtlCol="0" anchor="ctr"/>
+            <a:lstStyle/>
+            <a:p>
+              <a:pPr algn="ctr"/>
+              <a:endParaRPr lang="pt-BR" dirty="0"/>
+            </a:p>
+          </p:txBody>
+        </p:sp>
+        <p:sp>
+          <p:nvSpPr>
+            <p:cNvPr id="71" name="Retângulo de cantos arredondados 70"/>
+            <p:cNvSpPr/>
+            <p:nvPr/>
+          </p:nvSpPr>
+          <p:spPr>
+            <a:xfrm>
+              <a:off x="3419501" y="2519561"/>
+              <a:ext cx="1080000" cy="1080000"/>
+            </a:xfrm>
+            <a:prstGeom prst="roundRect">
+              <a:avLst>
+                <a:gd name="adj" fmla="val 0"/>
+              </a:avLst>
+            </a:prstGeom>
+            <a:solidFill>
+              <a:schemeClr val="tx1"/>
+            </a:solidFill>
+            <a:ln w="76200">
+              <a:noFill/>
+            </a:ln>
+          </p:spPr>
+          <p:style>
+            <a:lnRef idx="2">
+              <a:schemeClr val="accent1">
+                <a:shade val="50000"/>
+              </a:schemeClr>
+            </a:lnRef>
+            <a:fillRef idx="1">
+              <a:schemeClr val="accent1"/>
+            </a:fillRef>
+            <a:effectRef idx="0">
+              <a:schemeClr val="accent1"/>
+            </a:effectRef>
+            <a:fontRef idx="minor">
+              <a:schemeClr val="lt1"/>
+            </a:fontRef>
+          </p:style>
+          <p:txBody>
+            <a:bodyPr rtlCol="0" anchor="ctr"/>
+            <a:lstStyle/>
+            <a:p>
+              <a:pPr algn="ctr"/>
+              <a:endParaRPr lang="pt-BR" dirty="0"/>
+            </a:p>
+          </p:txBody>
+        </p:sp>
+        <p:grpSp>
+          <p:nvGrpSpPr>
+            <p:cNvPr id="75" name="Grupo 74"/>
+            <p:cNvGrpSpPr/>
+            <p:nvPr/>
+          </p:nvGrpSpPr>
+          <p:grpSpPr>
+            <a:xfrm>
+              <a:off x="-936823" y="4939777"/>
+              <a:ext cx="2880000" cy="4680000"/>
+              <a:chOff x="5940261" y="4939777"/>
+              <a:chExt cx="2880000" cy="4680000"/>
+            </a:xfrm>
+          </p:grpSpPr>
+          <p:sp>
+            <p:nvSpPr>
+              <p:cNvPr id="72" name="Retângulo 71"/>
+              <p:cNvSpPr/>
+              <p:nvPr/>
+            </p:nvSpPr>
+            <p:spPr>
+              <a:xfrm>
+                <a:off x="5940261" y="4939777"/>
+                <a:ext cx="2880000" cy="4680000"/>
+              </a:xfrm>
+              <a:prstGeom prst="rect">
+                <a:avLst/>
+              </a:prstGeom>
+              <a:solidFill>
+                <a:schemeClr val="bg1"/>
+              </a:solidFill>
+              <a:ln w="508000" cap="sq">
+                <a:solidFill>
+                  <a:schemeClr val="tx1"/>
+                </a:solidFill>
+                <a:miter lim="800000"/>
+              </a:ln>
+            </p:spPr>
+            <p:style>
+              <a:lnRef idx="2">
+                <a:schemeClr val="accent1">
+                  <a:shade val="50000"/>
+                </a:schemeClr>
+              </a:lnRef>
+              <a:fillRef idx="1">
+                <a:schemeClr val="accent1"/>
+              </a:fillRef>
+              <a:effectRef idx="0">
+                <a:schemeClr val="accent1"/>
+              </a:effectRef>
+              <a:fontRef idx="minor">
+                <a:schemeClr val="lt1"/>
+              </a:fontRef>
+            </p:style>
+            <p:txBody>
+              <a:bodyPr rtlCol="0" anchor="ctr"/>
+              <a:lstStyle/>
+              <a:p>
+                <a:pPr algn="ctr"/>
+                <a:endParaRPr lang="pt-BR"/>
+              </a:p>
+            </p:txBody>
+          </p:sp>
+          <p:sp>
+            <p:nvSpPr>
+              <p:cNvPr id="73" name="Retângulo de cantos arredondados 72"/>
+              <p:cNvSpPr/>
+              <p:nvPr/>
+            </p:nvSpPr>
+            <p:spPr>
+              <a:xfrm>
+                <a:off x="6840261" y="7639641"/>
+                <a:ext cx="1080000" cy="1080000"/>
+              </a:xfrm>
+              <a:prstGeom prst="roundRect">
+                <a:avLst>
+                  <a:gd name="adj" fmla="val 0"/>
+                </a:avLst>
+              </a:prstGeom>
+              <a:solidFill>
+                <a:schemeClr val="tx1"/>
+              </a:solidFill>
+              <a:ln w="76200">
+                <a:noFill/>
+              </a:ln>
+            </p:spPr>
+            <p:style>
+              <a:lnRef idx="2">
+                <a:schemeClr val="accent1">
+                  <a:shade val="50000"/>
+                </a:schemeClr>
+              </a:lnRef>
+              <a:fillRef idx="1">
+                <a:schemeClr val="accent1"/>
+              </a:fillRef>
+              <a:effectRef idx="0">
+                <a:schemeClr val="accent1"/>
+              </a:effectRef>
+              <a:fontRef idx="minor">
+                <a:schemeClr val="lt1"/>
+              </a:fontRef>
+            </p:style>
+            <p:txBody>
+              <a:bodyPr rtlCol="0" anchor="ctr"/>
+              <a:lstStyle/>
+              <a:p>
+                <a:pPr algn="ctr"/>
+                <a:endParaRPr lang="pt-BR" dirty="0"/>
+              </a:p>
+            </p:txBody>
+          </p:sp>
+          <p:sp>
+            <p:nvSpPr>
+              <p:cNvPr id="74" name="Retângulo de cantos arredondados 73"/>
+              <p:cNvSpPr/>
+              <p:nvPr/>
+            </p:nvSpPr>
+            <p:spPr>
+              <a:xfrm>
+                <a:off x="6840261" y="5839441"/>
+                <a:ext cx="1080000" cy="1080000"/>
+              </a:xfrm>
+              <a:prstGeom prst="roundRect">
+                <a:avLst>
+                  <a:gd name="adj" fmla="val 0"/>
+                </a:avLst>
+              </a:prstGeom>
+              <a:solidFill>
+                <a:schemeClr val="tx1"/>
+              </a:solidFill>
+              <a:ln w="76200">
+                <a:noFill/>
+              </a:ln>
+            </p:spPr>
+            <p:style>
+              <a:lnRef idx="2">
+                <a:schemeClr val="accent1">
+                  <a:shade val="50000"/>
+                </a:schemeClr>
+              </a:lnRef>
+              <a:fillRef idx="1">
+                <a:schemeClr val="accent1"/>
+              </a:fillRef>
+              <a:effectRef idx="0">
+                <a:schemeClr val="accent1"/>
+              </a:effectRef>
+              <a:fontRef idx="minor">
+                <a:schemeClr val="lt1"/>
+              </a:fontRef>
+            </p:style>
+            <p:txBody>
+              <a:bodyPr rtlCol="0" anchor="ctr"/>
+              <a:lstStyle/>
+              <a:p>
+                <a:pPr algn="ctr"/>
+                <a:endParaRPr lang="pt-BR" dirty="0"/>
+              </a:p>
+            </p:txBody>
+          </p:sp>
+        </p:grpSp>
+      </p:grpSp>
+    </p:spTree>
+    <p:extLst>
+      <p:ext uri="{BB962C8B-B14F-4D97-AF65-F5344CB8AC3E}">
+        <p14:creationId xmlns="" xmlns:p14="http://schemas.microsoft.com/office/powerpoint/2010/main" val="601465837"/>
+      </p:ext>
+    </p:extLst>
+  </p:cSld>
+  <p:clrMapOvr>
+    <a:masterClrMapping/>
+  </p:clrMapOvr>
+  <p:timing>
+    <p:tnLst>
+      <p:par>
+        <p:cTn id="1" dur="indefinite" restart="never" nodeType="tmRoot"/>
+      </p:par>
+    </p:tnLst>
+  </p:timing>
+</p:sld>
+</file>
+
+<file path=ppt/slides/slide12.xml><?xml version="1.0" encoding="utf-8"?>
+<p:sld xmlns:a="http://schemas.openxmlformats.org/drawingml/2006/main" xmlns:r="http://schemas.openxmlformats.org/officeDocument/2006/relationships" xmlns:p="http://schemas.openxmlformats.org/presentationml/2006/main">
+  <p:cSld>
+    <p:spTree>
+      <p:nvGrpSpPr>
+        <p:cNvPr id="1" name=""/>
+        <p:cNvGrpSpPr/>
+        <p:nvPr/>
+      </p:nvGrpSpPr>
+      <p:grpSpPr>
+        <a:xfrm>
+          <a:off x="0" y="0"/>
+          <a:ext cx="0" cy="0"/>
+          <a:chOff x="0" y="0"/>
+          <a:chExt cx="0" cy="0"/>
+        </a:xfrm>
+      </p:grpSpPr>
+      <p:sp>
+        <p:nvSpPr>
+          <p:cNvPr id="4" name="Retângulo de cantos arredondados 3"/>
+          <p:cNvSpPr/>
+          <p:nvPr/>
+        </p:nvSpPr>
+        <p:spPr>
+          <a:xfrm>
+            <a:off x="179881" y="179881"/>
+            <a:ext cx="10440000" cy="10440000"/>
+          </a:xfrm>
+          <a:prstGeom prst="roundRect">
+            <a:avLst>
+              <a:gd name="adj" fmla="val 18713"/>
+            </a:avLst>
+          </a:prstGeom>
+          <a:gradFill flip="none" rotWithShape="1">
+            <a:gsLst>
+              <a:gs pos="0">
+                <a:srgbClr val="800080">
+                  <a:shade val="30000"/>
+                  <a:satMod val="115000"/>
+                </a:srgbClr>
+              </a:gs>
+              <a:gs pos="50000">
+                <a:srgbClr val="800080">
+                  <a:shade val="67500"/>
+                  <a:satMod val="115000"/>
+                </a:srgbClr>
+              </a:gs>
+              <a:gs pos="100000">
+                <a:srgbClr val="800080">
+                  <a:shade val="100000"/>
+                  <a:satMod val="115000"/>
+                </a:srgbClr>
+              </a:gs>
+            </a:gsLst>
+            <a:lin ang="16200000" scaled="1"/>
+            <a:tileRect/>
+          </a:gradFill>
+          <a:ln>
+            <a:noFill/>
+          </a:ln>
+        </p:spPr>
+        <p:style>
+          <a:lnRef idx="2">
+            <a:schemeClr val="accent1">
+              <a:shade val="50000"/>
+            </a:schemeClr>
+          </a:lnRef>
+          <a:fillRef idx="1">
+            <a:schemeClr val="accent1"/>
+          </a:fillRef>
+          <a:effectRef idx="0">
+            <a:schemeClr val="accent1"/>
+          </a:effectRef>
+          <a:fontRef idx="minor">
+            <a:schemeClr val="lt1"/>
+          </a:fontRef>
+        </p:style>
+        <p:txBody>
+          <a:bodyPr rtlCol="0" anchor="ctr"/>
+          <a:lstStyle/>
+          <a:p>
+            <a:pPr algn="ctr"/>
+            <a:endParaRPr lang="pt-BR"/>
+          </a:p>
+        </p:txBody>
+      </p:sp>
+      <p:sp>
+        <p:nvSpPr>
+          <p:cNvPr id="34" name="Losango 33"/>
+          <p:cNvSpPr/>
+          <p:nvPr/>
+        </p:nvSpPr>
+        <p:spPr>
+          <a:xfrm>
+            <a:off x="1350121" y="1511449"/>
+            <a:ext cx="8280000" cy="2160240"/>
+          </a:xfrm>
+          <a:prstGeom prst="diamond">
+            <a:avLst/>
+          </a:prstGeom>
+          <a:solidFill>
+            <a:schemeClr val="bg1"/>
+          </a:solidFill>
+          <a:ln w="76200">
+            <a:solidFill>
+              <a:schemeClr val="bg1"/>
+            </a:solidFill>
+          </a:ln>
+        </p:spPr>
+        <p:style>
+          <a:lnRef idx="2">
+            <a:schemeClr val="accent1">
+              <a:shade val="50000"/>
+            </a:schemeClr>
+          </a:lnRef>
+          <a:fillRef idx="1">
+            <a:schemeClr val="accent1"/>
+          </a:fillRef>
+          <a:effectRef idx="0">
+            <a:schemeClr val="accent1"/>
+          </a:effectRef>
+          <a:fontRef idx="minor">
+            <a:schemeClr val="lt1"/>
+          </a:fontRef>
+        </p:style>
+        <p:txBody>
+          <a:bodyPr rtlCol="0" anchor="ctr"/>
+          <a:lstStyle/>
+          <a:p>
+            <a:pPr algn="ctr"/>
+            <a:endParaRPr lang="pt-BR"/>
+          </a:p>
+        </p:txBody>
+      </p:sp>
+      <p:cxnSp>
+        <p:nvCxnSpPr>
+          <p:cNvPr id="38" name="Conector reto 37"/>
+          <p:cNvCxnSpPr/>
+          <p:nvPr/>
+        </p:nvCxnSpPr>
+        <p:spPr>
+          <a:xfrm>
+            <a:off x="1169641" y="4247753"/>
+            <a:ext cx="0" cy="1656184"/>
+          </a:xfrm>
+          <a:prstGeom prst="line">
+            <a:avLst/>
+          </a:prstGeom>
+          <a:ln w="76200">
+            <a:solidFill>
+              <a:schemeClr val="bg1"/>
+            </a:solidFill>
+          </a:ln>
+        </p:spPr>
+        <p:style>
+          <a:lnRef idx="1">
+            <a:schemeClr val="accent1"/>
+          </a:lnRef>
+          <a:fillRef idx="0">
+            <a:schemeClr val="accent1"/>
+          </a:fillRef>
+          <a:effectRef idx="0">
+            <a:schemeClr val="accent1"/>
+          </a:effectRef>
+          <a:fontRef idx="minor">
+            <a:schemeClr val="tx1"/>
+          </a:fontRef>
+        </p:style>
+      </p:cxnSp>
+      <p:cxnSp>
+        <p:nvCxnSpPr>
+          <p:cNvPr id="39" name="Conector reto 38"/>
+          <p:cNvCxnSpPr/>
+          <p:nvPr/>
+        </p:nvCxnSpPr>
+        <p:spPr>
+          <a:xfrm>
+            <a:off x="1340545" y="4247753"/>
+            <a:ext cx="0" cy="1656184"/>
+          </a:xfrm>
+          <a:prstGeom prst="line">
+            <a:avLst/>
+          </a:prstGeom>
+          <a:ln w="76200">
+            <a:solidFill>
+              <a:schemeClr val="bg1"/>
+            </a:solidFill>
+          </a:ln>
+        </p:spPr>
+        <p:style>
+          <a:lnRef idx="1">
+            <a:schemeClr val="accent1"/>
+          </a:lnRef>
+          <a:fillRef idx="0">
+            <a:schemeClr val="accent1"/>
+          </a:fillRef>
+          <a:effectRef idx="0">
+            <a:schemeClr val="accent1"/>
+          </a:effectRef>
+          <a:fontRef idx="minor">
+            <a:schemeClr val="tx1"/>
+          </a:fontRef>
+        </p:style>
+      </p:cxnSp>
+      <p:cxnSp>
+        <p:nvCxnSpPr>
+          <p:cNvPr id="41" name="Conector reto 40"/>
+          <p:cNvCxnSpPr/>
+          <p:nvPr/>
+        </p:nvCxnSpPr>
+        <p:spPr>
+          <a:xfrm>
+            <a:off x="1511449" y="4247753"/>
+            <a:ext cx="0" cy="1656184"/>
+          </a:xfrm>
+          <a:prstGeom prst="line">
+            <a:avLst/>
+          </a:prstGeom>
+          <a:ln w="76200">
+            <a:solidFill>
+              <a:schemeClr val="bg1"/>
+            </a:solidFill>
+          </a:ln>
+        </p:spPr>
+        <p:style>
+          <a:lnRef idx="1">
+            <a:schemeClr val="accent1"/>
+          </a:lnRef>
+          <a:fillRef idx="0">
+            <a:schemeClr val="accent1"/>
+          </a:fillRef>
+          <a:effectRef idx="0">
+            <a:schemeClr val="accent1"/>
+          </a:effectRef>
+          <a:fontRef idx="minor">
+            <a:schemeClr val="tx1"/>
+          </a:fontRef>
+        </p:style>
+      </p:cxnSp>
+      <p:sp>
+        <p:nvSpPr>
+          <p:cNvPr id="24" name="Retângulo de cantos arredondados 23"/>
+          <p:cNvSpPr/>
+          <p:nvPr/>
+        </p:nvSpPr>
+        <p:spPr>
+          <a:xfrm>
+            <a:off x="1079401" y="2807593"/>
+            <a:ext cx="540000" cy="1440000"/>
+          </a:xfrm>
+          <a:prstGeom prst="roundRect">
+            <a:avLst/>
+          </a:prstGeom>
+          <a:solidFill>
+            <a:schemeClr val="bg1"/>
+          </a:solidFill>
+          <a:ln w="76200">
+            <a:solidFill>
+              <a:schemeClr val="bg1"/>
+            </a:solidFill>
+          </a:ln>
+        </p:spPr>
+        <p:style>
+          <a:lnRef idx="2">
+            <a:schemeClr val="accent1">
+              <a:shade val="50000"/>
+            </a:schemeClr>
+          </a:lnRef>
+          <a:fillRef idx="1">
+            <a:schemeClr val="accent1"/>
+          </a:fillRef>
+          <a:effectRef idx="0">
+            <a:schemeClr val="accent1"/>
+          </a:effectRef>
+          <a:fontRef idx="minor">
+            <a:schemeClr val="lt1"/>
+          </a:fontRef>
+        </p:style>
+        <p:txBody>
+          <a:bodyPr rtlCol="0" anchor="ctr"/>
+          <a:lstStyle/>
+          <a:p>
+            <a:pPr algn="ctr"/>
+            <a:endParaRPr lang="pt-BR"/>
+          </a:p>
+        </p:txBody>
+      </p:sp>
+    </p:spTree>
+    <p:extLst>
+      <p:ext uri="{BB962C8B-B14F-4D97-AF65-F5344CB8AC3E}">
+        <p14:creationId xmlns="" xmlns:p14="http://schemas.microsoft.com/office/powerpoint/2010/main" val="601465837"/>
+      </p:ext>
+    </p:extLst>
+  </p:cSld>
+  <p:clrMapOvr>
+    <a:masterClrMapping/>
+  </p:clrMapOvr>
+  <p:timing>
+    <p:tnLst>
+      <p:par>
+        <p:cTn id="1" dur="indefinite" restart="never" nodeType="tmRoot"/>
+      </p:par>
+    </p:tnLst>
+  </p:timing>
+</p:sld>
+</file>
+
+<file path=ppt/slides/slide13.xml><?xml version="1.0" encoding="utf-8"?>
+<p:sld xmlns:a="http://schemas.openxmlformats.org/drawingml/2006/main" xmlns:r="http://schemas.openxmlformats.org/officeDocument/2006/relationships" xmlns:p="http://schemas.openxmlformats.org/presentationml/2006/main">
+  <p:cSld>
+    <p:spTree>
+      <p:nvGrpSpPr>
+        <p:cNvPr id="1" name=""/>
+        <p:cNvGrpSpPr/>
+        <p:nvPr/>
+      </p:nvGrpSpPr>
+      <p:grpSpPr>
+        <a:xfrm>
+          <a:off x="0" y="0"/>
+          <a:ext cx="0" cy="0"/>
+          <a:chOff x="0" y="0"/>
+          <a:chExt cx="0" cy="0"/>
+        </a:xfrm>
+      </p:grpSpPr>
+      <p:sp>
+        <p:nvSpPr>
+          <p:cNvPr id="4" name="Retângulo de cantos arredondados 3"/>
+          <p:cNvSpPr/>
+          <p:nvPr/>
+        </p:nvSpPr>
+        <p:spPr>
+          <a:xfrm>
+            <a:off x="179881" y="179881"/>
+            <a:ext cx="10440000" cy="10440000"/>
+          </a:xfrm>
+          <a:prstGeom prst="roundRect">
+            <a:avLst>
               <a:gd name="adj" fmla="val 18585"/>
             </a:avLst>
           </a:prstGeom>
@@ -3724,7 +5785,7 @@
     </p:spTree>
     <p:extLst>
       <p:ext uri="{BB962C8B-B14F-4D97-AF65-F5344CB8AC3E}">
-        <p14:creationId xmlns:p14="http://schemas.microsoft.com/office/powerpoint/2010/main" xmlns="" val="601465837"/>
+        <p14:creationId xmlns="" xmlns:p14="http://schemas.microsoft.com/office/powerpoint/2010/main" val="601465837"/>
       </p:ext>
     </p:extLst>
   </p:cSld>
@@ -3741,7 +5802,7 @@
 </p:sld>
 </file>
 
-<file path=ppt/slides/slide12.xml><?xml version="1.0" encoding="utf-8"?>
+<file path=ppt/slides/slide14.xml><?xml version="1.0" encoding="utf-8"?>
 <p:sld xmlns:a="http://schemas.openxmlformats.org/drawingml/2006/main" xmlns:r="http://schemas.openxmlformats.org/officeDocument/2006/relationships" xmlns:p="http://schemas.openxmlformats.org/presentationml/2006/main">
   <p:cSld>
     <p:spTree>
@@ -4571,7 +6632,7 @@
     </p:spTree>
     <p:extLst>
       <p:ext uri="{BB962C8B-B14F-4D97-AF65-F5344CB8AC3E}">
-        <p14:creationId xmlns:p14="http://schemas.microsoft.com/office/powerpoint/2010/main" xmlns="" val="601465837"/>
+        <p14:creationId xmlns="" xmlns:p14="http://schemas.microsoft.com/office/powerpoint/2010/main" val="601465837"/>
       </p:ext>
     </p:extLst>
   </p:cSld>
@@ -5185,7 +7246,7 @@
     </p:spTree>
     <p:extLst>
       <p:ext uri="{BB962C8B-B14F-4D97-AF65-F5344CB8AC3E}">
-        <p14:creationId xmlns:p14="http://schemas.microsoft.com/office/powerpoint/2010/main" xmlns="" val="601465837"/>
+        <p14:creationId xmlns="" xmlns:p14="http://schemas.microsoft.com/office/powerpoint/2010/main" val="601465837"/>
       </p:ext>
     </p:extLst>
   </p:cSld>
@@ -5203,6 +7264,717 @@
 </file>
 
 <file path=ppt/slides/slide3.xml><?xml version="1.0" encoding="utf-8"?>
+<p:sld xmlns:a="http://schemas.openxmlformats.org/drawingml/2006/main" xmlns:r="http://schemas.openxmlformats.org/officeDocument/2006/relationships" xmlns:p="http://schemas.openxmlformats.org/presentationml/2006/main">
+  <p:cSld>
+    <p:spTree>
+      <p:nvGrpSpPr>
+        <p:cNvPr id="1" name=""/>
+        <p:cNvGrpSpPr/>
+        <p:nvPr/>
+      </p:nvGrpSpPr>
+      <p:grpSpPr>
+        <a:xfrm>
+          <a:off x="0" y="0"/>
+          <a:ext cx="0" cy="0"/>
+          <a:chOff x="0" y="0"/>
+          <a:chExt cx="0" cy="0"/>
+        </a:xfrm>
+      </p:grpSpPr>
+      <p:sp>
+        <p:nvSpPr>
+          <p:cNvPr id="4" name="Retângulo de cantos arredondados 3"/>
+          <p:cNvSpPr/>
+          <p:nvPr/>
+        </p:nvSpPr>
+        <p:spPr>
+          <a:xfrm>
+            <a:off x="179881" y="179881"/>
+            <a:ext cx="10440000" cy="10440000"/>
+          </a:xfrm>
+          <a:prstGeom prst="roundRect">
+            <a:avLst>
+              <a:gd name="adj" fmla="val 0"/>
+            </a:avLst>
+          </a:prstGeom>
+          <a:gradFill flip="none" rotWithShape="1">
+            <a:gsLst>
+              <a:gs pos="0">
+                <a:schemeClr val="accent5">
+                  <a:lumMod val="50000"/>
+                  <a:shade val="30000"/>
+                  <a:satMod val="115000"/>
+                </a:schemeClr>
+              </a:gs>
+              <a:gs pos="50000">
+                <a:schemeClr val="accent5">
+                  <a:lumMod val="50000"/>
+                  <a:shade val="67500"/>
+                  <a:satMod val="115000"/>
+                </a:schemeClr>
+              </a:gs>
+              <a:gs pos="100000">
+                <a:schemeClr val="accent5">
+                  <a:lumMod val="50000"/>
+                  <a:shade val="100000"/>
+                  <a:satMod val="115000"/>
+                </a:schemeClr>
+              </a:gs>
+            </a:gsLst>
+            <a:lin ang="5400000" scaled="1"/>
+            <a:tileRect/>
+          </a:gradFill>
+          <a:ln>
+            <a:noFill/>
+          </a:ln>
+          <a:effectLst/>
+        </p:spPr>
+        <p:style>
+          <a:lnRef idx="2">
+            <a:schemeClr val="accent1">
+              <a:shade val="50000"/>
+            </a:schemeClr>
+          </a:lnRef>
+          <a:fillRef idx="1">
+            <a:schemeClr val="accent1"/>
+          </a:fillRef>
+          <a:effectRef idx="0">
+            <a:schemeClr val="accent1"/>
+          </a:effectRef>
+          <a:fontRef idx="minor">
+            <a:schemeClr val="lt1"/>
+          </a:fontRef>
+        </p:style>
+        <p:txBody>
+          <a:bodyPr rtlCol="0" anchor="ctr"/>
+          <a:lstStyle/>
+          <a:p>
+            <a:pPr algn="ctr"/>
+            <a:endParaRPr lang="pt-BR"/>
+          </a:p>
+        </p:txBody>
+      </p:sp>
+      <p:sp>
+        <p:nvSpPr>
+          <p:cNvPr id="13" name="Retângulo 12"/>
+          <p:cNvSpPr/>
+          <p:nvPr/>
+        </p:nvSpPr>
+        <p:spPr>
+          <a:xfrm>
+            <a:off x="179881" y="8784457"/>
+            <a:ext cx="10440000" cy="1800000"/>
+          </a:xfrm>
+          <a:prstGeom prst="rect">
+            <a:avLst/>
+          </a:prstGeom>
+          <a:solidFill>
+            <a:schemeClr val="bg1"/>
+          </a:solidFill>
+          <a:ln w="76200">
+            <a:solidFill>
+              <a:schemeClr val="bg1"/>
+            </a:solidFill>
+          </a:ln>
+        </p:spPr>
+        <p:style>
+          <a:lnRef idx="2">
+            <a:schemeClr val="accent1">
+              <a:shade val="50000"/>
+            </a:schemeClr>
+          </a:lnRef>
+          <a:fillRef idx="1">
+            <a:schemeClr val="accent1"/>
+          </a:fillRef>
+          <a:effectRef idx="0">
+            <a:schemeClr val="accent1"/>
+          </a:effectRef>
+          <a:fontRef idx="minor">
+            <a:schemeClr val="lt1"/>
+          </a:fontRef>
+        </p:style>
+        <p:txBody>
+          <a:bodyPr rtlCol="0" anchor="ctr"/>
+          <a:lstStyle/>
+          <a:p>
+            <a:pPr algn="ctr"/>
+            <a:r>
+              <a:rPr lang="pt-BR" sz="10000" b="1" dirty="0" smtClean="0">
+                <a:solidFill>
+                  <a:schemeClr val="accent5">
+                    <a:lumMod val="50000"/>
+                  </a:schemeClr>
+                </a:solidFill>
+                <a:latin typeface="Candara" pitchFamily="34" charset="0"/>
+              </a:rPr>
+              <a:t>Relatórios</a:t>
+            </a:r>
+            <a:endParaRPr lang="pt-BR" sz="10000" b="1" dirty="0">
+              <a:solidFill>
+                <a:schemeClr val="accent5">
+                  <a:lumMod val="50000"/>
+                </a:schemeClr>
+              </a:solidFill>
+              <a:latin typeface="Candara" pitchFamily="34" charset="0"/>
+            </a:endParaRPr>
+          </a:p>
+        </p:txBody>
+      </p:sp>
+      <p:sp>
+        <p:nvSpPr>
+          <p:cNvPr id="14" name="Pergaminho vertical 13"/>
+          <p:cNvSpPr/>
+          <p:nvPr/>
+        </p:nvSpPr>
+        <p:spPr>
+          <a:xfrm>
+            <a:off x="1619881" y="1080161"/>
+            <a:ext cx="7560000" cy="6840000"/>
+          </a:xfrm>
+          <a:prstGeom prst="verticalScroll">
+            <a:avLst>
+              <a:gd name="adj" fmla="val 12500"/>
+            </a:avLst>
+          </a:prstGeom>
+          <a:solidFill>
+            <a:schemeClr val="bg1"/>
+          </a:solidFill>
+          <a:ln w="101600">
+            <a:solidFill>
+              <a:schemeClr val="accent5">
+                <a:lumMod val="50000"/>
+              </a:schemeClr>
+            </a:solidFill>
+          </a:ln>
+        </p:spPr>
+        <p:style>
+          <a:lnRef idx="2">
+            <a:schemeClr val="accent1">
+              <a:shade val="50000"/>
+            </a:schemeClr>
+          </a:lnRef>
+          <a:fillRef idx="1">
+            <a:schemeClr val="accent1"/>
+          </a:fillRef>
+          <a:effectRef idx="0">
+            <a:schemeClr val="accent1"/>
+          </a:effectRef>
+          <a:fontRef idx="minor">
+            <a:schemeClr val="lt1"/>
+          </a:fontRef>
+        </p:style>
+        <p:txBody>
+          <a:bodyPr rtlCol="0" anchor="ctr"/>
+          <a:lstStyle/>
+          <a:p>
+            <a:pPr algn="ctr"/>
+            <a:endParaRPr lang="pt-BR"/>
+          </a:p>
+        </p:txBody>
+      </p:sp>
+      <p:cxnSp>
+        <p:nvCxnSpPr>
+          <p:cNvPr id="18" name="Conector reto 17"/>
+          <p:cNvCxnSpPr/>
+          <p:nvPr/>
+        </p:nvCxnSpPr>
+        <p:spPr>
+          <a:xfrm>
+            <a:off x="3366135" y="3023617"/>
+            <a:ext cx="4320000" cy="0"/>
+          </a:xfrm>
+          <a:prstGeom prst="line">
+            <a:avLst/>
+          </a:prstGeom>
+          <a:ln w="114300">
+            <a:solidFill>
+              <a:schemeClr val="accent5">
+                <a:lumMod val="50000"/>
+              </a:schemeClr>
+            </a:solidFill>
+          </a:ln>
+        </p:spPr>
+        <p:style>
+          <a:lnRef idx="1">
+            <a:schemeClr val="accent1"/>
+          </a:lnRef>
+          <a:fillRef idx="0">
+            <a:schemeClr val="accent1"/>
+          </a:fillRef>
+          <a:effectRef idx="0">
+            <a:schemeClr val="accent1"/>
+          </a:effectRef>
+          <a:fontRef idx="minor">
+            <a:schemeClr val="tx1"/>
+          </a:fontRef>
+        </p:style>
+      </p:cxnSp>
+      <p:cxnSp>
+        <p:nvCxnSpPr>
+          <p:cNvPr id="19" name="Conector reto 18"/>
+          <p:cNvCxnSpPr/>
+          <p:nvPr/>
+        </p:nvCxnSpPr>
+        <p:spPr>
+          <a:xfrm>
+            <a:off x="3366135" y="3599681"/>
+            <a:ext cx="4320000" cy="0"/>
+          </a:xfrm>
+          <a:prstGeom prst="line">
+            <a:avLst/>
+          </a:prstGeom>
+          <a:ln w="114300">
+            <a:solidFill>
+              <a:schemeClr val="accent5">
+                <a:lumMod val="50000"/>
+              </a:schemeClr>
+            </a:solidFill>
+          </a:ln>
+        </p:spPr>
+        <p:style>
+          <a:lnRef idx="1">
+            <a:schemeClr val="accent1"/>
+          </a:lnRef>
+          <a:fillRef idx="0">
+            <a:schemeClr val="accent1"/>
+          </a:fillRef>
+          <a:effectRef idx="0">
+            <a:schemeClr val="accent1"/>
+          </a:effectRef>
+          <a:fontRef idx="minor">
+            <a:schemeClr val="tx1"/>
+          </a:fontRef>
+        </p:style>
+      </p:cxnSp>
+      <p:cxnSp>
+        <p:nvCxnSpPr>
+          <p:cNvPr id="20" name="Conector reto 19"/>
+          <p:cNvCxnSpPr/>
+          <p:nvPr/>
+        </p:nvCxnSpPr>
+        <p:spPr>
+          <a:xfrm>
+            <a:off x="3366135" y="4175745"/>
+            <a:ext cx="4320000" cy="0"/>
+          </a:xfrm>
+          <a:prstGeom prst="line">
+            <a:avLst/>
+          </a:prstGeom>
+          <a:ln w="114300">
+            <a:solidFill>
+              <a:schemeClr val="accent5">
+                <a:lumMod val="50000"/>
+              </a:schemeClr>
+            </a:solidFill>
+          </a:ln>
+        </p:spPr>
+        <p:style>
+          <a:lnRef idx="1">
+            <a:schemeClr val="accent1"/>
+          </a:lnRef>
+          <a:fillRef idx="0">
+            <a:schemeClr val="accent1"/>
+          </a:fillRef>
+          <a:effectRef idx="0">
+            <a:schemeClr val="accent1"/>
+          </a:effectRef>
+          <a:fontRef idx="minor">
+            <a:schemeClr val="tx1"/>
+          </a:fontRef>
+        </p:style>
+      </p:cxnSp>
+      <p:cxnSp>
+        <p:nvCxnSpPr>
+          <p:cNvPr id="21" name="Conector reto 20"/>
+          <p:cNvCxnSpPr/>
+          <p:nvPr/>
+        </p:nvCxnSpPr>
+        <p:spPr>
+          <a:xfrm>
+            <a:off x="3366135" y="4751809"/>
+            <a:ext cx="4320000" cy="0"/>
+          </a:xfrm>
+          <a:prstGeom prst="line">
+            <a:avLst/>
+          </a:prstGeom>
+          <a:ln w="114300">
+            <a:solidFill>
+              <a:schemeClr val="accent5">
+                <a:lumMod val="50000"/>
+              </a:schemeClr>
+            </a:solidFill>
+          </a:ln>
+        </p:spPr>
+        <p:style>
+          <a:lnRef idx="1">
+            <a:schemeClr val="accent1"/>
+          </a:lnRef>
+          <a:fillRef idx="0">
+            <a:schemeClr val="accent1"/>
+          </a:fillRef>
+          <a:effectRef idx="0">
+            <a:schemeClr val="accent1"/>
+          </a:effectRef>
+          <a:fontRef idx="minor">
+            <a:schemeClr val="tx1"/>
+          </a:fontRef>
+        </p:style>
+      </p:cxnSp>
+      <p:cxnSp>
+        <p:nvCxnSpPr>
+          <p:cNvPr id="22" name="Conector reto 21"/>
+          <p:cNvCxnSpPr/>
+          <p:nvPr/>
+        </p:nvCxnSpPr>
+        <p:spPr>
+          <a:xfrm>
+            <a:off x="3366135" y="5327873"/>
+            <a:ext cx="4320000" cy="0"/>
+          </a:xfrm>
+          <a:prstGeom prst="line">
+            <a:avLst/>
+          </a:prstGeom>
+          <a:ln w="114300">
+            <a:solidFill>
+              <a:schemeClr val="accent5">
+                <a:lumMod val="50000"/>
+              </a:schemeClr>
+            </a:solidFill>
+          </a:ln>
+        </p:spPr>
+        <p:style>
+          <a:lnRef idx="1">
+            <a:schemeClr val="accent1"/>
+          </a:lnRef>
+          <a:fillRef idx="0">
+            <a:schemeClr val="accent1"/>
+          </a:fillRef>
+          <a:effectRef idx="0">
+            <a:schemeClr val="accent1"/>
+          </a:effectRef>
+          <a:fontRef idx="minor">
+            <a:schemeClr val="tx1"/>
+          </a:fontRef>
+        </p:style>
+      </p:cxnSp>
+      <p:cxnSp>
+        <p:nvCxnSpPr>
+          <p:cNvPr id="23" name="Conector reto 22"/>
+          <p:cNvCxnSpPr/>
+          <p:nvPr/>
+        </p:nvCxnSpPr>
+        <p:spPr>
+          <a:xfrm>
+            <a:off x="3366135" y="5903937"/>
+            <a:ext cx="4320000" cy="0"/>
+          </a:xfrm>
+          <a:prstGeom prst="line">
+            <a:avLst/>
+          </a:prstGeom>
+          <a:ln w="114300">
+            <a:solidFill>
+              <a:schemeClr val="accent5">
+                <a:lumMod val="50000"/>
+              </a:schemeClr>
+            </a:solidFill>
+          </a:ln>
+        </p:spPr>
+        <p:style>
+          <a:lnRef idx="1">
+            <a:schemeClr val="accent1"/>
+          </a:lnRef>
+          <a:fillRef idx="0">
+            <a:schemeClr val="accent1"/>
+          </a:fillRef>
+          <a:effectRef idx="0">
+            <a:schemeClr val="accent1"/>
+          </a:effectRef>
+          <a:fontRef idx="minor">
+            <a:schemeClr val="tx1"/>
+          </a:fontRef>
+        </p:style>
+      </p:cxnSp>
+      <p:cxnSp>
+        <p:nvCxnSpPr>
+          <p:cNvPr id="24" name="Conector reto 23"/>
+          <p:cNvCxnSpPr/>
+          <p:nvPr/>
+        </p:nvCxnSpPr>
+        <p:spPr>
+          <a:xfrm>
+            <a:off x="3384137" y="6480001"/>
+            <a:ext cx="4320000" cy="0"/>
+          </a:xfrm>
+          <a:prstGeom prst="line">
+            <a:avLst/>
+          </a:prstGeom>
+          <a:ln w="114300">
+            <a:solidFill>
+              <a:schemeClr val="accent5">
+                <a:lumMod val="50000"/>
+              </a:schemeClr>
+            </a:solidFill>
+          </a:ln>
+        </p:spPr>
+        <p:style>
+          <a:lnRef idx="1">
+            <a:schemeClr val="accent1"/>
+          </a:lnRef>
+          <a:fillRef idx="0">
+            <a:schemeClr val="accent1"/>
+          </a:fillRef>
+          <a:effectRef idx="0">
+            <a:schemeClr val="accent1"/>
+          </a:effectRef>
+          <a:fontRef idx="minor">
+            <a:schemeClr val="tx1"/>
+          </a:fontRef>
+        </p:style>
+      </p:cxnSp>
+    </p:spTree>
+    <p:extLst>
+      <p:ext uri="{BB962C8B-B14F-4D97-AF65-F5344CB8AC3E}">
+        <p14:creationId xmlns="" xmlns:p14="http://schemas.microsoft.com/office/powerpoint/2010/main" val="601465837"/>
+      </p:ext>
+    </p:extLst>
+  </p:cSld>
+  <p:clrMapOvr>
+    <a:masterClrMapping/>
+  </p:clrMapOvr>
+  <p:timing>
+    <p:tnLst>
+      <p:par>
+        <p:cTn id="1" dur="indefinite" restart="never" nodeType="tmRoot"/>
+      </p:par>
+    </p:tnLst>
+  </p:timing>
+</p:sld>
+</file>
+
+<file path=ppt/slides/slide4.xml><?xml version="1.0" encoding="utf-8"?>
+<p:sld xmlns:a="http://schemas.openxmlformats.org/drawingml/2006/main" xmlns:r="http://schemas.openxmlformats.org/officeDocument/2006/relationships" xmlns:p="http://schemas.openxmlformats.org/presentationml/2006/main">
+  <p:cSld>
+    <p:spTree>
+      <p:nvGrpSpPr>
+        <p:cNvPr id="1" name=""/>
+        <p:cNvGrpSpPr/>
+        <p:nvPr/>
+      </p:nvGrpSpPr>
+      <p:grpSpPr>
+        <a:xfrm>
+          <a:off x="0" y="0"/>
+          <a:ext cx="0" cy="0"/>
+          <a:chOff x="0" y="0"/>
+          <a:chExt cx="0" cy="0"/>
+        </a:xfrm>
+      </p:grpSpPr>
+      <p:sp>
+        <p:nvSpPr>
+          <p:cNvPr id="4" name="Retângulo de cantos arredondados 3"/>
+          <p:cNvSpPr/>
+          <p:nvPr/>
+        </p:nvSpPr>
+        <p:spPr>
+          <a:xfrm>
+            <a:off x="179881" y="179881"/>
+            <a:ext cx="10440000" cy="10440000"/>
+          </a:xfrm>
+          <a:prstGeom prst="roundRect">
+            <a:avLst>
+              <a:gd name="adj" fmla="val 0"/>
+            </a:avLst>
+          </a:prstGeom>
+          <a:gradFill flip="none" rotWithShape="1">
+            <a:gsLst>
+              <a:gs pos="0">
+                <a:schemeClr val="accent2">
+                  <a:lumMod val="75000"/>
+                  <a:shade val="30000"/>
+                  <a:satMod val="115000"/>
+                </a:schemeClr>
+              </a:gs>
+              <a:gs pos="50000">
+                <a:schemeClr val="accent2">
+                  <a:lumMod val="75000"/>
+                  <a:shade val="67500"/>
+                  <a:satMod val="115000"/>
+                </a:schemeClr>
+              </a:gs>
+              <a:gs pos="100000">
+                <a:schemeClr val="accent2">
+                  <a:lumMod val="75000"/>
+                  <a:shade val="100000"/>
+                  <a:satMod val="115000"/>
+                </a:schemeClr>
+              </a:gs>
+            </a:gsLst>
+            <a:lin ang="5400000" scaled="1"/>
+            <a:tileRect/>
+          </a:gradFill>
+          <a:ln>
+            <a:noFill/>
+          </a:ln>
+          <a:effectLst/>
+        </p:spPr>
+        <p:style>
+          <a:lnRef idx="2">
+            <a:schemeClr val="accent1">
+              <a:shade val="50000"/>
+            </a:schemeClr>
+          </a:lnRef>
+          <a:fillRef idx="1">
+            <a:schemeClr val="accent1"/>
+          </a:fillRef>
+          <a:effectRef idx="0">
+            <a:schemeClr val="accent1"/>
+          </a:effectRef>
+          <a:fontRef idx="minor">
+            <a:schemeClr val="lt1"/>
+          </a:fontRef>
+        </p:style>
+        <p:txBody>
+          <a:bodyPr rtlCol="0" anchor="ctr"/>
+          <a:lstStyle/>
+          <a:p>
+            <a:pPr algn="ctr"/>
+            <a:endParaRPr lang="pt-BR" dirty="0"/>
+          </a:p>
+        </p:txBody>
+      </p:sp>
+      <p:sp>
+        <p:nvSpPr>
+          <p:cNvPr id="13" name="Retângulo 12"/>
+          <p:cNvSpPr/>
+          <p:nvPr/>
+        </p:nvSpPr>
+        <p:spPr>
+          <a:xfrm>
+            <a:off x="179881" y="8784457"/>
+            <a:ext cx="10440000" cy="1800000"/>
+          </a:xfrm>
+          <a:prstGeom prst="rect">
+            <a:avLst/>
+          </a:prstGeom>
+          <a:solidFill>
+            <a:schemeClr val="bg1"/>
+          </a:solidFill>
+          <a:ln w="76200">
+            <a:solidFill>
+              <a:schemeClr val="bg1"/>
+            </a:solidFill>
+          </a:ln>
+        </p:spPr>
+        <p:style>
+          <a:lnRef idx="2">
+            <a:schemeClr val="accent1">
+              <a:shade val="50000"/>
+            </a:schemeClr>
+          </a:lnRef>
+          <a:fillRef idx="1">
+            <a:schemeClr val="accent1"/>
+          </a:fillRef>
+          <a:effectRef idx="0">
+            <a:schemeClr val="accent1"/>
+          </a:effectRef>
+          <a:fontRef idx="minor">
+            <a:schemeClr val="lt1"/>
+          </a:fontRef>
+        </p:style>
+        <p:txBody>
+          <a:bodyPr rtlCol="0" anchor="ctr"/>
+          <a:lstStyle/>
+          <a:p>
+            <a:pPr algn="ctr"/>
+            <a:r>
+              <a:rPr lang="pt-BR" sz="10000" b="1" dirty="0" smtClean="0">
+                <a:solidFill>
+                  <a:schemeClr val="accent2">
+                    <a:lumMod val="75000"/>
+                  </a:schemeClr>
+                </a:solidFill>
+                <a:latin typeface="Candara" pitchFamily="34" charset="0"/>
+              </a:rPr>
+              <a:t>Produtos</a:t>
+            </a:r>
+            <a:endParaRPr lang="pt-BR" sz="10000" b="1" dirty="0">
+              <a:solidFill>
+                <a:schemeClr val="accent2">
+                  <a:lumMod val="75000"/>
+                </a:schemeClr>
+              </a:solidFill>
+              <a:latin typeface="Candara" pitchFamily="34" charset="0"/>
+            </a:endParaRPr>
+          </a:p>
+        </p:txBody>
+      </p:sp>
+      <p:sp>
+        <p:nvSpPr>
+          <p:cNvPr id="12" name="Estrela de 5 pontas 11"/>
+          <p:cNvSpPr/>
+          <p:nvPr/>
+        </p:nvSpPr>
+        <p:spPr>
+          <a:xfrm>
+            <a:off x="2519561" y="1439441"/>
+            <a:ext cx="5760640" cy="5760640"/>
+          </a:xfrm>
+          <a:prstGeom prst="star5">
+            <a:avLst/>
+          </a:prstGeom>
+          <a:solidFill>
+            <a:schemeClr val="bg1"/>
+          </a:solidFill>
+          <a:ln w="76200">
+            <a:solidFill>
+              <a:schemeClr val="bg1"/>
+            </a:solidFill>
+          </a:ln>
+        </p:spPr>
+        <p:style>
+          <a:lnRef idx="2">
+            <a:schemeClr val="accent1">
+              <a:shade val="50000"/>
+            </a:schemeClr>
+          </a:lnRef>
+          <a:fillRef idx="1">
+            <a:schemeClr val="accent1"/>
+          </a:fillRef>
+          <a:effectRef idx="0">
+            <a:schemeClr val="accent1"/>
+          </a:effectRef>
+          <a:fontRef idx="minor">
+            <a:schemeClr val="lt1"/>
+          </a:fontRef>
+        </p:style>
+        <p:txBody>
+          <a:bodyPr rtlCol="0" anchor="ctr"/>
+          <a:lstStyle/>
+          <a:p>
+            <a:pPr algn="ctr"/>
+            <a:endParaRPr lang="pt-BR"/>
+          </a:p>
+        </p:txBody>
+      </p:sp>
+    </p:spTree>
+    <p:extLst>
+      <p:ext uri="{BB962C8B-B14F-4D97-AF65-F5344CB8AC3E}">
+        <p14:creationId xmlns="" xmlns:p14="http://schemas.microsoft.com/office/powerpoint/2010/main" val="601465837"/>
+      </p:ext>
+    </p:extLst>
+  </p:cSld>
+  <p:clrMapOvr>
+    <a:masterClrMapping/>
+  </p:clrMapOvr>
+  <p:timing>
+    <p:tnLst>
+      <p:par>
+        <p:cTn id="1" dur="indefinite" restart="never" nodeType="tmRoot"/>
+      </p:par>
+    </p:tnLst>
+  </p:timing>
+</p:sld>
+</file>
+
+<file path=ppt/slides/slide5.xml><?xml version="1.0" encoding="utf-8"?>
 <p:sld xmlns:a="http://schemas.openxmlformats.org/drawingml/2006/main" xmlns:r="http://schemas.openxmlformats.org/officeDocument/2006/relationships" xmlns:p="http://schemas.openxmlformats.org/presentationml/2006/main">
   <p:cSld>
     <p:spTree>
@@ -6033,7 +8805,7 @@
     </p:spTree>
     <p:extLst>
       <p:ext uri="{BB962C8B-B14F-4D97-AF65-F5344CB8AC3E}">
-        <p14:creationId xmlns:p14="http://schemas.microsoft.com/office/powerpoint/2010/main" xmlns="" val="516186803"/>
+        <p14:creationId xmlns="" xmlns:p14="http://schemas.microsoft.com/office/powerpoint/2010/main" val="516186803"/>
       </p:ext>
     </p:extLst>
   </p:cSld>
@@ -6050,7 +8822,7 @@
 </p:sld>
 </file>
 
-<file path=ppt/slides/slide4.xml><?xml version="1.0" encoding="utf-8"?>
+<file path=ppt/slides/slide6.xml><?xml version="1.0" encoding="utf-8"?>
 <p:sld xmlns:a="http://schemas.openxmlformats.org/drawingml/2006/main" xmlns:r="http://schemas.openxmlformats.org/officeDocument/2006/relationships" xmlns:p="http://schemas.openxmlformats.org/presentationml/2006/main">
   <p:cSld>
     <p:spTree>
@@ -6831,7 +9603,7 @@
     </p:spTree>
     <p:extLst>
       <p:ext uri="{BB962C8B-B14F-4D97-AF65-F5344CB8AC3E}">
-        <p14:creationId xmlns:p14="http://schemas.microsoft.com/office/powerpoint/2010/main" xmlns="" val="4266587926"/>
+        <p14:creationId xmlns="" xmlns:p14="http://schemas.microsoft.com/office/powerpoint/2010/main" val="4266587926"/>
       </p:ext>
     </p:extLst>
   </p:cSld>
@@ -6848,7 +9620,7 @@
 </p:sld>
 </file>
 
-<file path=ppt/slides/slide5.xml><?xml version="1.0" encoding="utf-8"?>
+<file path=ppt/slides/slide7.xml><?xml version="1.0" encoding="utf-8"?>
 <p:sld xmlns:a="http://schemas.openxmlformats.org/drawingml/2006/main" xmlns:r="http://schemas.openxmlformats.org/officeDocument/2006/relationships" xmlns:p="http://schemas.openxmlformats.org/presentationml/2006/main">
   <p:cSld>
     <p:spTree>
@@ -7153,7 +9925,7 @@
     </p:spTree>
     <p:extLst>
       <p:ext uri="{BB962C8B-B14F-4D97-AF65-F5344CB8AC3E}">
-        <p14:creationId xmlns:p14="http://schemas.microsoft.com/office/powerpoint/2010/main" xmlns="" val="2652139153"/>
+        <p14:creationId xmlns="" xmlns:p14="http://schemas.microsoft.com/office/powerpoint/2010/main" val="2652139153"/>
       </p:ext>
     </p:extLst>
   </p:cSld>
@@ -7170,7 +9942,7 @@
 </p:sld>
 </file>
 
-<file path=ppt/slides/slide6.xml><?xml version="1.0" encoding="utf-8"?>
+<file path=ppt/slides/slide8.xml><?xml version="1.0" encoding="utf-8"?>
 <p:sld xmlns:a="http://schemas.openxmlformats.org/drawingml/2006/main" xmlns:r="http://schemas.openxmlformats.org/officeDocument/2006/relationships" xmlns:p="http://schemas.openxmlformats.org/presentationml/2006/main">
   <p:cSld>
     <p:spTree>
@@ -8103,7 +10875,7 @@
     </p:spTree>
     <p:extLst>
       <p:ext uri="{BB962C8B-B14F-4D97-AF65-F5344CB8AC3E}">
-        <p14:creationId xmlns:p14="http://schemas.microsoft.com/office/powerpoint/2010/main" xmlns="" val="601465837"/>
+        <p14:creationId xmlns="" xmlns:p14="http://schemas.microsoft.com/office/powerpoint/2010/main" val="601465837"/>
       </p:ext>
     </p:extLst>
   </p:cSld>
@@ -8120,7 +10892,7 @@
 </p:sld>
 </file>
 
-<file path=ppt/slides/slide7.xml><?xml version="1.0" encoding="utf-8"?>
+<file path=ppt/slides/slide9.xml><?xml version="1.0" encoding="utf-8"?>
 <p:sld xmlns:a="http://schemas.openxmlformats.org/drawingml/2006/main" xmlns:r="http://schemas.openxmlformats.org/officeDocument/2006/relationships" xmlns:p="http://schemas.openxmlformats.org/presentationml/2006/main">
   <p:cSld>
     <p:spTree>
@@ -8557,2066 +11329,7 @@
     </p:spTree>
     <p:extLst>
       <p:ext uri="{BB962C8B-B14F-4D97-AF65-F5344CB8AC3E}">
-        <p14:creationId xmlns:p14="http://schemas.microsoft.com/office/powerpoint/2010/main" xmlns="" val="601465837"/>
-      </p:ext>
-    </p:extLst>
-  </p:cSld>
-  <p:clrMapOvr>
-    <a:masterClrMapping/>
-  </p:clrMapOvr>
-  <p:timing>
-    <p:tnLst>
-      <p:par>
-        <p:cTn id="1" dur="indefinite" restart="never" nodeType="tmRoot"/>
-      </p:par>
-    </p:tnLst>
-  </p:timing>
-</p:sld>
-</file>
-
-<file path=ppt/slides/slide8.xml><?xml version="1.0" encoding="utf-8"?>
-<p:sld xmlns:a="http://schemas.openxmlformats.org/drawingml/2006/main" xmlns:r="http://schemas.openxmlformats.org/officeDocument/2006/relationships" xmlns:p="http://schemas.openxmlformats.org/presentationml/2006/main">
-  <p:cSld>
-    <p:spTree>
-      <p:nvGrpSpPr>
-        <p:cNvPr id="1" name=""/>
-        <p:cNvGrpSpPr/>
-        <p:nvPr/>
-      </p:nvGrpSpPr>
-      <p:grpSpPr>
-        <a:xfrm>
-          <a:off x="0" y="0"/>
-          <a:ext cx="0" cy="0"/>
-          <a:chOff x="0" y="0"/>
-          <a:chExt cx="0" cy="0"/>
-        </a:xfrm>
-      </p:grpSpPr>
-      <p:sp>
-        <p:nvSpPr>
-          <p:cNvPr id="4" name="Retângulo de cantos arredondados 3"/>
-          <p:cNvSpPr/>
-          <p:nvPr/>
-        </p:nvSpPr>
-        <p:spPr>
-          <a:xfrm>
-            <a:off x="179881" y="179881"/>
-            <a:ext cx="10440000" cy="10440000"/>
-          </a:xfrm>
-          <a:prstGeom prst="roundRect">
-            <a:avLst>
-              <a:gd name="adj" fmla="val 18923"/>
-            </a:avLst>
-          </a:prstGeom>
-          <a:gradFill flip="none" rotWithShape="1">
-            <a:gsLst>
-              <a:gs pos="0">
-                <a:srgbClr val="000082"/>
-              </a:gs>
-              <a:gs pos="30000">
-                <a:srgbClr val="66008F"/>
-              </a:gs>
-              <a:gs pos="64999">
-                <a:srgbClr val="BA0066"/>
-              </a:gs>
-              <a:gs pos="89999">
-                <a:srgbClr val="FF0000"/>
-              </a:gs>
-              <a:gs pos="100000">
-                <a:srgbClr val="FF8200"/>
-              </a:gs>
-            </a:gsLst>
-            <a:lin ang="16200000" scaled="0"/>
-            <a:tileRect/>
-          </a:gradFill>
-          <a:ln>
-            <a:noFill/>
-          </a:ln>
-        </p:spPr>
-        <p:style>
-          <a:lnRef idx="2">
-            <a:schemeClr val="accent1">
-              <a:shade val="50000"/>
-            </a:schemeClr>
-          </a:lnRef>
-          <a:fillRef idx="1">
-            <a:schemeClr val="accent1"/>
-          </a:fillRef>
-          <a:effectRef idx="0">
-            <a:schemeClr val="accent1"/>
-          </a:effectRef>
-          <a:fontRef idx="minor">
-            <a:schemeClr val="lt1"/>
-          </a:fontRef>
-        </p:style>
-        <p:txBody>
-          <a:bodyPr rtlCol="0" anchor="ctr"/>
-          <a:lstStyle/>
-          <a:p>
-            <a:pPr algn="ctr"/>
-            <a:endParaRPr lang="pt-BR"/>
-          </a:p>
-        </p:txBody>
-      </p:sp>
-      <p:sp>
-        <p:nvSpPr>
-          <p:cNvPr id="47" name="Retângulo 46"/>
-          <p:cNvSpPr/>
-          <p:nvPr/>
-        </p:nvSpPr>
-        <p:spPr>
-          <a:xfrm>
-            <a:off x="5823545" y="1079401"/>
-            <a:ext cx="4112840" cy="8289304"/>
-          </a:xfrm>
-          <a:prstGeom prst="rect">
-            <a:avLst/>
-          </a:prstGeom>
-          <a:solidFill>
-            <a:schemeClr val="tx1"/>
-          </a:solidFill>
-          <a:ln w="76200">
-            <a:noFill/>
-          </a:ln>
-        </p:spPr>
-        <p:style>
-          <a:lnRef idx="2">
-            <a:schemeClr val="accent1">
-              <a:shade val="50000"/>
-            </a:schemeClr>
-          </a:lnRef>
-          <a:fillRef idx="1">
-            <a:schemeClr val="accent1"/>
-          </a:fillRef>
-          <a:effectRef idx="0">
-            <a:schemeClr val="accent1"/>
-          </a:effectRef>
-          <a:fontRef idx="minor">
-            <a:schemeClr val="lt1"/>
-          </a:fontRef>
-        </p:style>
-        <p:txBody>
-          <a:bodyPr rtlCol="0" anchor="ctr"/>
-          <a:lstStyle/>
-          <a:p>
-            <a:pPr algn="ctr"/>
-            <a:endParaRPr lang="pt-BR"/>
-          </a:p>
-        </p:txBody>
-      </p:sp>
-      <p:sp>
-        <p:nvSpPr>
-          <p:cNvPr id="26" name="Retângulo de cantos arredondados 25"/>
-          <p:cNvSpPr/>
-          <p:nvPr/>
-        </p:nvSpPr>
-        <p:spPr>
-          <a:xfrm>
-            <a:off x="7416225" y="1439441"/>
-            <a:ext cx="900000" cy="900000"/>
-          </a:xfrm>
-          <a:prstGeom prst="roundRect">
-            <a:avLst/>
-          </a:prstGeom>
-          <a:solidFill>
-            <a:schemeClr val="bg1"/>
-          </a:solidFill>
-          <a:ln w="76200">
-            <a:solidFill>
-              <a:schemeClr val="bg1"/>
-            </a:solidFill>
-          </a:ln>
-        </p:spPr>
-        <p:style>
-          <a:lnRef idx="2">
-            <a:schemeClr val="accent1">
-              <a:shade val="50000"/>
-            </a:schemeClr>
-          </a:lnRef>
-          <a:fillRef idx="1">
-            <a:schemeClr val="accent1"/>
-          </a:fillRef>
-          <a:effectRef idx="0">
-            <a:schemeClr val="accent1"/>
-          </a:effectRef>
-          <a:fontRef idx="minor">
-            <a:schemeClr val="lt1"/>
-          </a:fontRef>
-        </p:style>
-        <p:txBody>
-          <a:bodyPr rtlCol="0" anchor="ctr"/>
-          <a:lstStyle/>
-          <a:p>
-            <a:pPr algn="ctr"/>
-            <a:endParaRPr lang="pt-BR" dirty="0"/>
-          </a:p>
-        </p:txBody>
-      </p:sp>
-      <p:sp>
-        <p:nvSpPr>
-          <p:cNvPr id="27" name="Retângulo de cantos arredondados 26"/>
-          <p:cNvSpPr/>
-          <p:nvPr/>
-        </p:nvSpPr>
-        <p:spPr>
-          <a:xfrm>
-            <a:off x="8712369" y="1439441"/>
-            <a:ext cx="900000" cy="900000"/>
-          </a:xfrm>
-          <a:prstGeom prst="roundRect">
-            <a:avLst/>
-          </a:prstGeom>
-          <a:solidFill>
-            <a:schemeClr val="bg1"/>
-          </a:solidFill>
-          <a:ln w="76200">
-            <a:solidFill>
-              <a:schemeClr val="bg1"/>
-            </a:solidFill>
-          </a:ln>
-        </p:spPr>
-        <p:style>
-          <a:lnRef idx="2">
-            <a:schemeClr val="accent1">
-              <a:shade val="50000"/>
-            </a:schemeClr>
-          </a:lnRef>
-          <a:fillRef idx="1">
-            <a:schemeClr val="accent1"/>
-          </a:fillRef>
-          <a:effectRef idx="0">
-            <a:schemeClr val="accent1"/>
-          </a:effectRef>
-          <a:fontRef idx="minor">
-            <a:schemeClr val="lt1"/>
-          </a:fontRef>
-        </p:style>
-        <p:txBody>
-          <a:bodyPr rtlCol="0" anchor="ctr"/>
-          <a:lstStyle/>
-          <a:p>
-            <a:pPr algn="ctr"/>
-            <a:endParaRPr lang="pt-BR" dirty="0"/>
-          </a:p>
-        </p:txBody>
-      </p:sp>
-      <p:sp>
-        <p:nvSpPr>
-          <p:cNvPr id="30" name="Retângulo de cantos arredondados 29"/>
-          <p:cNvSpPr/>
-          <p:nvPr/>
-        </p:nvSpPr>
-        <p:spPr>
-          <a:xfrm>
-            <a:off x="7416105" y="2699641"/>
-            <a:ext cx="900000" cy="900000"/>
-          </a:xfrm>
-          <a:prstGeom prst="roundRect">
-            <a:avLst/>
-          </a:prstGeom>
-          <a:solidFill>
-            <a:schemeClr val="bg1"/>
-          </a:solidFill>
-          <a:ln w="76200">
-            <a:solidFill>
-              <a:schemeClr val="bg1"/>
-            </a:solidFill>
-          </a:ln>
-        </p:spPr>
-        <p:style>
-          <a:lnRef idx="2">
-            <a:schemeClr val="accent1">
-              <a:shade val="50000"/>
-            </a:schemeClr>
-          </a:lnRef>
-          <a:fillRef idx="1">
-            <a:schemeClr val="accent1"/>
-          </a:fillRef>
-          <a:effectRef idx="0">
-            <a:schemeClr val="accent1"/>
-          </a:effectRef>
-          <a:fontRef idx="minor">
-            <a:schemeClr val="lt1"/>
-          </a:fontRef>
-        </p:style>
-        <p:txBody>
-          <a:bodyPr rtlCol="0" anchor="ctr"/>
-          <a:lstStyle/>
-          <a:p>
-            <a:pPr algn="ctr"/>
-            <a:endParaRPr lang="pt-BR" dirty="0"/>
-          </a:p>
-        </p:txBody>
-      </p:sp>
-      <p:sp>
-        <p:nvSpPr>
-          <p:cNvPr id="34" name="Retângulo de cantos arredondados 33"/>
-          <p:cNvSpPr/>
-          <p:nvPr/>
-        </p:nvSpPr>
-        <p:spPr>
-          <a:xfrm>
-            <a:off x="8712249" y="2699641"/>
-            <a:ext cx="900000" cy="900000"/>
-          </a:xfrm>
-          <a:prstGeom prst="roundRect">
-            <a:avLst/>
-          </a:prstGeom>
-          <a:solidFill>
-            <a:schemeClr val="bg1"/>
-          </a:solidFill>
-          <a:ln w="76200">
-            <a:solidFill>
-              <a:schemeClr val="bg1"/>
-            </a:solidFill>
-          </a:ln>
-        </p:spPr>
-        <p:style>
-          <a:lnRef idx="2">
-            <a:schemeClr val="accent1">
-              <a:shade val="50000"/>
-            </a:schemeClr>
-          </a:lnRef>
-          <a:fillRef idx="1">
-            <a:schemeClr val="accent1"/>
-          </a:fillRef>
-          <a:effectRef idx="0">
-            <a:schemeClr val="accent1"/>
-          </a:effectRef>
-          <a:fontRef idx="minor">
-            <a:schemeClr val="lt1"/>
-          </a:fontRef>
-        </p:style>
-        <p:txBody>
-          <a:bodyPr rtlCol="0" anchor="ctr"/>
-          <a:lstStyle/>
-          <a:p>
-            <a:pPr algn="ctr"/>
-            <a:endParaRPr lang="pt-BR" dirty="0"/>
-          </a:p>
-        </p:txBody>
-      </p:sp>
-      <p:sp>
-        <p:nvSpPr>
-          <p:cNvPr id="35" name="Retângulo de cantos arredondados 34"/>
-          <p:cNvSpPr/>
-          <p:nvPr/>
-        </p:nvSpPr>
-        <p:spPr>
-          <a:xfrm>
-            <a:off x="7415985" y="3959841"/>
-            <a:ext cx="900000" cy="900000"/>
-          </a:xfrm>
-          <a:prstGeom prst="roundRect">
-            <a:avLst/>
-          </a:prstGeom>
-          <a:solidFill>
-            <a:schemeClr val="bg1"/>
-          </a:solidFill>
-          <a:ln w="76200">
-            <a:solidFill>
-              <a:schemeClr val="bg1"/>
-            </a:solidFill>
-          </a:ln>
-        </p:spPr>
-        <p:style>
-          <a:lnRef idx="2">
-            <a:schemeClr val="accent1">
-              <a:shade val="50000"/>
-            </a:schemeClr>
-          </a:lnRef>
-          <a:fillRef idx="1">
-            <a:schemeClr val="accent1"/>
-          </a:fillRef>
-          <a:effectRef idx="0">
-            <a:schemeClr val="accent1"/>
-          </a:effectRef>
-          <a:fontRef idx="minor">
-            <a:schemeClr val="lt1"/>
-          </a:fontRef>
-        </p:style>
-        <p:txBody>
-          <a:bodyPr rtlCol="0" anchor="ctr"/>
-          <a:lstStyle/>
-          <a:p>
-            <a:pPr algn="ctr"/>
-            <a:endParaRPr lang="pt-BR" dirty="0"/>
-          </a:p>
-        </p:txBody>
-      </p:sp>
-      <p:sp>
-        <p:nvSpPr>
-          <p:cNvPr id="36" name="Retângulo de cantos arredondados 35"/>
-          <p:cNvSpPr/>
-          <p:nvPr/>
-        </p:nvSpPr>
-        <p:spPr>
-          <a:xfrm>
-            <a:off x="8712129" y="3959841"/>
-            <a:ext cx="900000" cy="900000"/>
-          </a:xfrm>
-          <a:prstGeom prst="roundRect">
-            <a:avLst/>
-          </a:prstGeom>
-          <a:solidFill>
-            <a:schemeClr val="bg1"/>
-          </a:solidFill>
-          <a:ln w="76200">
-            <a:solidFill>
-              <a:schemeClr val="bg1"/>
-            </a:solidFill>
-          </a:ln>
-        </p:spPr>
-        <p:style>
-          <a:lnRef idx="2">
-            <a:schemeClr val="accent1">
-              <a:shade val="50000"/>
-            </a:schemeClr>
-          </a:lnRef>
-          <a:fillRef idx="1">
-            <a:schemeClr val="accent1"/>
-          </a:fillRef>
-          <a:effectRef idx="0">
-            <a:schemeClr val="accent1"/>
-          </a:effectRef>
-          <a:fontRef idx="minor">
-            <a:schemeClr val="lt1"/>
-          </a:fontRef>
-        </p:style>
-        <p:txBody>
-          <a:bodyPr rtlCol="0" anchor="ctr"/>
-          <a:lstStyle/>
-          <a:p>
-            <a:pPr algn="ctr"/>
-            <a:endParaRPr lang="pt-BR" dirty="0"/>
-          </a:p>
-        </p:txBody>
-      </p:sp>
-      <p:sp>
-        <p:nvSpPr>
-          <p:cNvPr id="37" name="Retângulo de cantos arredondados 36"/>
-          <p:cNvSpPr/>
-          <p:nvPr/>
-        </p:nvSpPr>
-        <p:spPr>
-          <a:xfrm>
-            <a:off x="7415865" y="5220041"/>
-            <a:ext cx="900000" cy="900000"/>
-          </a:xfrm>
-          <a:prstGeom prst="roundRect">
-            <a:avLst/>
-          </a:prstGeom>
-          <a:solidFill>
-            <a:schemeClr val="bg1"/>
-          </a:solidFill>
-          <a:ln w="76200">
-            <a:solidFill>
-              <a:schemeClr val="bg1"/>
-            </a:solidFill>
-          </a:ln>
-        </p:spPr>
-        <p:style>
-          <a:lnRef idx="2">
-            <a:schemeClr val="accent1">
-              <a:shade val="50000"/>
-            </a:schemeClr>
-          </a:lnRef>
-          <a:fillRef idx="1">
-            <a:schemeClr val="accent1"/>
-          </a:fillRef>
-          <a:effectRef idx="0">
-            <a:schemeClr val="accent1"/>
-          </a:effectRef>
-          <a:fontRef idx="minor">
-            <a:schemeClr val="lt1"/>
-          </a:fontRef>
-        </p:style>
-        <p:txBody>
-          <a:bodyPr rtlCol="0" anchor="ctr"/>
-          <a:lstStyle/>
-          <a:p>
-            <a:pPr algn="ctr"/>
-            <a:endParaRPr lang="pt-BR" dirty="0"/>
-          </a:p>
-        </p:txBody>
-      </p:sp>
-      <p:sp>
-        <p:nvSpPr>
-          <p:cNvPr id="38" name="Retângulo de cantos arredondados 37"/>
-          <p:cNvSpPr/>
-          <p:nvPr/>
-        </p:nvSpPr>
-        <p:spPr>
-          <a:xfrm>
-            <a:off x="8712009" y="5220041"/>
-            <a:ext cx="900000" cy="900000"/>
-          </a:xfrm>
-          <a:prstGeom prst="roundRect">
-            <a:avLst/>
-          </a:prstGeom>
-          <a:solidFill>
-            <a:schemeClr val="bg1"/>
-          </a:solidFill>
-          <a:ln w="76200">
-            <a:solidFill>
-              <a:schemeClr val="bg1"/>
-            </a:solidFill>
-          </a:ln>
-        </p:spPr>
-        <p:style>
-          <a:lnRef idx="2">
-            <a:schemeClr val="accent1">
-              <a:shade val="50000"/>
-            </a:schemeClr>
-          </a:lnRef>
-          <a:fillRef idx="1">
-            <a:schemeClr val="accent1"/>
-          </a:fillRef>
-          <a:effectRef idx="0">
-            <a:schemeClr val="accent1"/>
-          </a:effectRef>
-          <a:fontRef idx="minor">
-            <a:schemeClr val="lt1"/>
-          </a:fontRef>
-        </p:style>
-        <p:txBody>
-          <a:bodyPr rtlCol="0" anchor="ctr"/>
-          <a:lstStyle/>
-          <a:p>
-            <a:pPr algn="ctr"/>
-            <a:endParaRPr lang="pt-BR" dirty="0"/>
-          </a:p>
-        </p:txBody>
-      </p:sp>
-      <p:sp>
-        <p:nvSpPr>
-          <p:cNvPr id="41" name="Retângulo de cantos arredondados 40"/>
-          <p:cNvSpPr/>
-          <p:nvPr/>
-        </p:nvSpPr>
-        <p:spPr>
-          <a:xfrm>
-            <a:off x="6120441" y="1439321"/>
-            <a:ext cx="900000" cy="900000"/>
-          </a:xfrm>
-          <a:prstGeom prst="roundRect">
-            <a:avLst/>
-          </a:prstGeom>
-          <a:solidFill>
-            <a:schemeClr val="bg1"/>
-          </a:solidFill>
-          <a:ln w="76200">
-            <a:solidFill>
-              <a:schemeClr val="bg1"/>
-            </a:solidFill>
-          </a:ln>
-        </p:spPr>
-        <p:style>
-          <a:lnRef idx="2">
-            <a:schemeClr val="accent1">
-              <a:shade val="50000"/>
-            </a:schemeClr>
-          </a:lnRef>
-          <a:fillRef idx="1">
-            <a:schemeClr val="accent1"/>
-          </a:fillRef>
-          <a:effectRef idx="0">
-            <a:schemeClr val="accent1"/>
-          </a:effectRef>
-          <a:fontRef idx="minor">
-            <a:schemeClr val="lt1"/>
-          </a:fontRef>
-        </p:style>
-        <p:txBody>
-          <a:bodyPr rtlCol="0" anchor="ctr"/>
-          <a:lstStyle/>
-          <a:p>
-            <a:pPr algn="ctr"/>
-            <a:endParaRPr lang="pt-BR" dirty="0"/>
-          </a:p>
-        </p:txBody>
-      </p:sp>
-      <p:sp>
-        <p:nvSpPr>
-          <p:cNvPr id="42" name="Retângulo de cantos arredondados 41"/>
-          <p:cNvSpPr/>
-          <p:nvPr/>
-        </p:nvSpPr>
-        <p:spPr>
-          <a:xfrm>
-            <a:off x="6120321" y="2699521"/>
-            <a:ext cx="900000" cy="900000"/>
-          </a:xfrm>
-          <a:prstGeom prst="roundRect">
-            <a:avLst/>
-          </a:prstGeom>
-          <a:solidFill>
-            <a:schemeClr val="bg1"/>
-          </a:solidFill>
-          <a:ln w="76200">
-            <a:solidFill>
-              <a:schemeClr val="bg1"/>
-            </a:solidFill>
-          </a:ln>
-        </p:spPr>
-        <p:style>
-          <a:lnRef idx="2">
-            <a:schemeClr val="accent1">
-              <a:shade val="50000"/>
-            </a:schemeClr>
-          </a:lnRef>
-          <a:fillRef idx="1">
-            <a:schemeClr val="accent1"/>
-          </a:fillRef>
-          <a:effectRef idx="0">
-            <a:schemeClr val="accent1"/>
-          </a:effectRef>
-          <a:fontRef idx="minor">
-            <a:schemeClr val="lt1"/>
-          </a:fontRef>
-        </p:style>
-        <p:txBody>
-          <a:bodyPr rtlCol="0" anchor="ctr"/>
-          <a:lstStyle/>
-          <a:p>
-            <a:pPr algn="ctr"/>
-            <a:endParaRPr lang="pt-BR" dirty="0"/>
-          </a:p>
-        </p:txBody>
-      </p:sp>
-      <p:sp>
-        <p:nvSpPr>
-          <p:cNvPr id="43" name="Retângulo de cantos arredondados 42"/>
-          <p:cNvSpPr/>
-          <p:nvPr/>
-        </p:nvSpPr>
-        <p:spPr>
-          <a:xfrm>
-            <a:off x="6120201" y="3959721"/>
-            <a:ext cx="900000" cy="900000"/>
-          </a:xfrm>
-          <a:prstGeom prst="roundRect">
-            <a:avLst/>
-          </a:prstGeom>
-          <a:solidFill>
-            <a:schemeClr val="bg1"/>
-          </a:solidFill>
-          <a:ln w="76200">
-            <a:solidFill>
-              <a:schemeClr val="bg1"/>
-            </a:solidFill>
-          </a:ln>
-        </p:spPr>
-        <p:style>
-          <a:lnRef idx="2">
-            <a:schemeClr val="accent1">
-              <a:shade val="50000"/>
-            </a:schemeClr>
-          </a:lnRef>
-          <a:fillRef idx="1">
-            <a:schemeClr val="accent1"/>
-          </a:fillRef>
-          <a:effectRef idx="0">
-            <a:schemeClr val="accent1"/>
-          </a:effectRef>
-          <a:fontRef idx="minor">
-            <a:schemeClr val="lt1"/>
-          </a:fontRef>
-        </p:style>
-        <p:txBody>
-          <a:bodyPr rtlCol="0" anchor="ctr"/>
-          <a:lstStyle/>
-          <a:p>
-            <a:pPr algn="ctr"/>
-            <a:endParaRPr lang="pt-BR" dirty="0"/>
-          </a:p>
-        </p:txBody>
-      </p:sp>
-      <p:sp>
-        <p:nvSpPr>
-          <p:cNvPr id="44" name="Retângulo de cantos arredondados 43"/>
-          <p:cNvSpPr/>
-          <p:nvPr/>
-        </p:nvSpPr>
-        <p:spPr>
-          <a:xfrm>
-            <a:off x="6120081" y="5219921"/>
-            <a:ext cx="900000" cy="900000"/>
-          </a:xfrm>
-          <a:prstGeom prst="roundRect">
-            <a:avLst/>
-          </a:prstGeom>
-          <a:solidFill>
-            <a:schemeClr val="bg1"/>
-          </a:solidFill>
-          <a:ln w="76200">
-            <a:solidFill>
-              <a:schemeClr val="bg1"/>
-            </a:solidFill>
-          </a:ln>
-        </p:spPr>
-        <p:style>
-          <a:lnRef idx="2">
-            <a:schemeClr val="accent1">
-              <a:shade val="50000"/>
-            </a:schemeClr>
-          </a:lnRef>
-          <a:fillRef idx="1">
-            <a:schemeClr val="accent1"/>
-          </a:fillRef>
-          <a:effectRef idx="0">
-            <a:schemeClr val="accent1"/>
-          </a:effectRef>
-          <a:fontRef idx="minor">
-            <a:schemeClr val="lt1"/>
-          </a:fontRef>
-        </p:style>
-        <p:txBody>
-          <a:bodyPr rtlCol="0" anchor="ctr"/>
-          <a:lstStyle/>
-          <a:p>
-            <a:pPr algn="ctr"/>
-            <a:endParaRPr lang="pt-BR" dirty="0"/>
-          </a:p>
-        </p:txBody>
-      </p:sp>
-      <p:sp>
-        <p:nvSpPr>
-          <p:cNvPr id="48" name="Retângulo 47"/>
-          <p:cNvSpPr/>
-          <p:nvPr/>
-        </p:nvSpPr>
-        <p:spPr>
-          <a:xfrm>
-            <a:off x="2447553" y="5040321"/>
-            <a:ext cx="3096344" cy="4320000"/>
-          </a:xfrm>
-          <a:prstGeom prst="rect">
-            <a:avLst/>
-          </a:prstGeom>
-          <a:solidFill>
-            <a:schemeClr val="tx1"/>
-          </a:solidFill>
-          <a:ln w="76200">
-            <a:noFill/>
-          </a:ln>
-        </p:spPr>
-        <p:style>
-          <a:lnRef idx="2">
-            <a:schemeClr val="accent1">
-              <a:shade val="50000"/>
-            </a:schemeClr>
-          </a:lnRef>
-          <a:fillRef idx="1">
-            <a:schemeClr val="accent1"/>
-          </a:fillRef>
-          <a:effectRef idx="0">
-            <a:schemeClr val="accent1"/>
-          </a:effectRef>
-          <a:fontRef idx="minor">
-            <a:schemeClr val="lt1"/>
-          </a:fontRef>
-        </p:style>
-        <p:txBody>
-          <a:bodyPr rtlCol="0" anchor="ctr"/>
-          <a:lstStyle/>
-          <a:p>
-            <a:pPr algn="ctr"/>
-            <a:endParaRPr lang="pt-BR"/>
-          </a:p>
-        </p:txBody>
-      </p:sp>
-      <p:sp>
-        <p:nvSpPr>
-          <p:cNvPr id="51" name="Retângulo de cantos arredondados 50"/>
-          <p:cNvSpPr/>
-          <p:nvPr/>
-        </p:nvSpPr>
-        <p:spPr>
-          <a:xfrm>
-            <a:off x="2735505" y="5831849"/>
-            <a:ext cx="720000" cy="720000"/>
-          </a:xfrm>
-          <a:prstGeom prst="roundRect">
-            <a:avLst>
-              <a:gd name="adj" fmla="val 0"/>
-            </a:avLst>
-          </a:prstGeom>
-          <a:solidFill>
-            <a:schemeClr val="bg1"/>
-          </a:solidFill>
-          <a:ln w="76200">
-            <a:noFill/>
-          </a:ln>
-        </p:spPr>
-        <p:style>
-          <a:lnRef idx="2">
-            <a:schemeClr val="accent1">
-              <a:shade val="50000"/>
-            </a:schemeClr>
-          </a:lnRef>
-          <a:fillRef idx="1">
-            <a:schemeClr val="accent1"/>
-          </a:fillRef>
-          <a:effectRef idx="0">
-            <a:schemeClr val="accent1"/>
-          </a:effectRef>
-          <a:fontRef idx="minor">
-            <a:schemeClr val="lt1"/>
-          </a:fontRef>
-        </p:style>
-        <p:txBody>
-          <a:bodyPr rtlCol="0" anchor="ctr"/>
-          <a:lstStyle/>
-          <a:p>
-            <a:pPr algn="ctr"/>
-            <a:endParaRPr lang="pt-BR" dirty="0"/>
-          </a:p>
-        </p:txBody>
-      </p:sp>
-      <p:sp>
-        <p:nvSpPr>
-          <p:cNvPr id="52" name="Retângulo de cantos arredondados 51"/>
-          <p:cNvSpPr/>
-          <p:nvPr/>
-        </p:nvSpPr>
-        <p:spPr>
-          <a:xfrm>
-            <a:off x="3671689" y="5831849"/>
-            <a:ext cx="720000" cy="720000"/>
-          </a:xfrm>
-          <a:prstGeom prst="roundRect">
-            <a:avLst>
-              <a:gd name="adj" fmla="val 0"/>
-            </a:avLst>
-          </a:prstGeom>
-          <a:solidFill>
-            <a:schemeClr val="bg1"/>
-          </a:solidFill>
-          <a:ln w="76200">
-            <a:noFill/>
-          </a:ln>
-        </p:spPr>
-        <p:style>
-          <a:lnRef idx="2">
-            <a:schemeClr val="accent1">
-              <a:shade val="50000"/>
-            </a:schemeClr>
-          </a:lnRef>
-          <a:fillRef idx="1">
-            <a:schemeClr val="accent1"/>
-          </a:fillRef>
-          <a:effectRef idx="0">
-            <a:schemeClr val="accent1"/>
-          </a:effectRef>
-          <a:fontRef idx="minor">
-            <a:schemeClr val="lt1"/>
-          </a:fontRef>
-        </p:style>
-        <p:txBody>
-          <a:bodyPr rtlCol="0" anchor="ctr"/>
-          <a:lstStyle/>
-          <a:p>
-            <a:pPr algn="ctr"/>
-            <a:endParaRPr lang="pt-BR" dirty="0"/>
-          </a:p>
-        </p:txBody>
-      </p:sp>
-      <p:sp>
-        <p:nvSpPr>
-          <p:cNvPr id="53" name="Retângulo de cantos arredondados 52"/>
-          <p:cNvSpPr/>
-          <p:nvPr/>
-        </p:nvSpPr>
-        <p:spPr>
-          <a:xfrm>
-            <a:off x="4607873" y="5831849"/>
-            <a:ext cx="720000" cy="720000"/>
-          </a:xfrm>
-          <a:prstGeom prst="roundRect">
-            <a:avLst>
-              <a:gd name="adj" fmla="val 0"/>
-            </a:avLst>
-          </a:prstGeom>
-          <a:solidFill>
-            <a:schemeClr val="bg1"/>
-          </a:solidFill>
-          <a:ln w="76200">
-            <a:noFill/>
-          </a:ln>
-        </p:spPr>
-        <p:style>
-          <a:lnRef idx="2">
-            <a:schemeClr val="accent1">
-              <a:shade val="50000"/>
-            </a:schemeClr>
-          </a:lnRef>
-          <a:fillRef idx="1">
-            <a:schemeClr val="accent1"/>
-          </a:fillRef>
-          <a:effectRef idx="0">
-            <a:schemeClr val="accent1"/>
-          </a:effectRef>
-          <a:fontRef idx="minor">
-            <a:schemeClr val="lt1"/>
-          </a:fontRef>
-        </p:style>
-        <p:txBody>
-          <a:bodyPr rtlCol="0" anchor="ctr"/>
-          <a:lstStyle/>
-          <a:p>
-            <a:pPr algn="ctr"/>
-            <a:endParaRPr lang="pt-BR" dirty="0"/>
-          </a:p>
-        </p:txBody>
-      </p:sp>
-      <p:sp>
-        <p:nvSpPr>
-          <p:cNvPr id="54" name="Retângulo de cantos arredondados 53"/>
-          <p:cNvSpPr/>
-          <p:nvPr/>
-        </p:nvSpPr>
-        <p:spPr>
-          <a:xfrm>
-            <a:off x="2735505" y="6768033"/>
-            <a:ext cx="720000" cy="720000"/>
-          </a:xfrm>
-          <a:prstGeom prst="roundRect">
-            <a:avLst>
-              <a:gd name="adj" fmla="val 0"/>
-            </a:avLst>
-          </a:prstGeom>
-          <a:solidFill>
-            <a:schemeClr val="bg1"/>
-          </a:solidFill>
-          <a:ln w="76200">
-            <a:noFill/>
-          </a:ln>
-        </p:spPr>
-        <p:style>
-          <a:lnRef idx="2">
-            <a:schemeClr val="accent1">
-              <a:shade val="50000"/>
-            </a:schemeClr>
-          </a:lnRef>
-          <a:fillRef idx="1">
-            <a:schemeClr val="accent1"/>
-          </a:fillRef>
-          <a:effectRef idx="0">
-            <a:schemeClr val="accent1"/>
-          </a:effectRef>
-          <a:fontRef idx="minor">
-            <a:schemeClr val="lt1"/>
-          </a:fontRef>
-        </p:style>
-        <p:txBody>
-          <a:bodyPr rtlCol="0" anchor="ctr"/>
-          <a:lstStyle/>
-          <a:p>
-            <a:pPr algn="ctr"/>
-            <a:endParaRPr lang="pt-BR" dirty="0"/>
-          </a:p>
-        </p:txBody>
-      </p:sp>
-      <p:sp>
-        <p:nvSpPr>
-          <p:cNvPr id="55" name="Retângulo de cantos arredondados 54"/>
-          <p:cNvSpPr/>
-          <p:nvPr/>
-        </p:nvSpPr>
-        <p:spPr>
-          <a:xfrm>
-            <a:off x="3671689" y="6768033"/>
-            <a:ext cx="720000" cy="720000"/>
-          </a:xfrm>
-          <a:prstGeom prst="roundRect">
-            <a:avLst>
-              <a:gd name="adj" fmla="val 0"/>
-            </a:avLst>
-          </a:prstGeom>
-          <a:solidFill>
-            <a:schemeClr val="bg1"/>
-          </a:solidFill>
-          <a:ln w="76200">
-            <a:noFill/>
-          </a:ln>
-        </p:spPr>
-        <p:style>
-          <a:lnRef idx="2">
-            <a:schemeClr val="accent1">
-              <a:shade val="50000"/>
-            </a:schemeClr>
-          </a:lnRef>
-          <a:fillRef idx="1">
-            <a:schemeClr val="accent1"/>
-          </a:fillRef>
-          <a:effectRef idx="0">
-            <a:schemeClr val="accent1"/>
-          </a:effectRef>
-          <a:fontRef idx="minor">
-            <a:schemeClr val="lt1"/>
-          </a:fontRef>
-        </p:style>
-        <p:txBody>
-          <a:bodyPr rtlCol="0" anchor="ctr"/>
-          <a:lstStyle/>
-          <a:p>
-            <a:pPr algn="ctr"/>
-            <a:endParaRPr lang="pt-BR" dirty="0"/>
-          </a:p>
-        </p:txBody>
-      </p:sp>
-      <p:sp>
-        <p:nvSpPr>
-          <p:cNvPr id="56" name="Retângulo de cantos arredondados 55"/>
-          <p:cNvSpPr/>
-          <p:nvPr/>
-        </p:nvSpPr>
-        <p:spPr>
-          <a:xfrm>
-            <a:off x="4607873" y="6768033"/>
-            <a:ext cx="720000" cy="720000"/>
-          </a:xfrm>
-          <a:prstGeom prst="roundRect">
-            <a:avLst>
-              <a:gd name="adj" fmla="val 0"/>
-            </a:avLst>
-          </a:prstGeom>
-          <a:solidFill>
-            <a:schemeClr val="bg1"/>
-          </a:solidFill>
-          <a:ln w="76200">
-            <a:noFill/>
-          </a:ln>
-        </p:spPr>
-        <p:style>
-          <a:lnRef idx="2">
-            <a:schemeClr val="accent1">
-              <a:shade val="50000"/>
-            </a:schemeClr>
-          </a:lnRef>
-          <a:fillRef idx="1">
-            <a:schemeClr val="accent1"/>
-          </a:fillRef>
-          <a:effectRef idx="0">
-            <a:schemeClr val="accent1"/>
-          </a:effectRef>
-          <a:fontRef idx="minor">
-            <a:schemeClr val="lt1"/>
-          </a:fontRef>
-        </p:style>
-        <p:txBody>
-          <a:bodyPr rtlCol="0" anchor="ctr"/>
-          <a:lstStyle/>
-          <a:p>
-            <a:pPr algn="ctr"/>
-            <a:endParaRPr lang="pt-BR" dirty="0"/>
-          </a:p>
-        </p:txBody>
-      </p:sp>
-      <p:sp>
-        <p:nvSpPr>
-          <p:cNvPr id="57" name="Retângulo de cantos arredondados 56"/>
-          <p:cNvSpPr/>
-          <p:nvPr/>
-        </p:nvSpPr>
-        <p:spPr>
-          <a:xfrm>
-            <a:off x="2735505" y="7704217"/>
-            <a:ext cx="720000" cy="720000"/>
-          </a:xfrm>
-          <a:prstGeom prst="roundRect">
-            <a:avLst>
-              <a:gd name="adj" fmla="val 0"/>
-            </a:avLst>
-          </a:prstGeom>
-          <a:solidFill>
-            <a:schemeClr val="bg1"/>
-          </a:solidFill>
-          <a:ln w="76200">
-            <a:noFill/>
-          </a:ln>
-        </p:spPr>
-        <p:style>
-          <a:lnRef idx="2">
-            <a:schemeClr val="accent1">
-              <a:shade val="50000"/>
-            </a:schemeClr>
-          </a:lnRef>
-          <a:fillRef idx="1">
-            <a:schemeClr val="accent1"/>
-          </a:fillRef>
-          <a:effectRef idx="0">
-            <a:schemeClr val="accent1"/>
-          </a:effectRef>
-          <a:fontRef idx="minor">
-            <a:schemeClr val="lt1"/>
-          </a:fontRef>
-        </p:style>
-        <p:txBody>
-          <a:bodyPr rtlCol="0" anchor="ctr"/>
-          <a:lstStyle/>
-          <a:p>
-            <a:pPr algn="ctr"/>
-            <a:endParaRPr lang="pt-BR" dirty="0"/>
-          </a:p>
-        </p:txBody>
-      </p:sp>
-      <p:sp>
-        <p:nvSpPr>
-          <p:cNvPr id="58" name="Retângulo de cantos arredondados 57"/>
-          <p:cNvSpPr/>
-          <p:nvPr/>
-        </p:nvSpPr>
-        <p:spPr>
-          <a:xfrm>
-            <a:off x="3671689" y="7704217"/>
-            <a:ext cx="720000" cy="720000"/>
-          </a:xfrm>
-          <a:prstGeom prst="roundRect">
-            <a:avLst>
-              <a:gd name="adj" fmla="val 0"/>
-            </a:avLst>
-          </a:prstGeom>
-          <a:solidFill>
-            <a:schemeClr val="bg1"/>
-          </a:solidFill>
-          <a:ln w="76200">
-            <a:noFill/>
-          </a:ln>
-        </p:spPr>
-        <p:style>
-          <a:lnRef idx="2">
-            <a:schemeClr val="accent1">
-              <a:shade val="50000"/>
-            </a:schemeClr>
-          </a:lnRef>
-          <a:fillRef idx="1">
-            <a:schemeClr val="accent1"/>
-          </a:fillRef>
-          <a:effectRef idx="0">
-            <a:schemeClr val="accent1"/>
-          </a:effectRef>
-          <a:fontRef idx="minor">
-            <a:schemeClr val="lt1"/>
-          </a:fontRef>
-        </p:style>
-        <p:txBody>
-          <a:bodyPr rtlCol="0" anchor="ctr"/>
-          <a:lstStyle/>
-          <a:p>
-            <a:pPr algn="ctr"/>
-            <a:endParaRPr lang="pt-BR" dirty="0"/>
-          </a:p>
-        </p:txBody>
-      </p:sp>
-      <p:sp>
-        <p:nvSpPr>
-          <p:cNvPr id="59" name="Retângulo de cantos arredondados 58"/>
-          <p:cNvSpPr/>
-          <p:nvPr/>
-        </p:nvSpPr>
-        <p:spPr>
-          <a:xfrm>
-            <a:off x="4607873" y="7704217"/>
-            <a:ext cx="720000" cy="720000"/>
-          </a:xfrm>
-          <a:prstGeom prst="roundRect">
-            <a:avLst>
-              <a:gd name="adj" fmla="val 0"/>
-            </a:avLst>
-          </a:prstGeom>
-          <a:solidFill>
-            <a:schemeClr val="bg1"/>
-          </a:solidFill>
-          <a:ln w="76200">
-            <a:noFill/>
-          </a:ln>
-        </p:spPr>
-        <p:style>
-          <a:lnRef idx="2">
-            <a:schemeClr val="accent1">
-              <a:shade val="50000"/>
-            </a:schemeClr>
-          </a:lnRef>
-          <a:fillRef idx="1">
-            <a:schemeClr val="accent1"/>
-          </a:fillRef>
-          <a:effectRef idx="0">
-            <a:schemeClr val="accent1"/>
-          </a:effectRef>
-          <a:fontRef idx="minor">
-            <a:schemeClr val="lt1"/>
-          </a:fontRef>
-        </p:style>
-        <p:txBody>
-          <a:bodyPr rtlCol="0" anchor="ctr"/>
-          <a:lstStyle/>
-          <a:p>
-            <a:pPr algn="ctr"/>
-            <a:endParaRPr lang="pt-BR" dirty="0"/>
-          </a:p>
-        </p:txBody>
-      </p:sp>
-      <p:sp>
-        <p:nvSpPr>
-          <p:cNvPr id="60" name="Coração 59"/>
-          <p:cNvSpPr/>
-          <p:nvPr/>
-        </p:nvSpPr>
-        <p:spPr>
-          <a:xfrm>
-            <a:off x="1079401" y="935385"/>
-            <a:ext cx="2880000" cy="2880000"/>
-          </a:xfrm>
-          <a:prstGeom prst="heart">
-            <a:avLst/>
-          </a:prstGeom>
-          <a:solidFill>
-            <a:schemeClr val="bg1"/>
-          </a:solidFill>
-          <a:ln w="76200">
-            <a:solidFill>
-              <a:schemeClr val="bg1"/>
-            </a:solidFill>
-          </a:ln>
-        </p:spPr>
-        <p:style>
-          <a:lnRef idx="2">
-            <a:schemeClr val="accent1">
-              <a:shade val="50000"/>
-            </a:schemeClr>
-          </a:lnRef>
-          <a:fillRef idx="1">
-            <a:schemeClr val="accent1"/>
-          </a:fillRef>
-          <a:effectRef idx="0">
-            <a:schemeClr val="accent1"/>
-          </a:effectRef>
-          <a:fontRef idx="minor">
-            <a:schemeClr val="lt1"/>
-          </a:fontRef>
-        </p:style>
-        <p:txBody>
-          <a:bodyPr rtlCol="0" anchor="ctr"/>
-          <a:lstStyle/>
-          <a:p>
-            <a:pPr algn="ctr"/>
-            <a:endParaRPr lang="pt-BR"/>
-          </a:p>
-        </p:txBody>
-      </p:sp>
-      <p:sp>
-        <p:nvSpPr>
-          <p:cNvPr id="61" name="Retângulo de cantos arredondados 60"/>
-          <p:cNvSpPr/>
-          <p:nvPr/>
-        </p:nvSpPr>
-        <p:spPr>
-          <a:xfrm>
-            <a:off x="7415745" y="6444097"/>
-            <a:ext cx="900000" cy="900000"/>
-          </a:xfrm>
-          <a:prstGeom prst="roundRect">
-            <a:avLst/>
-          </a:prstGeom>
-          <a:solidFill>
-            <a:schemeClr val="bg1"/>
-          </a:solidFill>
-          <a:ln w="76200">
-            <a:solidFill>
-              <a:schemeClr val="bg1"/>
-            </a:solidFill>
-          </a:ln>
-        </p:spPr>
-        <p:style>
-          <a:lnRef idx="2">
-            <a:schemeClr val="accent1">
-              <a:shade val="50000"/>
-            </a:schemeClr>
-          </a:lnRef>
-          <a:fillRef idx="1">
-            <a:schemeClr val="accent1"/>
-          </a:fillRef>
-          <a:effectRef idx="0">
-            <a:schemeClr val="accent1"/>
-          </a:effectRef>
-          <a:fontRef idx="minor">
-            <a:schemeClr val="lt1"/>
-          </a:fontRef>
-        </p:style>
-        <p:txBody>
-          <a:bodyPr rtlCol="0" anchor="ctr"/>
-          <a:lstStyle/>
-          <a:p>
-            <a:pPr algn="ctr"/>
-            <a:endParaRPr lang="pt-BR" dirty="0"/>
-          </a:p>
-        </p:txBody>
-      </p:sp>
-      <p:sp>
-        <p:nvSpPr>
-          <p:cNvPr id="62" name="Retângulo de cantos arredondados 61"/>
-          <p:cNvSpPr/>
-          <p:nvPr/>
-        </p:nvSpPr>
-        <p:spPr>
-          <a:xfrm>
-            <a:off x="8711889" y="6444097"/>
-            <a:ext cx="900000" cy="900000"/>
-          </a:xfrm>
-          <a:prstGeom prst="roundRect">
-            <a:avLst/>
-          </a:prstGeom>
-          <a:solidFill>
-            <a:schemeClr val="bg1"/>
-          </a:solidFill>
-          <a:ln w="76200">
-            <a:solidFill>
-              <a:schemeClr val="bg1"/>
-            </a:solidFill>
-          </a:ln>
-        </p:spPr>
-        <p:style>
-          <a:lnRef idx="2">
-            <a:schemeClr val="accent1">
-              <a:shade val="50000"/>
-            </a:schemeClr>
-          </a:lnRef>
-          <a:fillRef idx="1">
-            <a:schemeClr val="accent1"/>
-          </a:fillRef>
-          <a:effectRef idx="0">
-            <a:schemeClr val="accent1"/>
-          </a:effectRef>
-          <a:fontRef idx="minor">
-            <a:schemeClr val="lt1"/>
-          </a:fontRef>
-        </p:style>
-        <p:txBody>
-          <a:bodyPr rtlCol="0" anchor="ctr"/>
-          <a:lstStyle/>
-          <a:p>
-            <a:pPr algn="ctr"/>
-            <a:endParaRPr lang="pt-BR" dirty="0"/>
-          </a:p>
-        </p:txBody>
-      </p:sp>
-      <p:sp>
-        <p:nvSpPr>
-          <p:cNvPr id="63" name="Retângulo de cantos arredondados 62"/>
-          <p:cNvSpPr/>
-          <p:nvPr/>
-        </p:nvSpPr>
-        <p:spPr>
-          <a:xfrm>
-            <a:off x="6119961" y="6443977"/>
-            <a:ext cx="900000" cy="900000"/>
-          </a:xfrm>
-          <a:prstGeom prst="roundRect">
-            <a:avLst/>
-          </a:prstGeom>
-          <a:solidFill>
-            <a:schemeClr val="bg1"/>
-          </a:solidFill>
-          <a:ln w="76200">
-            <a:solidFill>
-              <a:schemeClr val="bg1"/>
-            </a:solidFill>
-          </a:ln>
-        </p:spPr>
-        <p:style>
-          <a:lnRef idx="2">
-            <a:schemeClr val="accent1">
-              <a:shade val="50000"/>
-            </a:schemeClr>
-          </a:lnRef>
-          <a:fillRef idx="1">
-            <a:schemeClr val="accent1"/>
-          </a:fillRef>
-          <a:effectRef idx="0">
-            <a:schemeClr val="accent1"/>
-          </a:effectRef>
-          <a:fontRef idx="minor">
-            <a:schemeClr val="lt1"/>
-          </a:fontRef>
-        </p:style>
-        <p:txBody>
-          <a:bodyPr rtlCol="0" anchor="ctr"/>
-          <a:lstStyle/>
-          <a:p>
-            <a:pPr algn="ctr"/>
-            <a:endParaRPr lang="pt-BR" dirty="0"/>
-          </a:p>
-        </p:txBody>
-      </p:sp>
-      <p:sp>
-        <p:nvSpPr>
-          <p:cNvPr id="64" name="Retângulo de cantos arredondados 63"/>
-          <p:cNvSpPr/>
-          <p:nvPr/>
-        </p:nvSpPr>
-        <p:spPr>
-          <a:xfrm>
-            <a:off x="7415625" y="7668153"/>
-            <a:ext cx="900000" cy="900000"/>
-          </a:xfrm>
-          <a:prstGeom prst="roundRect">
-            <a:avLst/>
-          </a:prstGeom>
-          <a:solidFill>
-            <a:schemeClr val="bg1"/>
-          </a:solidFill>
-          <a:ln w="76200">
-            <a:solidFill>
-              <a:schemeClr val="bg1"/>
-            </a:solidFill>
-          </a:ln>
-        </p:spPr>
-        <p:style>
-          <a:lnRef idx="2">
-            <a:schemeClr val="accent1">
-              <a:shade val="50000"/>
-            </a:schemeClr>
-          </a:lnRef>
-          <a:fillRef idx="1">
-            <a:schemeClr val="accent1"/>
-          </a:fillRef>
-          <a:effectRef idx="0">
-            <a:schemeClr val="accent1"/>
-          </a:effectRef>
-          <a:fontRef idx="minor">
-            <a:schemeClr val="lt1"/>
-          </a:fontRef>
-        </p:style>
-        <p:txBody>
-          <a:bodyPr rtlCol="0" anchor="ctr"/>
-          <a:lstStyle/>
-          <a:p>
-            <a:pPr algn="ctr"/>
-            <a:endParaRPr lang="pt-BR" dirty="0"/>
-          </a:p>
-        </p:txBody>
-      </p:sp>
-      <p:sp>
-        <p:nvSpPr>
-          <p:cNvPr id="65" name="Retângulo de cantos arredondados 64"/>
-          <p:cNvSpPr/>
-          <p:nvPr/>
-        </p:nvSpPr>
-        <p:spPr>
-          <a:xfrm>
-            <a:off x="8711769" y="7668153"/>
-            <a:ext cx="900000" cy="900000"/>
-          </a:xfrm>
-          <a:prstGeom prst="roundRect">
-            <a:avLst/>
-          </a:prstGeom>
-          <a:solidFill>
-            <a:schemeClr val="bg1"/>
-          </a:solidFill>
-          <a:ln w="76200">
-            <a:solidFill>
-              <a:schemeClr val="bg1"/>
-            </a:solidFill>
-          </a:ln>
-        </p:spPr>
-        <p:style>
-          <a:lnRef idx="2">
-            <a:schemeClr val="accent1">
-              <a:shade val="50000"/>
-            </a:schemeClr>
-          </a:lnRef>
-          <a:fillRef idx="1">
-            <a:schemeClr val="accent1"/>
-          </a:fillRef>
-          <a:effectRef idx="0">
-            <a:schemeClr val="accent1"/>
-          </a:effectRef>
-          <a:fontRef idx="minor">
-            <a:schemeClr val="lt1"/>
-          </a:fontRef>
-        </p:style>
-        <p:txBody>
-          <a:bodyPr rtlCol="0" anchor="ctr"/>
-          <a:lstStyle/>
-          <a:p>
-            <a:pPr algn="ctr"/>
-            <a:endParaRPr lang="pt-BR" dirty="0"/>
-          </a:p>
-        </p:txBody>
-      </p:sp>
-      <p:sp>
-        <p:nvSpPr>
-          <p:cNvPr id="66" name="Retângulo de cantos arredondados 65"/>
-          <p:cNvSpPr/>
-          <p:nvPr/>
-        </p:nvSpPr>
-        <p:spPr>
-          <a:xfrm>
-            <a:off x="6119841" y="7668033"/>
-            <a:ext cx="900000" cy="900000"/>
-          </a:xfrm>
-          <a:prstGeom prst="roundRect">
-            <a:avLst/>
-          </a:prstGeom>
-          <a:solidFill>
-            <a:schemeClr val="bg1"/>
-          </a:solidFill>
-          <a:ln w="76200">
-            <a:solidFill>
-              <a:schemeClr val="bg1"/>
-            </a:solidFill>
-          </a:ln>
-        </p:spPr>
-        <p:style>
-          <a:lnRef idx="2">
-            <a:schemeClr val="accent1">
-              <a:shade val="50000"/>
-            </a:schemeClr>
-          </a:lnRef>
-          <a:fillRef idx="1">
-            <a:schemeClr val="accent1"/>
-          </a:fillRef>
-          <a:effectRef idx="0">
-            <a:schemeClr val="accent1"/>
-          </a:effectRef>
-          <a:fontRef idx="minor">
-            <a:schemeClr val="lt1"/>
-          </a:fontRef>
-        </p:style>
-        <p:txBody>
-          <a:bodyPr rtlCol="0" anchor="ctr"/>
-          <a:lstStyle/>
-          <a:p>
-            <a:pPr algn="ctr"/>
-            <a:endParaRPr lang="pt-BR" dirty="0"/>
-          </a:p>
-        </p:txBody>
-      </p:sp>
-    </p:spTree>
-    <p:extLst>
-      <p:ext uri="{BB962C8B-B14F-4D97-AF65-F5344CB8AC3E}">
-        <p14:creationId xmlns:p14="http://schemas.microsoft.com/office/powerpoint/2010/main" xmlns="" val="601465837"/>
-      </p:ext>
-    </p:extLst>
-  </p:cSld>
-  <p:clrMapOvr>
-    <a:masterClrMapping/>
-  </p:clrMapOvr>
-  <p:timing>
-    <p:tnLst>
-      <p:par>
-        <p:cTn id="1" dur="indefinite" restart="never" nodeType="tmRoot"/>
-      </p:par>
-    </p:tnLst>
-  </p:timing>
-</p:sld>
-</file>
-
-<file path=ppt/slides/slide9.xml><?xml version="1.0" encoding="utf-8"?>
-<p:sld xmlns:a="http://schemas.openxmlformats.org/drawingml/2006/main" xmlns:r="http://schemas.openxmlformats.org/officeDocument/2006/relationships" xmlns:p="http://schemas.openxmlformats.org/presentationml/2006/main">
-  <p:cSld>
-    <p:spTree>
-      <p:nvGrpSpPr>
-        <p:cNvPr id="1" name=""/>
-        <p:cNvGrpSpPr/>
-        <p:nvPr/>
-      </p:nvGrpSpPr>
-      <p:grpSpPr>
-        <a:xfrm>
-          <a:off x="0" y="0"/>
-          <a:ext cx="0" cy="0"/>
-          <a:chOff x="0" y="0"/>
-          <a:chExt cx="0" cy="0"/>
-        </a:xfrm>
-      </p:grpSpPr>
-      <p:sp>
-        <p:nvSpPr>
-          <p:cNvPr id="4" name="Retângulo de cantos arredondados 3"/>
-          <p:cNvSpPr/>
-          <p:nvPr/>
-        </p:nvSpPr>
-        <p:spPr>
-          <a:xfrm>
-            <a:off x="179881" y="179881"/>
-            <a:ext cx="10440000" cy="10440000"/>
-          </a:xfrm>
-          <a:prstGeom prst="roundRect">
-            <a:avLst>
-              <a:gd name="adj" fmla="val 18923"/>
-            </a:avLst>
-          </a:prstGeom>
-          <a:gradFill flip="none" rotWithShape="1">
-            <a:gsLst>
-              <a:gs pos="0">
-                <a:srgbClr val="000082"/>
-              </a:gs>
-              <a:gs pos="30000">
-                <a:srgbClr val="66008F"/>
-              </a:gs>
-              <a:gs pos="64999">
-                <a:srgbClr val="BA0066"/>
-              </a:gs>
-              <a:gs pos="89999">
-                <a:srgbClr val="FF0000"/>
-              </a:gs>
-              <a:gs pos="100000">
-                <a:srgbClr val="FF8200"/>
-              </a:gs>
-            </a:gsLst>
-            <a:lin ang="16200000" scaled="0"/>
-            <a:tileRect/>
-          </a:gradFill>
-          <a:ln>
-            <a:noFill/>
-          </a:ln>
-        </p:spPr>
-        <p:style>
-          <a:lnRef idx="2">
-            <a:schemeClr val="accent1">
-              <a:shade val="50000"/>
-            </a:schemeClr>
-          </a:lnRef>
-          <a:fillRef idx="1">
-            <a:schemeClr val="accent1"/>
-          </a:fillRef>
-          <a:effectRef idx="0">
-            <a:schemeClr val="accent1"/>
-          </a:effectRef>
-          <a:fontRef idx="minor">
-            <a:schemeClr val="lt1"/>
-          </a:fontRef>
-        </p:style>
-        <p:txBody>
-          <a:bodyPr rtlCol="0" anchor="ctr"/>
-          <a:lstStyle/>
-          <a:p>
-            <a:pPr algn="ctr"/>
-            <a:endParaRPr lang="pt-BR"/>
-          </a:p>
-        </p:txBody>
-      </p:sp>
-      <p:sp>
-        <p:nvSpPr>
-          <p:cNvPr id="60" name="Coração 59"/>
-          <p:cNvSpPr/>
-          <p:nvPr/>
-        </p:nvSpPr>
-        <p:spPr>
-          <a:xfrm>
-            <a:off x="1007393" y="935385"/>
-            <a:ext cx="2880000" cy="2880000"/>
-          </a:xfrm>
-          <a:prstGeom prst="heart">
-            <a:avLst/>
-          </a:prstGeom>
-          <a:solidFill>
-            <a:schemeClr val="bg1"/>
-          </a:solidFill>
-          <a:ln w="76200">
-            <a:solidFill>
-              <a:schemeClr val="bg1"/>
-            </a:solidFill>
-          </a:ln>
-        </p:spPr>
-        <p:style>
-          <a:lnRef idx="2">
-            <a:schemeClr val="accent1">
-              <a:shade val="50000"/>
-            </a:schemeClr>
-          </a:lnRef>
-          <a:fillRef idx="1">
-            <a:schemeClr val="accent1"/>
-          </a:fillRef>
-          <a:effectRef idx="0">
-            <a:schemeClr val="accent1"/>
-          </a:effectRef>
-          <a:fontRef idx="minor">
-            <a:schemeClr val="lt1"/>
-          </a:fontRef>
-        </p:style>
-        <p:txBody>
-          <a:bodyPr rtlCol="0" anchor="ctr"/>
-          <a:lstStyle/>
-          <a:p>
-            <a:pPr algn="ctr"/>
-            <a:endParaRPr lang="pt-BR"/>
-          </a:p>
-        </p:txBody>
-      </p:sp>
-      <p:grpSp>
-        <p:nvGrpSpPr>
-          <p:cNvPr id="76" name="Grupo 75"/>
-          <p:cNvGrpSpPr/>
-          <p:nvPr/>
-        </p:nvGrpSpPr>
-        <p:grpSpPr>
-          <a:xfrm>
-            <a:off x="1961719" y="1699777"/>
-            <a:ext cx="6876324" cy="7920000"/>
-            <a:chOff x="-936823" y="1699777"/>
-            <a:chExt cx="6876324" cy="7920000"/>
-          </a:xfrm>
-        </p:grpSpPr>
-        <p:sp>
-          <p:nvSpPr>
-            <p:cNvPr id="68" name="Retângulo 67"/>
-            <p:cNvSpPr/>
-            <p:nvPr/>
-          </p:nvSpPr>
-          <p:spPr>
-            <a:xfrm>
-              <a:off x="1979501" y="1699777"/>
-              <a:ext cx="3960000" cy="7920000"/>
-            </a:xfrm>
-            <a:prstGeom prst="rect">
-              <a:avLst/>
-            </a:prstGeom>
-            <a:solidFill>
-              <a:schemeClr val="bg1"/>
-            </a:solidFill>
-            <a:ln w="508000" cap="sq">
-              <a:solidFill>
-                <a:schemeClr val="tx1"/>
-              </a:solidFill>
-              <a:miter lim="800000"/>
-            </a:ln>
-          </p:spPr>
-          <p:style>
-            <a:lnRef idx="2">
-              <a:schemeClr val="accent1">
-                <a:shade val="50000"/>
-              </a:schemeClr>
-            </a:lnRef>
-            <a:fillRef idx="1">
-              <a:schemeClr val="accent1"/>
-            </a:fillRef>
-            <a:effectRef idx="0">
-              <a:schemeClr val="accent1"/>
-            </a:effectRef>
-            <a:fontRef idx="minor">
-              <a:schemeClr val="lt1"/>
-            </a:fontRef>
-          </p:style>
-          <p:txBody>
-            <a:bodyPr rtlCol="0" anchor="ctr"/>
-            <a:lstStyle/>
-            <a:p>
-              <a:pPr algn="ctr"/>
-              <a:endParaRPr lang="pt-BR"/>
-            </a:p>
-          </p:txBody>
-        </p:sp>
-        <p:sp>
-          <p:nvSpPr>
-            <p:cNvPr id="69" name="Retângulo 68"/>
-            <p:cNvSpPr/>
-            <p:nvPr/>
-          </p:nvSpPr>
-          <p:spPr>
-            <a:xfrm>
-              <a:off x="3149501" y="6379777"/>
-              <a:ext cx="1620000" cy="3240000"/>
-            </a:xfrm>
-            <a:prstGeom prst="rect">
-              <a:avLst/>
-            </a:prstGeom>
-            <a:solidFill>
-              <a:schemeClr val="bg1"/>
-            </a:solidFill>
-            <a:ln w="508000" cap="sq">
-              <a:solidFill>
-                <a:schemeClr val="tx1"/>
-              </a:solidFill>
-              <a:miter lim="800000"/>
-            </a:ln>
-          </p:spPr>
-          <p:style>
-            <a:lnRef idx="2">
-              <a:schemeClr val="accent1">
-                <a:shade val="50000"/>
-              </a:schemeClr>
-            </a:lnRef>
-            <a:fillRef idx="1">
-              <a:schemeClr val="accent1"/>
-            </a:fillRef>
-            <a:effectRef idx="0">
-              <a:schemeClr val="accent1"/>
-            </a:effectRef>
-            <a:fontRef idx="minor">
-              <a:schemeClr val="lt1"/>
-            </a:fontRef>
-          </p:style>
-          <p:txBody>
-            <a:bodyPr rtlCol="0" anchor="ctr"/>
-            <a:lstStyle/>
-            <a:p>
-              <a:pPr algn="ctr"/>
-              <a:endParaRPr lang="pt-BR"/>
-            </a:p>
-          </p:txBody>
-        </p:sp>
-        <p:sp>
-          <p:nvSpPr>
-            <p:cNvPr id="70" name="Retângulo de cantos arredondados 69"/>
-            <p:cNvSpPr/>
-            <p:nvPr/>
-          </p:nvSpPr>
-          <p:spPr>
-            <a:xfrm>
-              <a:off x="3419501" y="4175745"/>
-              <a:ext cx="1080000" cy="1080000"/>
-            </a:xfrm>
-            <a:prstGeom prst="roundRect">
-              <a:avLst>
-                <a:gd name="adj" fmla="val 0"/>
-              </a:avLst>
-            </a:prstGeom>
-            <a:solidFill>
-              <a:schemeClr val="tx1"/>
-            </a:solidFill>
-            <a:ln w="76200">
-              <a:noFill/>
-            </a:ln>
-          </p:spPr>
-          <p:style>
-            <a:lnRef idx="2">
-              <a:schemeClr val="accent1">
-                <a:shade val="50000"/>
-              </a:schemeClr>
-            </a:lnRef>
-            <a:fillRef idx="1">
-              <a:schemeClr val="accent1"/>
-            </a:fillRef>
-            <a:effectRef idx="0">
-              <a:schemeClr val="accent1"/>
-            </a:effectRef>
-            <a:fontRef idx="minor">
-              <a:schemeClr val="lt1"/>
-            </a:fontRef>
-          </p:style>
-          <p:txBody>
-            <a:bodyPr rtlCol="0" anchor="ctr"/>
-            <a:lstStyle/>
-            <a:p>
-              <a:pPr algn="ctr"/>
-              <a:endParaRPr lang="pt-BR" dirty="0"/>
-            </a:p>
-          </p:txBody>
-        </p:sp>
-        <p:sp>
-          <p:nvSpPr>
-            <p:cNvPr id="71" name="Retângulo de cantos arredondados 70"/>
-            <p:cNvSpPr/>
-            <p:nvPr/>
-          </p:nvSpPr>
-          <p:spPr>
-            <a:xfrm>
-              <a:off x="3419501" y="2519561"/>
-              <a:ext cx="1080000" cy="1080000"/>
-            </a:xfrm>
-            <a:prstGeom prst="roundRect">
-              <a:avLst>
-                <a:gd name="adj" fmla="val 0"/>
-              </a:avLst>
-            </a:prstGeom>
-            <a:solidFill>
-              <a:schemeClr val="tx1"/>
-            </a:solidFill>
-            <a:ln w="76200">
-              <a:noFill/>
-            </a:ln>
-          </p:spPr>
-          <p:style>
-            <a:lnRef idx="2">
-              <a:schemeClr val="accent1">
-                <a:shade val="50000"/>
-              </a:schemeClr>
-            </a:lnRef>
-            <a:fillRef idx="1">
-              <a:schemeClr val="accent1"/>
-            </a:fillRef>
-            <a:effectRef idx="0">
-              <a:schemeClr val="accent1"/>
-            </a:effectRef>
-            <a:fontRef idx="minor">
-              <a:schemeClr val="lt1"/>
-            </a:fontRef>
-          </p:style>
-          <p:txBody>
-            <a:bodyPr rtlCol="0" anchor="ctr"/>
-            <a:lstStyle/>
-            <a:p>
-              <a:pPr algn="ctr"/>
-              <a:endParaRPr lang="pt-BR" dirty="0"/>
-            </a:p>
-          </p:txBody>
-        </p:sp>
-        <p:grpSp>
-          <p:nvGrpSpPr>
-            <p:cNvPr id="75" name="Grupo 74"/>
-            <p:cNvGrpSpPr/>
-            <p:nvPr/>
-          </p:nvGrpSpPr>
-          <p:grpSpPr>
-            <a:xfrm>
-              <a:off x="-936823" y="4939777"/>
-              <a:ext cx="2880000" cy="4680000"/>
-              <a:chOff x="5940261" y="4939777"/>
-              <a:chExt cx="2880000" cy="4680000"/>
-            </a:xfrm>
-          </p:grpSpPr>
-          <p:sp>
-            <p:nvSpPr>
-              <p:cNvPr id="72" name="Retângulo 71"/>
-              <p:cNvSpPr/>
-              <p:nvPr/>
-            </p:nvSpPr>
-            <p:spPr>
-              <a:xfrm>
-                <a:off x="5940261" y="4939777"/>
-                <a:ext cx="2880000" cy="4680000"/>
-              </a:xfrm>
-              <a:prstGeom prst="rect">
-                <a:avLst/>
-              </a:prstGeom>
-              <a:solidFill>
-                <a:schemeClr val="bg1"/>
-              </a:solidFill>
-              <a:ln w="508000" cap="sq">
-                <a:solidFill>
-                  <a:schemeClr val="tx1"/>
-                </a:solidFill>
-                <a:miter lim="800000"/>
-              </a:ln>
-            </p:spPr>
-            <p:style>
-              <a:lnRef idx="2">
-                <a:schemeClr val="accent1">
-                  <a:shade val="50000"/>
-                </a:schemeClr>
-              </a:lnRef>
-              <a:fillRef idx="1">
-                <a:schemeClr val="accent1"/>
-              </a:fillRef>
-              <a:effectRef idx="0">
-                <a:schemeClr val="accent1"/>
-              </a:effectRef>
-              <a:fontRef idx="minor">
-                <a:schemeClr val="lt1"/>
-              </a:fontRef>
-            </p:style>
-            <p:txBody>
-              <a:bodyPr rtlCol="0" anchor="ctr"/>
-              <a:lstStyle/>
-              <a:p>
-                <a:pPr algn="ctr"/>
-                <a:endParaRPr lang="pt-BR"/>
-              </a:p>
-            </p:txBody>
-          </p:sp>
-          <p:sp>
-            <p:nvSpPr>
-              <p:cNvPr id="73" name="Retângulo de cantos arredondados 72"/>
-              <p:cNvSpPr/>
-              <p:nvPr/>
-            </p:nvSpPr>
-            <p:spPr>
-              <a:xfrm>
-                <a:off x="6840261" y="7639641"/>
-                <a:ext cx="1080000" cy="1080000"/>
-              </a:xfrm>
-              <a:prstGeom prst="roundRect">
-                <a:avLst>
-                  <a:gd name="adj" fmla="val 0"/>
-                </a:avLst>
-              </a:prstGeom>
-              <a:solidFill>
-                <a:schemeClr val="tx1"/>
-              </a:solidFill>
-              <a:ln w="76200">
-                <a:noFill/>
-              </a:ln>
-            </p:spPr>
-            <p:style>
-              <a:lnRef idx="2">
-                <a:schemeClr val="accent1">
-                  <a:shade val="50000"/>
-                </a:schemeClr>
-              </a:lnRef>
-              <a:fillRef idx="1">
-                <a:schemeClr val="accent1"/>
-              </a:fillRef>
-              <a:effectRef idx="0">
-                <a:schemeClr val="accent1"/>
-              </a:effectRef>
-              <a:fontRef idx="minor">
-                <a:schemeClr val="lt1"/>
-              </a:fontRef>
-            </p:style>
-            <p:txBody>
-              <a:bodyPr rtlCol="0" anchor="ctr"/>
-              <a:lstStyle/>
-              <a:p>
-                <a:pPr algn="ctr"/>
-                <a:endParaRPr lang="pt-BR" dirty="0"/>
-              </a:p>
-            </p:txBody>
-          </p:sp>
-          <p:sp>
-            <p:nvSpPr>
-              <p:cNvPr id="74" name="Retângulo de cantos arredondados 73"/>
-              <p:cNvSpPr/>
-              <p:nvPr/>
-            </p:nvSpPr>
-            <p:spPr>
-              <a:xfrm>
-                <a:off x="6840261" y="5839441"/>
-                <a:ext cx="1080000" cy="1080000"/>
-              </a:xfrm>
-              <a:prstGeom prst="roundRect">
-                <a:avLst>
-                  <a:gd name="adj" fmla="val 0"/>
-                </a:avLst>
-              </a:prstGeom>
-              <a:solidFill>
-                <a:schemeClr val="tx1"/>
-              </a:solidFill>
-              <a:ln w="76200">
-                <a:noFill/>
-              </a:ln>
-            </p:spPr>
-            <p:style>
-              <a:lnRef idx="2">
-                <a:schemeClr val="accent1">
-                  <a:shade val="50000"/>
-                </a:schemeClr>
-              </a:lnRef>
-              <a:fillRef idx="1">
-                <a:schemeClr val="accent1"/>
-              </a:fillRef>
-              <a:effectRef idx="0">
-                <a:schemeClr val="accent1"/>
-              </a:effectRef>
-              <a:fontRef idx="minor">
-                <a:schemeClr val="lt1"/>
-              </a:fontRef>
-            </p:style>
-            <p:txBody>
-              <a:bodyPr rtlCol="0" anchor="ctr"/>
-              <a:lstStyle/>
-              <a:p>
-                <a:pPr algn="ctr"/>
-                <a:endParaRPr lang="pt-BR" dirty="0"/>
-              </a:p>
-            </p:txBody>
-          </p:sp>
-        </p:grpSp>
-      </p:grpSp>
-    </p:spTree>
-    <p:extLst>
-      <p:ext uri="{BB962C8B-B14F-4D97-AF65-F5344CB8AC3E}">
-        <p14:creationId xmlns:p14="http://schemas.microsoft.com/office/powerpoint/2010/main" xmlns="" val="601465837"/>
+        <p14:creationId xmlns="" xmlns:p14="http://schemas.microsoft.com/office/powerpoint/2010/main" val="601465837"/>
       </p:ext>
     </p:extLst>
   </p:cSld>

--- a/UI/Icons TremnCRM.pptx
+++ b/UI/Icons TremnCRM.pptx
@@ -119,7 +119,7 @@
   </p:defaultTextStyle>
   <p:extLst>
     <p:ext uri="{EFAFB233-063F-42B5-8137-9DF3F51BA10A}">
-      <p15:sldGuideLst xmlns="" xmlns:p15="http://schemas.microsoft.com/office/powerpoint/2012/main">
+      <p15:sldGuideLst xmlns:p15="http://schemas.microsoft.com/office/powerpoint/2012/main" xmlns="">
         <p15:guide id="1" orient="horz" pos="3402" userDrawn="1">
           <p15:clr>
             <a:srgbClr val="A4A3A4"/>
@@ -318,7 +318,7 @@
             <a:fld id="{1B45BA29-84C7-4EAB-A065-0CAC1B85748C}" type="datetimeFigureOut">
               <a:rPr lang="pt-BR" smtClean="0"/>
               <a:pPr/>
-              <a:t>02/02/2015</a:t>
+              <a:t>08/03/15</a:t>
             </a:fld>
             <a:endParaRPr lang="pt-BR"/>
           </a:p>
@@ -361,7 +361,7 @@
             <a:fld id="{37134DBB-A9B4-4A30-98DD-5EBB182433AE}" type="slidenum">
               <a:rPr lang="pt-BR" smtClean="0"/>
               <a:pPr/>
-              <a:t>‹nº›</a:t>
+              <a:t>‹#›</a:t>
             </a:fld>
             <a:endParaRPr lang="pt-BR"/>
           </a:p>
@@ -485,7 +485,7 @@
             <a:fld id="{1B45BA29-84C7-4EAB-A065-0CAC1B85748C}" type="datetimeFigureOut">
               <a:rPr lang="pt-BR" smtClean="0"/>
               <a:pPr/>
-              <a:t>02/02/2015</a:t>
+              <a:t>08/03/15</a:t>
             </a:fld>
             <a:endParaRPr lang="pt-BR"/>
           </a:p>
@@ -528,7 +528,7 @@
             <a:fld id="{37134DBB-A9B4-4A30-98DD-5EBB182433AE}" type="slidenum">
               <a:rPr lang="pt-BR" smtClean="0"/>
               <a:pPr/>
-              <a:t>‹nº›</a:t>
+              <a:t>‹#›</a:t>
             </a:fld>
             <a:endParaRPr lang="pt-BR"/>
           </a:p>
@@ -662,7 +662,7 @@
             <a:fld id="{1B45BA29-84C7-4EAB-A065-0CAC1B85748C}" type="datetimeFigureOut">
               <a:rPr lang="pt-BR" smtClean="0"/>
               <a:pPr/>
-              <a:t>02/02/2015</a:t>
+              <a:t>08/03/15</a:t>
             </a:fld>
             <a:endParaRPr lang="pt-BR"/>
           </a:p>
@@ -705,7 +705,7 @@
             <a:fld id="{37134DBB-A9B4-4A30-98DD-5EBB182433AE}" type="slidenum">
               <a:rPr lang="pt-BR" smtClean="0"/>
               <a:pPr/>
-              <a:t>‹nº›</a:t>
+              <a:t>‹#›</a:t>
             </a:fld>
             <a:endParaRPr lang="pt-BR"/>
           </a:p>
@@ -829,7 +829,7 @@
             <a:fld id="{1B45BA29-84C7-4EAB-A065-0CAC1B85748C}" type="datetimeFigureOut">
               <a:rPr lang="pt-BR" smtClean="0"/>
               <a:pPr/>
-              <a:t>02/02/2015</a:t>
+              <a:t>08/03/15</a:t>
             </a:fld>
             <a:endParaRPr lang="pt-BR"/>
           </a:p>
@@ -872,7 +872,7 @@
             <a:fld id="{37134DBB-A9B4-4A30-98DD-5EBB182433AE}" type="slidenum">
               <a:rPr lang="pt-BR" smtClean="0"/>
               <a:pPr/>
-              <a:t>‹nº›</a:t>
+              <a:t>‹#›</a:t>
             </a:fld>
             <a:endParaRPr lang="pt-BR"/>
           </a:p>
@@ -1072,7 +1072,7 @@
             <a:fld id="{1B45BA29-84C7-4EAB-A065-0CAC1B85748C}" type="datetimeFigureOut">
               <a:rPr lang="pt-BR" smtClean="0"/>
               <a:pPr/>
-              <a:t>02/02/2015</a:t>
+              <a:t>08/03/15</a:t>
             </a:fld>
             <a:endParaRPr lang="pt-BR"/>
           </a:p>
@@ -1115,7 +1115,7 @@
             <a:fld id="{37134DBB-A9B4-4A30-98DD-5EBB182433AE}" type="slidenum">
               <a:rPr lang="pt-BR" smtClean="0"/>
               <a:pPr/>
-              <a:t>‹nº›</a:t>
+              <a:t>‹#›</a:t>
             </a:fld>
             <a:endParaRPr lang="pt-BR"/>
           </a:p>
@@ -1357,7 +1357,7 @@
             <a:fld id="{1B45BA29-84C7-4EAB-A065-0CAC1B85748C}" type="datetimeFigureOut">
               <a:rPr lang="pt-BR" smtClean="0"/>
               <a:pPr/>
-              <a:t>02/02/2015</a:t>
+              <a:t>08/03/15</a:t>
             </a:fld>
             <a:endParaRPr lang="pt-BR"/>
           </a:p>
@@ -1400,7 +1400,7 @@
             <a:fld id="{37134DBB-A9B4-4A30-98DD-5EBB182433AE}" type="slidenum">
               <a:rPr lang="pt-BR" smtClean="0"/>
               <a:pPr/>
-              <a:t>‹nº›</a:t>
+              <a:t>‹#›</a:t>
             </a:fld>
             <a:endParaRPr lang="pt-BR"/>
           </a:p>
@@ -1776,7 +1776,7 @@
             <a:fld id="{1B45BA29-84C7-4EAB-A065-0CAC1B85748C}" type="datetimeFigureOut">
               <a:rPr lang="pt-BR" smtClean="0"/>
               <a:pPr/>
-              <a:t>02/02/2015</a:t>
+              <a:t>08/03/15</a:t>
             </a:fld>
             <a:endParaRPr lang="pt-BR"/>
           </a:p>
@@ -1819,7 +1819,7 @@
             <a:fld id="{37134DBB-A9B4-4A30-98DD-5EBB182433AE}" type="slidenum">
               <a:rPr lang="pt-BR" smtClean="0"/>
               <a:pPr/>
-              <a:t>‹nº›</a:t>
+              <a:t>‹#›</a:t>
             </a:fld>
             <a:endParaRPr lang="pt-BR"/>
           </a:p>
@@ -1891,7 +1891,7 @@
             <a:fld id="{1B45BA29-84C7-4EAB-A065-0CAC1B85748C}" type="datetimeFigureOut">
               <a:rPr lang="pt-BR" smtClean="0"/>
               <a:pPr/>
-              <a:t>02/02/2015</a:t>
+              <a:t>08/03/15</a:t>
             </a:fld>
             <a:endParaRPr lang="pt-BR"/>
           </a:p>
@@ -1934,7 +1934,7 @@
             <a:fld id="{37134DBB-A9B4-4A30-98DD-5EBB182433AE}" type="slidenum">
               <a:rPr lang="pt-BR" smtClean="0"/>
               <a:pPr/>
-              <a:t>‹nº›</a:t>
+              <a:t>‹#›</a:t>
             </a:fld>
             <a:endParaRPr lang="pt-BR"/>
           </a:p>
@@ -1983,7 +1983,7 @@
             <a:fld id="{1B45BA29-84C7-4EAB-A065-0CAC1B85748C}" type="datetimeFigureOut">
               <a:rPr lang="pt-BR" smtClean="0"/>
               <a:pPr/>
-              <a:t>02/02/2015</a:t>
+              <a:t>08/03/15</a:t>
             </a:fld>
             <a:endParaRPr lang="pt-BR"/>
           </a:p>
@@ -2026,7 +2026,7 @@
             <a:fld id="{37134DBB-A9B4-4A30-98DD-5EBB182433AE}" type="slidenum">
               <a:rPr lang="pt-BR" smtClean="0"/>
               <a:pPr/>
-              <a:t>‹nº›</a:t>
+              <a:t>‹#›</a:t>
             </a:fld>
             <a:endParaRPr lang="pt-BR"/>
           </a:p>
@@ -2257,7 +2257,7 @@
             <a:fld id="{1B45BA29-84C7-4EAB-A065-0CAC1B85748C}" type="datetimeFigureOut">
               <a:rPr lang="pt-BR" smtClean="0"/>
               <a:pPr/>
-              <a:t>02/02/2015</a:t>
+              <a:t>08/03/15</a:t>
             </a:fld>
             <a:endParaRPr lang="pt-BR"/>
           </a:p>
@@ -2300,7 +2300,7 @@
             <a:fld id="{37134DBB-A9B4-4A30-98DD-5EBB182433AE}" type="slidenum">
               <a:rPr lang="pt-BR" smtClean="0"/>
               <a:pPr/>
-              <a:t>‹nº›</a:t>
+              <a:t>‹#›</a:t>
             </a:fld>
             <a:endParaRPr lang="pt-BR"/>
           </a:p>
@@ -2507,7 +2507,7 @@
             <a:fld id="{1B45BA29-84C7-4EAB-A065-0CAC1B85748C}" type="datetimeFigureOut">
               <a:rPr lang="pt-BR" smtClean="0"/>
               <a:pPr/>
-              <a:t>02/02/2015</a:t>
+              <a:t>08/03/15</a:t>
             </a:fld>
             <a:endParaRPr lang="pt-BR"/>
           </a:p>
@@ -2550,7 +2550,7 @@
             <a:fld id="{37134DBB-A9B4-4A30-98DD-5EBB182433AE}" type="slidenum">
               <a:rPr lang="pt-BR" smtClean="0"/>
               <a:pPr/>
-              <a:t>‹nº›</a:t>
+              <a:t>‹#›</a:t>
             </a:fld>
             <a:endParaRPr lang="pt-BR"/>
           </a:p>
@@ -2717,7 +2717,7 @@
             <a:fld id="{1B45BA29-84C7-4EAB-A065-0CAC1B85748C}" type="datetimeFigureOut">
               <a:rPr lang="pt-BR" smtClean="0"/>
               <a:pPr/>
-              <a:t>02/02/2015</a:t>
+              <a:t>08/03/15</a:t>
             </a:fld>
             <a:endParaRPr lang="pt-BR"/>
           </a:p>
@@ -2796,7 +2796,7 @@
             <a:fld id="{37134DBB-A9B4-4A30-98DD-5EBB182433AE}" type="slidenum">
               <a:rPr lang="pt-BR" smtClean="0"/>
               <a:pPr/>
-              <a:t>‹nº›</a:t>
+              <a:t>‹#›</a:t>
             </a:fld>
             <a:endParaRPr lang="pt-BR"/>
           </a:p>
@@ -3170,7 +3170,7 @@
           <a:blip r:embed="rId2" cstate="print">
             <a:extLst>
               <a:ext uri="{28A0092B-C50C-407E-A947-70E740481C1C}">
-                <a14:useLocalDpi xmlns="" xmlns:a14="http://schemas.microsoft.com/office/drawing/2010/main" val="0"/>
+                <a14:useLocalDpi xmlns:a14="http://schemas.microsoft.com/office/drawing/2010/main" val="0"/>
               </a:ext>
             </a:extLst>
           </a:blip>
@@ -3253,7 +3253,7 @@
     </p:spTree>
     <p:extLst>
       <p:ext uri="{BB962C8B-B14F-4D97-AF65-F5344CB8AC3E}">
-        <p14:creationId xmlns="" xmlns:p14="http://schemas.microsoft.com/office/powerpoint/2010/main" val="12229296"/>
+        <p14:creationId xmlns:p14="http://schemas.microsoft.com/office/powerpoint/2010/main" val="12229296"/>
       </p:ext>
     </p:extLst>
   </p:cSld>
@@ -3263,7 +3263,7 @@
   <p:timing>
     <p:tnLst>
       <p:par>
-        <p:cTn id="1" dur="indefinite" restart="never" nodeType="tmRoot"/>
+        <p:cTn xmlns:p14="http://schemas.microsoft.com/office/powerpoint/2010/main" id="1" dur="indefinite" restart="never" nodeType="tmRoot"/>
       </p:par>
     </p:tnLst>
   </p:timing>
@@ -4792,7 +4792,7 @@
     </p:spTree>
     <p:extLst>
       <p:ext uri="{BB962C8B-B14F-4D97-AF65-F5344CB8AC3E}">
-        <p14:creationId xmlns="" xmlns:p14="http://schemas.microsoft.com/office/powerpoint/2010/main" val="601465837"/>
+        <p14:creationId xmlns:p14="http://schemas.microsoft.com/office/powerpoint/2010/main" val="601465837"/>
       </p:ext>
     </p:extLst>
   </p:cSld>
@@ -4802,7 +4802,7 @@
   <p:timing>
     <p:tnLst>
       <p:par>
-        <p:cTn id="1" dur="indefinite" restart="never" nodeType="tmRoot"/>
+        <p:cTn xmlns:p14="http://schemas.microsoft.com/office/powerpoint/2010/main" id="1" dur="indefinite" restart="never" nodeType="tmRoot"/>
       </p:par>
     </p:tnLst>
   </p:timing>
@@ -5312,7 +5312,7 @@
     </p:spTree>
     <p:extLst>
       <p:ext uri="{BB962C8B-B14F-4D97-AF65-F5344CB8AC3E}">
-        <p14:creationId xmlns="" xmlns:p14="http://schemas.microsoft.com/office/powerpoint/2010/main" val="601465837"/>
+        <p14:creationId xmlns:p14="http://schemas.microsoft.com/office/powerpoint/2010/main" val="601465837"/>
       </p:ext>
     </p:extLst>
   </p:cSld>
@@ -5322,7 +5322,7 @@
   <p:timing>
     <p:tnLst>
       <p:par>
-        <p:cTn id="1" dur="indefinite" restart="never" nodeType="tmRoot"/>
+        <p:cTn xmlns:p14="http://schemas.microsoft.com/office/powerpoint/2010/main" id="1" dur="indefinite" restart="never" nodeType="tmRoot"/>
       </p:par>
     </p:tnLst>
   </p:timing>
@@ -5619,7 +5619,7 @@
     </p:spTree>
     <p:extLst>
       <p:ext uri="{BB962C8B-B14F-4D97-AF65-F5344CB8AC3E}">
-        <p14:creationId xmlns="" xmlns:p14="http://schemas.microsoft.com/office/powerpoint/2010/main" val="601465837"/>
+        <p14:creationId xmlns:p14="http://schemas.microsoft.com/office/powerpoint/2010/main" val="601465837"/>
       </p:ext>
     </p:extLst>
   </p:cSld>
@@ -5629,7 +5629,7 @@
   <p:timing>
     <p:tnLst>
       <p:par>
-        <p:cTn id="1" dur="indefinite" restart="never" nodeType="tmRoot"/>
+        <p:cTn xmlns:p14="http://schemas.microsoft.com/office/powerpoint/2010/main" id="1" dur="indefinite" restart="never" nodeType="tmRoot"/>
       </p:par>
     </p:tnLst>
   </p:timing>
@@ -5785,7 +5785,7 @@
     </p:spTree>
     <p:extLst>
       <p:ext uri="{BB962C8B-B14F-4D97-AF65-F5344CB8AC3E}">
-        <p14:creationId xmlns="" xmlns:p14="http://schemas.microsoft.com/office/powerpoint/2010/main" val="601465837"/>
+        <p14:creationId xmlns:p14="http://schemas.microsoft.com/office/powerpoint/2010/main" val="601465837"/>
       </p:ext>
     </p:extLst>
   </p:cSld>
@@ -5795,7 +5795,7 @@
   <p:timing>
     <p:tnLst>
       <p:par>
-        <p:cTn id="1" dur="indefinite" restart="never" nodeType="tmRoot"/>
+        <p:cTn xmlns:p14="http://schemas.microsoft.com/office/powerpoint/2010/main" id="1" dur="indefinite" restart="never" nodeType="tmRoot"/>
       </p:par>
     </p:tnLst>
   </p:timing>
@@ -6632,7 +6632,7 @@
     </p:spTree>
     <p:extLst>
       <p:ext uri="{BB962C8B-B14F-4D97-AF65-F5344CB8AC3E}">
-        <p14:creationId xmlns="" xmlns:p14="http://schemas.microsoft.com/office/powerpoint/2010/main" val="601465837"/>
+        <p14:creationId xmlns:p14="http://schemas.microsoft.com/office/powerpoint/2010/main" val="601465837"/>
       </p:ext>
     </p:extLst>
   </p:cSld>
@@ -6642,7 +6642,7 @@
   <p:timing>
     <p:tnLst>
       <p:par>
-        <p:cTn id="1" dur="indefinite" restart="never" nodeType="tmRoot"/>
+        <p:cTn xmlns:p14="http://schemas.microsoft.com/office/powerpoint/2010/main" id="1" dur="indefinite" restart="never" nodeType="tmRoot"/>
       </p:par>
     </p:tnLst>
   </p:timing>
@@ -7246,7 +7246,7 @@
     </p:spTree>
     <p:extLst>
       <p:ext uri="{BB962C8B-B14F-4D97-AF65-F5344CB8AC3E}">
-        <p14:creationId xmlns="" xmlns:p14="http://schemas.microsoft.com/office/powerpoint/2010/main" val="601465837"/>
+        <p14:creationId xmlns:p14="http://schemas.microsoft.com/office/powerpoint/2010/main" val="601465837"/>
       </p:ext>
     </p:extLst>
   </p:cSld>
@@ -7256,7 +7256,7 @@
   <p:timing>
     <p:tnLst>
       <p:par>
-        <p:cTn id="1" dur="indefinite" restart="never" nodeType="tmRoot"/>
+        <p:cTn xmlns:p14="http://schemas.microsoft.com/office/powerpoint/2010/main" id="1" dur="indefinite" restart="never" nodeType="tmRoot"/>
       </p:par>
     </p:tnLst>
   </p:timing>
@@ -7733,7 +7733,7 @@
     </p:spTree>
     <p:extLst>
       <p:ext uri="{BB962C8B-B14F-4D97-AF65-F5344CB8AC3E}">
-        <p14:creationId xmlns="" xmlns:p14="http://schemas.microsoft.com/office/powerpoint/2010/main" val="601465837"/>
+        <p14:creationId xmlns:p14="http://schemas.microsoft.com/office/powerpoint/2010/main" val="601465837"/>
       </p:ext>
     </p:extLst>
   </p:cSld>
@@ -7743,7 +7743,7 @@
   <p:timing>
     <p:tnLst>
       <p:par>
-        <p:cTn id="1" dur="indefinite" restart="never" nodeType="tmRoot"/>
+        <p:cTn xmlns:p14="http://schemas.microsoft.com/office/powerpoint/2010/main" id="1" dur="indefinite" restart="never" nodeType="tmRoot"/>
       </p:par>
     </p:tnLst>
   </p:timing>
@@ -7957,7 +7957,7 @@
     </p:spTree>
     <p:extLst>
       <p:ext uri="{BB962C8B-B14F-4D97-AF65-F5344CB8AC3E}">
-        <p14:creationId xmlns="" xmlns:p14="http://schemas.microsoft.com/office/powerpoint/2010/main" val="601465837"/>
+        <p14:creationId xmlns:p14="http://schemas.microsoft.com/office/powerpoint/2010/main" val="601465837"/>
       </p:ext>
     </p:extLst>
   </p:cSld>
@@ -7967,7 +7967,7 @@
   <p:timing>
     <p:tnLst>
       <p:par>
-        <p:cTn id="1" dur="indefinite" restart="never" nodeType="tmRoot"/>
+        <p:cTn xmlns:p14="http://schemas.microsoft.com/office/powerpoint/2010/main" id="1" dur="indefinite" restart="never" nodeType="tmRoot"/>
       </p:par>
     </p:tnLst>
   </p:timing>
@@ -8004,21 +8004,21 @@
           </a:xfrm>
           <a:prstGeom prst="roundRect">
             <a:avLst>
-              <a:gd name="adj" fmla="val 18952"/>
+              <a:gd name="adj" fmla="val 0"/>
             </a:avLst>
           </a:prstGeom>
           <a:gradFill flip="none" rotWithShape="1">
             <a:gsLst>
               <a:gs pos="0">
-                <a:schemeClr val="tx2"/>
+                <a:schemeClr val="accent4"/>
               </a:gs>
               <a:gs pos="100000">
-                <a:schemeClr val="tx2">
+                <a:schemeClr val="accent4">
                   <a:lumMod val="50000"/>
                 </a:schemeClr>
               </a:gs>
             </a:gsLst>
-            <a:lin ang="5400000" scaled="1"/>
+            <a:lin ang="5160000" scaled="0"/>
             <a:tileRect/>
           </a:gradFill>
           <a:ln>
@@ -8058,7 +8058,7 @@
         </p:nvSpPr>
         <p:spPr>
           <a:xfrm>
-            <a:off x="5615905" y="1943497"/>
+            <a:off x="5615905" y="1302167"/>
             <a:ext cx="432048" cy="864096"/>
           </a:xfrm>
           <a:prstGeom prst="ellipse">
@@ -8104,8 +8104,8 @@
         </p:nvSpPr>
         <p:spPr>
           <a:xfrm>
-            <a:off x="2159881" y="1439881"/>
-            <a:ext cx="6480000" cy="7920000"/>
+            <a:off x="2159881" y="1302171"/>
+            <a:ext cx="6480000" cy="6840377"/>
           </a:xfrm>
           <a:prstGeom prst="roundRect">
             <a:avLst>
@@ -8144,104 +8144,6 @@
           </a:p>
         </p:txBody>
       </p:sp>
-      <p:sp>
-        <p:nvSpPr>
-          <p:cNvPr id="3" name="Retângulo de cantos arredondados 2"/>
-          <p:cNvSpPr/>
-          <p:nvPr/>
-        </p:nvSpPr>
-        <p:spPr>
-          <a:xfrm>
-            <a:off x="3599881" y="935465"/>
-            <a:ext cx="3600000" cy="720000"/>
-          </a:xfrm>
-          <a:prstGeom prst="roundRect">
-            <a:avLst>
-              <a:gd name="adj" fmla="val 0"/>
-            </a:avLst>
-          </a:prstGeom>
-          <a:solidFill>
-            <a:schemeClr val="bg1"/>
-          </a:solidFill>
-          <a:ln w="76200">
-            <a:solidFill>
-              <a:schemeClr val="tx2"/>
-            </a:solidFill>
-          </a:ln>
-        </p:spPr>
-        <p:style>
-          <a:lnRef idx="2">
-            <a:schemeClr val="accent1">
-              <a:shade val="50000"/>
-            </a:schemeClr>
-          </a:lnRef>
-          <a:fillRef idx="1">
-            <a:schemeClr val="accent1"/>
-          </a:fillRef>
-          <a:effectRef idx="0">
-            <a:schemeClr val="accent1"/>
-          </a:effectRef>
-          <a:fontRef idx="minor">
-            <a:schemeClr val="lt1"/>
-          </a:fontRef>
-        </p:style>
-        <p:txBody>
-          <a:bodyPr rtlCol="0" anchor="ctr"/>
-          <a:lstStyle/>
-          <a:p>
-            <a:pPr algn="ctr"/>
-            <a:endParaRPr lang="pt-BR"/>
-          </a:p>
-        </p:txBody>
-      </p:sp>
-      <p:sp>
-        <p:nvSpPr>
-          <p:cNvPr id="8" name="Elipse 7"/>
-          <p:cNvSpPr/>
-          <p:nvPr/>
-        </p:nvSpPr>
-        <p:spPr>
-          <a:xfrm>
-            <a:off x="5039881" y="647353"/>
-            <a:ext cx="720000" cy="720000"/>
-          </a:xfrm>
-          <a:prstGeom prst="ellipse">
-            <a:avLst/>
-          </a:prstGeom>
-          <a:solidFill>
-            <a:schemeClr val="bg1"/>
-          </a:solidFill>
-          <a:ln w="76200">
-            <a:solidFill>
-              <a:schemeClr val="tx2"/>
-            </a:solidFill>
-          </a:ln>
-        </p:spPr>
-        <p:style>
-          <a:lnRef idx="2">
-            <a:schemeClr val="accent1">
-              <a:shade val="50000"/>
-            </a:schemeClr>
-          </a:lnRef>
-          <a:fillRef idx="1">
-            <a:schemeClr val="accent1"/>
-          </a:fillRef>
-          <a:effectRef idx="0">
-            <a:schemeClr val="accent1"/>
-          </a:effectRef>
-          <a:fontRef idx="minor">
-            <a:schemeClr val="lt1"/>
-          </a:fontRef>
-        </p:style>
-        <p:txBody>
-          <a:bodyPr rtlCol="0" anchor="ctr"/>
-          <a:lstStyle/>
-          <a:p>
-            <a:pPr algn="ctr"/>
-            <a:endParaRPr lang="pt-BR"/>
-          </a:p>
-        </p:txBody>
-      </p:sp>
       <p:cxnSp>
         <p:nvCxnSpPr>
           <p:cNvPr id="14" name="Conector de seta reta 13"/>
@@ -8250,7 +8152,7 @@
         </p:nvCxnSpPr>
         <p:spPr>
           <a:xfrm>
-            <a:off x="4680121" y="2879601"/>
+            <a:off x="4680121" y="3563617"/>
             <a:ext cx="2880000" cy="0"/>
           </a:xfrm>
           <a:prstGeom prst="straightConnector1">
@@ -8287,7 +8189,7 @@
         </p:nvSpPr>
         <p:spPr>
           <a:xfrm>
-            <a:off x="3167633" y="2339601"/>
+            <a:off x="3167633" y="3023617"/>
             <a:ext cx="1116000" cy="1080000"/>
           </a:xfrm>
           <a:prstGeom prst="rect">
@@ -8390,7 +8292,7 @@
         </p:nvCxnSpPr>
         <p:spPr>
           <a:xfrm>
-            <a:off x="4680121" y="4523804"/>
+            <a:off x="4680121" y="5207820"/>
             <a:ext cx="2880000" cy="0"/>
           </a:xfrm>
           <a:prstGeom prst="straightConnector1">
@@ -8427,7 +8329,7 @@
         </p:nvSpPr>
         <p:spPr>
           <a:xfrm>
-            <a:off x="3167633" y="3983804"/>
+            <a:off x="3167633" y="4667820"/>
             <a:ext cx="1116000" cy="1080000"/>
           </a:xfrm>
           <a:prstGeom prst="rect">
@@ -8530,7 +8432,7 @@
         </p:nvCxnSpPr>
         <p:spPr>
           <a:xfrm>
-            <a:off x="4680121" y="6168007"/>
+            <a:off x="4680121" y="6852023"/>
             <a:ext cx="2880000" cy="0"/>
           </a:xfrm>
           <a:prstGeom prst="straightConnector1">
@@ -8567,7 +8469,7 @@
         </p:nvSpPr>
         <p:spPr>
           <a:xfrm>
-            <a:off x="3167633" y="5628007"/>
+            <a:off x="3167633" y="6312023"/>
             <a:ext cx="1116000" cy="1080000"/>
           </a:xfrm>
           <a:prstGeom prst="rect">
@@ -8603,36 +8505,6 @@
           <a:lstStyle/>
           <a:p>
             <a:pPr algn="ctr"/>
-            <a:r>
-              <a:rPr lang="pt-BR" sz="15000" dirty="0" smtClean="0">
-                <a:gradFill flip="none" rotWithShape="1">
-                  <a:gsLst>
-                    <a:gs pos="0">
-                      <a:srgbClr val="00CC00">
-                        <a:shade val="30000"/>
-                        <a:satMod val="115000"/>
-                      </a:srgbClr>
-                    </a:gs>
-                    <a:gs pos="50000">
-                      <a:srgbClr val="00CC00">
-                        <a:shade val="67500"/>
-                        <a:satMod val="115000"/>
-                      </a:srgbClr>
-                    </a:gs>
-                    <a:gs pos="100000">
-                      <a:srgbClr val="00CC00">
-                        <a:shade val="100000"/>
-                        <a:satMod val="115000"/>
-                      </a:srgbClr>
-                    </a:gs>
-                  </a:gsLst>
-                  <a:lin ang="16200000" scaled="1"/>
-                  <a:tileRect/>
-                </a:gradFill>
-                <a:sym typeface="Wingdings" panose="05000000000000000000" pitchFamily="2" charset="2"/>
-              </a:rPr>
-              <a:t></a:t>
-            </a:r>
             <a:endParaRPr lang="pt-BR" sz="15000" dirty="0">
               <a:gradFill flip="none" rotWithShape="1">
                 <a:gsLst>
@@ -8662,53 +8534,208 @@
           </a:p>
         </p:txBody>
       </p:sp>
-      <p:cxnSp>
-        <p:nvCxnSpPr>
-          <p:cNvPr id="31" name="Conector de seta reta 30"/>
-          <p:cNvCxnSpPr/>
+      <p:sp>
+        <p:nvSpPr>
+          <p:cNvPr id="15" name="Retângulo de cantos arredondados 43"/>
+          <p:cNvSpPr/>
           <p:nvPr/>
-        </p:nvCxnSpPr>
-        <p:spPr>
-          <a:xfrm>
-            <a:off x="4680121" y="7812209"/>
-            <a:ext cx="2880000" cy="0"/>
-          </a:xfrm>
-          <a:prstGeom prst="straightConnector1">
+        </p:nvSpPr>
+        <p:spPr>
+          <a:xfrm>
+            <a:off x="3383291" y="669845"/>
+            <a:ext cx="359997" cy="1440000"/>
+          </a:xfrm>
+          <a:prstGeom prst="roundRect">
             <a:avLst/>
           </a:prstGeom>
+          <a:solidFill>
+            <a:srgbClr val="604A7B"/>
+          </a:solidFill>
           <a:ln w="76200">
             <a:solidFill>
-              <a:schemeClr val="tx2"/>
+              <a:schemeClr val="bg1"/>
             </a:solidFill>
-            <a:headEnd type="none" w="med" len="med"/>
-            <a:tailEnd type="none" w="med" len="med"/>
           </a:ln>
         </p:spPr>
         <p:style>
-          <a:lnRef idx="1">
-            <a:schemeClr val="accent1"/>
+          <a:lnRef idx="2">
+            <a:schemeClr val="accent1">
+              <a:shade val="50000"/>
+            </a:schemeClr>
           </a:lnRef>
-          <a:fillRef idx="0">
+          <a:fillRef idx="1">
             <a:schemeClr val="accent1"/>
           </a:fillRef>
           <a:effectRef idx="0">
             <a:schemeClr val="accent1"/>
           </a:effectRef>
           <a:fontRef idx="minor">
-            <a:schemeClr val="tx1"/>
+            <a:schemeClr val="lt1"/>
           </a:fontRef>
         </p:style>
-      </p:cxnSp>
-      <p:sp>
-        <p:nvSpPr>
-          <p:cNvPr id="16" name="Retângulo 15"/>
+        <p:txBody>
+          <a:bodyPr rtlCol="0" anchor="ctr"/>
+          <a:lstStyle/>
+          <a:p>
+            <a:pPr algn="ctr"/>
+            <a:endParaRPr lang="pt-BR"/>
+          </a:p>
+        </p:txBody>
+      </p:sp>
+      <p:sp>
+        <p:nvSpPr>
+          <p:cNvPr id="18" name="Retângulo de cantos arredondados 43"/>
           <p:cNvSpPr/>
           <p:nvPr/>
         </p:nvSpPr>
         <p:spPr>
           <a:xfrm>
-            <a:off x="3167633" y="7272089"/>
-            <a:ext cx="1116000" cy="1080000"/>
+            <a:off x="4680253" y="638345"/>
+            <a:ext cx="359997" cy="1440000"/>
+          </a:xfrm>
+          <a:prstGeom prst="roundRect">
+            <a:avLst/>
+          </a:prstGeom>
+          <a:solidFill>
+            <a:srgbClr val="604A7B"/>
+          </a:solidFill>
+          <a:ln w="76200">
+            <a:solidFill>
+              <a:schemeClr val="bg1"/>
+            </a:solidFill>
+          </a:ln>
+        </p:spPr>
+        <p:style>
+          <a:lnRef idx="2">
+            <a:schemeClr val="accent1">
+              <a:shade val="50000"/>
+            </a:schemeClr>
+          </a:lnRef>
+          <a:fillRef idx="1">
+            <a:schemeClr val="accent1"/>
+          </a:fillRef>
+          <a:effectRef idx="0">
+            <a:schemeClr val="accent1"/>
+          </a:effectRef>
+          <a:fontRef idx="minor">
+            <a:schemeClr val="lt1"/>
+          </a:fontRef>
+        </p:style>
+        <p:txBody>
+          <a:bodyPr rtlCol="0" anchor="ctr"/>
+          <a:lstStyle/>
+          <a:p>
+            <a:pPr algn="ctr"/>
+            <a:endParaRPr lang="pt-BR"/>
+          </a:p>
+        </p:txBody>
+      </p:sp>
+      <p:sp>
+        <p:nvSpPr>
+          <p:cNvPr id="20" name="Retângulo de cantos arredondados 43"/>
+          <p:cNvSpPr/>
+          <p:nvPr/>
+        </p:nvSpPr>
+        <p:spPr>
+          <a:xfrm>
+            <a:off x="5977215" y="606845"/>
+            <a:ext cx="359997" cy="1440000"/>
+          </a:xfrm>
+          <a:prstGeom prst="roundRect">
+            <a:avLst/>
+          </a:prstGeom>
+          <a:solidFill>
+            <a:srgbClr val="604A7B"/>
+          </a:solidFill>
+          <a:ln w="76200">
+            <a:solidFill>
+              <a:schemeClr val="bg1"/>
+            </a:solidFill>
+          </a:ln>
+        </p:spPr>
+        <p:style>
+          <a:lnRef idx="2">
+            <a:schemeClr val="accent1">
+              <a:shade val="50000"/>
+            </a:schemeClr>
+          </a:lnRef>
+          <a:fillRef idx="1">
+            <a:schemeClr val="accent1"/>
+          </a:fillRef>
+          <a:effectRef idx="0">
+            <a:schemeClr val="accent1"/>
+          </a:effectRef>
+          <a:fontRef idx="minor">
+            <a:schemeClr val="lt1"/>
+          </a:fontRef>
+        </p:style>
+        <p:txBody>
+          <a:bodyPr rtlCol="0" anchor="ctr"/>
+          <a:lstStyle/>
+          <a:p>
+            <a:pPr algn="ctr"/>
+            <a:endParaRPr lang="pt-BR"/>
+          </a:p>
+        </p:txBody>
+      </p:sp>
+      <p:sp>
+        <p:nvSpPr>
+          <p:cNvPr id="23" name="Retângulo de cantos arredondados 43"/>
+          <p:cNvSpPr/>
+          <p:nvPr/>
+        </p:nvSpPr>
+        <p:spPr>
+          <a:xfrm>
+            <a:off x="7274177" y="575345"/>
+            <a:ext cx="359997" cy="1440000"/>
+          </a:xfrm>
+          <a:prstGeom prst="roundRect">
+            <a:avLst/>
+          </a:prstGeom>
+          <a:solidFill>
+            <a:srgbClr val="604A7B"/>
+          </a:solidFill>
+          <a:ln w="76200">
+            <a:solidFill>
+              <a:schemeClr val="bg1"/>
+            </a:solidFill>
+          </a:ln>
+        </p:spPr>
+        <p:style>
+          <a:lnRef idx="2">
+            <a:schemeClr val="accent1">
+              <a:shade val="50000"/>
+            </a:schemeClr>
+          </a:lnRef>
+          <a:fillRef idx="1">
+            <a:schemeClr val="accent1"/>
+          </a:fillRef>
+          <a:effectRef idx="0">
+            <a:schemeClr val="accent1"/>
+          </a:effectRef>
+          <a:fontRef idx="minor">
+            <a:schemeClr val="lt1"/>
+          </a:fontRef>
+        </p:style>
+        <p:txBody>
+          <a:bodyPr rtlCol="0" anchor="ctr"/>
+          <a:lstStyle/>
+          <a:p>
+            <a:pPr algn="ctr"/>
+            <a:endParaRPr lang="pt-BR"/>
+          </a:p>
+        </p:txBody>
+      </p:sp>
+      <p:sp>
+        <p:nvSpPr>
+          <p:cNvPr id="24" name="Retângulo 12"/>
+          <p:cNvSpPr/>
+          <p:nvPr/>
+        </p:nvSpPr>
+        <p:spPr>
+          <a:xfrm>
+            <a:off x="179881" y="8784457"/>
+            <a:ext cx="10440000" cy="1800000"/>
           </a:xfrm>
           <a:prstGeom prst="rect">
             <a:avLst/>
@@ -8718,7 +8745,7 @@
           </a:solidFill>
           <a:ln w="76200">
             <a:solidFill>
-              <a:schemeClr val="tx2"/>
+              <a:schemeClr val="bg1"/>
             </a:solidFill>
           </a:ln>
         </p:spPr>
@@ -8744,60 +8771,34 @@
           <a:p>
             <a:pPr algn="ctr"/>
             <a:r>
-              <a:rPr lang="pt-BR" sz="15000" dirty="0" smtClean="0">
-                <a:gradFill flip="none" rotWithShape="1">
-                  <a:gsLst>
-                    <a:gs pos="0">
-                      <a:srgbClr val="00CC00">
-                        <a:shade val="30000"/>
-                        <a:satMod val="115000"/>
-                      </a:srgbClr>
-                    </a:gs>
-                    <a:gs pos="50000">
-                      <a:srgbClr val="00CC00">
-                        <a:shade val="67500"/>
-                        <a:satMod val="115000"/>
-                      </a:srgbClr>
-                    </a:gs>
-                    <a:gs pos="100000">
-                      <a:srgbClr val="00CC00">
-                        <a:shade val="100000"/>
-                        <a:satMod val="115000"/>
-                      </a:srgbClr>
-                    </a:gs>
-                  </a:gsLst>
-                  <a:lin ang="16200000" scaled="1"/>
-                  <a:tileRect/>
-                </a:gradFill>
-                <a:sym typeface="Wingdings" panose="05000000000000000000" pitchFamily="2" charset="2"/>
+              <a:rPr lang="pt-BR" sz="10000" b="1" dirty="0" err="1" smtClean="0">
+                <a:solidFill>
+                  <a:schemeClr val="accent4">
+                    <a:lumMod val="75000"/>
+                  </a:schemeClr>
+                </a:solidFill>
+                <a:latin typeface="Candara" pitchFamily="34" charset="0"/>
               </a:rPr>
-              <a:t></a:t>
+              <a:t>Prospeç</a:t>
             </a:r>
-            <a:endParaRPr lang="pt-BR" sz="15000" dirty="0">
-              <a:gradFill flip="none" rotWithShape="1">
-                <a:gsLst>
-                  <a:gs pos="0">
-                    <a:srgbClr val="00CC00">
-                      <a:shade val="30000"/>
-                      <a:satMod val="115000"/>
-                    </a:srgbClr>
-                  </a:gs>
-                  <a:gs pos="50000">
-                    <a:srgbClr val="00CC00">
-                      <a:shade val="67500"/>
-                      <a:satMod val="115000"/>
-                    </a:srgbClr>
-                  </a:gs>
-                  <a:gs pos="100000">
-                    <a:srgbClr val="00CC00">
-                      <a:shade val="100000"/>
-                      <a:satMod val="115000"/>
-                    </a:srgbClr>
-                  </a:gs>
-                </a:gsLst>
-                <a:lin ang="16200000" scaled="1"/>
-                <a:tileRect/>
-              </a:gradFill>
+            <a:r>
+              <a:rPr lang="pt-BR" sz="10000" b="1" dirty="0" err="1" smtClean="0">
+                <a:solidFill>
+                  <a:schemeClr val="accent4">
+                    <a:lumMod val="75000"/>
+                  </a:schemeClr>
+                </a:solidFill>
+                <a:latin typeface="Candara" pitchFamily="34" charset="0"/>
+              </a:rPr>
+              <a:t>ão</a:t>
+            </a:r>
+            <a:endParaRPr lang="pt-BR" sz="10000" b="1" dirty="0">
+              <a:solidFill>
+                <a:schemeClr val="accent4">
+                  <a:lumMod val="75000"/>
+                </a:schemeClr>
+              </a:solidFill>
+              <a:latin typeface="Candara" pitchFamily="34" charset="0"/>
             </a:endParaRPr>
           </a:p>
         </p:txBody>
@@ -8805,7 +8806,7 @@
     </p:spTree>
     <p:extLst>
       <p:ext uri="{BB962C8B-B14F-4D97-AF65-F5344CB8AC3E}">
-        <p14:creationId xmlns="" xmlns:p14="http://schemas.microsoft.com/office/powerpoint/2010/main" val="516186803"/>
+        <p14:creationId xmlns:p14="http://schemas.microsoft.com/office/powerpoint/2010/main" val="516186803"/>
       </p:ext>
     </p:extLst>
   </p:cSld>
@@ -8815,7 +8816,7 @@
   <p:timing>
     <p:tnLst>
       <p:par>
-        <p:cTn id="1" dur="indefinite" restart="never" nodeType="tmRoot"/>
+        <p:cTn xmlns:p14="http://schemas.microsoft.com/office/powerpoint/2010/main" id="1" dur="indefinite" restart="never" nodeType="tmRoot"/>
       </p:par>
     </p:tnLst>
   </p:timing>
@@ -8896,629 +8897,84 @@
           </a:p>
         </p:txBody>
       </p:sp>
+      <p:sp>
+        <p:nvSpPr>
+          <p:cNvPr id="2" name="Retângulo de cantos arredondados 1"/>
+          <p:cNvSpPr/>
+          <p:nvPr/>
+        </p:nvSpPr>
+        <p:spPr>
+          <a:xfrm>
+            <a:off x="1800081" y="3368587"/>
+            <a:ext cx="7200000" cy="6120000"/>
+          </a:xfrm>
+          <a:prstGeom prst="roundRect">
+            <a:avLst>
+              <a:gd name="adj" fmla="val 0"/>
+            </a:avLst>
+          </a:prstGeom>
+          <a:solidFill>
+            <a:schemeClr val="bg1"/>
+          </a:solidFill>
+          <a:ln w="76200">
+            <a:noFill/>
+          </a:ln>
+        </p:spPr>
+        <p:style>
+          <a:lnRef idx="2">
+            <a:schemeClr val="accent1">
+              <a:shade val="50000"/>
+            </a:schemeClr>
+          </a:lnRef>
+          <a:fillRef idx="1">
+            <a:schemeClr val="accent1"/>
+          </a:fillRef>
+          <a:effectRef idx="0">
+            <a:schemeClr val="accent1"/>
+          </a:effectRef>
+          <a:fontRef idx="minor">
+            <a:schemeClr val="lt1"/>
+          </a:fontRef>
+        </p:style>
+        <p:txBody>
+          <a:bodyPr rtlCol="0" anchor="ctr"/>
+          <a:lstStyle/>
+          <a:p>
+            <a:pPr algn="ctr"/>
+            <a:endParaRPr lang="pt-BR" dirty="0"/>
+          </a:p>
+        </p:txBody>
+      </p:sp>
       <p:grpSp>
         <p:nvGrpSpPr>
-          <p:cNvPr id="6" name="Grupo 5"/>
+          <p:cNvPr id="5" name="Grupo 4"/>
           <p:cNvGrpSpPr/>
           <p:nvPr/>
         </p:nvGrpSpPr>
         <p:grpSpPr>
           <a:xfrm>
-            <a:off x="1799681" y="1311175"/>
-            <a:ext cx="7200400" cy="8177412"/>
-            <a:chOff x="1799681" y="1131175"/>
-            <a:chExt cx="7200400" cy="8177412"/>
+            <a:off x="2303577" y="4095693"/>
+            <a:ext cx="6193008" cy="4665788"/>
+            <a:chOff x="2231729" y="4195979"/>
+            <a:chExt cx="6193008" cy="4665788"/>
           </a:xfrm>
         </p:grpSpPr>
         <p:sp>
           <p:nvSpPr>
-            <p:cNvPr id="2" name="Retângulo de cantos arredondados 1"/>
+            <p:cNvPr id="18" name="Retângulo 17"/>
             <p:cNvSpPr/>
             <p:nvPr/>
           </p:nvSpPr>
           <p:spPr>
             <a:xfrm>
-              <a:off x="1800081" y="3188587"/>
-              <a:ext cx="7200000" cy="6120000"/>
+              <a:off x="6984737" y="4195979"/>
+              <a:ext cx="1440000" cy="1440000"/>
             </a:xfrm>
-            <a:prstGeom prst="roundRect">
-              <a:avLst>
-                <a:gd name="adj" fmla="val 0"/>
-              </a:avLst>
-            </a:prstGeom>
-            <a:solidFill>
-              <a:schemeClr val="bg1"/>
-            </a:solidFill>
-            <a:ln w="76200">
-              <a:noFill/>
-            </a:ln>
-          </p:spPr>
-          <p:style>
-            <a:lnRef idx="2">
-              <a:schemeClr val="accent1">
-                <a:shade val="50000"/>
-              </a:schemeClr>
-            </a:lnRef>
-            <a:fillRef idx="1">
-              <a:schemeClr val="accent1"/>
-            </a:fillRef>
-            <a:effectRef idx="0">
-              <a:schemeClr val="accent1"/>
-            </a:effectRef>
-            <a:fontRef idx="minor">
-              <a:schemeClr val="lt1"/>
-            </a:fontRef>
-          </p:style>
-          <p:txBody>
-            <a:bodyPr rtlCol="0" anchor="ctr"/>
-            <a:lstStyle/>
-            <a:p>
-              <a:pPr algn="ctr"/>
-              <a:endParaRPr lang="pt-BR" dirty="0"/>
-            </a:p>
-          </p:txBody>
-        </p:sp>
-        <p:grpSp>
-          <p:nvGrpSpPr>
-            <p:cNvPr id="5" name="Grupo 4"/>
-            <p:cNvGrpSpPr/>
-            <p:nvPr/>
-          </p:nvGrpSpPr>
-          <p:grpSpPr>
-            <a:xfrm>
-              <a:off x="2303577" y="3915693"/>
-              <a:ext cx="6193008" cy="4665788"/>
-              <a:chOff x="2231729" y="4195979"/>
-              <a:chExt cx="6193008" cy="4665788"/>
-            </a:xfrm>
-          </p:grpSpPr>
-          <p:sp>
-            <p:nvSpPr>
-              <p:cNvPr id="18" name="Retângulo 17"/>
-              <p:cNvSpPr/>
-              <p:nvPr/>
-            </p:nvSpPr>
-            <p:spPr>
-              <a:xfrm>
-                <a:off x="6984737" y="4195979"/>
-                <a:ext cx="1440000" cy="1440000"/>
-              </a:xfrm>
-              <a:prstGeom prst="rect">
-                <a:avLst/>
-              </a:prstGeom>
-              <a:solidFill>
-                <a:srgbClr val="CC0000"/>
-              </a:solidFill>
-              <a:ln w="76200">
-                <a:solidFill>
-                  <a:schemeClr val="bg1"/>
-                </a:solidFill>
-              </a:ln>
-            </p:spPr>
-            <p:style>
-              <a:lnRef idx="2">
-                <a:schemeClr val="accent1">
-                  <a:shade val="50000"/>
-                </a:schemeClr>
-              </a:lnRef>
-              <a:fillRef idx="1">
-                <a:schemeClr val="accent1"/>
-              </a:fillRef>
-              <a:effectRef idx="0">
-                <a:schemeClr val="accent1"/>
-              </a:effectRef>
-              <a:fontRef idx="minor">
-                <a:schemeClr val="lt1"/>
-              </a:fontRef>
-            </p:style>
-            <p:txBody>
-              <a:bodyPr rtlCol="0" anchor="ctr"/>
-              <a:lstStyle/>
-              <a:p>
-                <a:pPr algn="ctr"/>
-                <a:endParaRPr lang="pt-BR"/>
-              </a:p>
-            </p:txBody>
-          </p:sp>
-          <p:sp>
-            <p:nvSpPr>
-              <p:cNvPr id="19" name="Retângulo 18"/>
-              <p:cNvSpPr/>
-              <p:nvPr/>
-            </p:nvSpPr>
-            <p:spPr>
-              <a:xfrm>
-                <a:off x="5400401" y="4195979"/>
-                <a:ext cx="1440000" cy="1440000"/>
-              </a:xfrm>
-              <a:prstGeom prst="rect">
-                <a:avLst/>
-              </a:prstGeom>
-              <a:solidFill>
-                <a:srgbClr val="CC0000"/>
-              </a:solidFill>
-              <a:ln w="76200">
-                <a:solidFill>
-                  <a:schemeClr val="bg1"/>
-                </a:solidFill>
-              </a:ln>
-            </p:spPr>
-            <p:style>
-              <a:lnRef idx="2">
-                <a:schemeClr val="accent1">
-                  <a:shade val="50000"/>
-                </a:schemeClr>
-              </a:lnRef>
-              <a:fillRef idx="1">
-                <a:schemeClr val="accent1"/>
-              </a:fillRef>
-              <a:effectRef idx="0">
-                <a:schemeClr val="accent1"/>
-              </a:effectRef>
-              <a:fontRef idx="minor">
-                <a:schemeClr val="lt1"/>
-              </a:fontRef>
-            </p:style>
-            <p:txBody>
-              <a:bodyPr rtlCol="0" anchor="ctr"/>
-              <a:lstStyle/>
-              <a:p>
-                <a:pPr algn="ctr"/>
-                <a:endParaRPr lang="pt-BR" sz="19900" dirty="0"/>
-              </a:p>
-            </p:txBody>
-          </p:sp>
-          <p:sp>
-            <p:nvSpPr>
-              <p:cNvPr id="21" name="Retângulo 20"/>
-              <p:cNvSpPr/>
-              <p:nvPr/>
-            </p:nvSpPr>
-            <p:spPr>
-              <a:xfrm>
-                <a:off x="3816065" y="4195979"/>
-                <a:ext cx="1440000" cy="1440000"/>
-              </a:xfrm>
-              <a:prstGeom prst="rect">
-                <a:avLst/>
-              </a:prstGeom>
-              <a:solidFill>
-                <a:srgbClr val="CC0000"/>
-              </a:solidFill>
-              <a:ln w="76200">
-                <a:solidFill>
-                  <a:schemeClr val="bg1"/>
-                </a:solidFill>
-              </a:ln>
-            </p:spPr>
-            <p:style>
-              <a:lnRef idx="2">
-                <a:schemeClr val="accent1">
-                  <a:shade val="50000"/>
-                </a:schemeClr>
-              </a:lnRef>
-              <a:fillRef idx="1">
-                <a:schemeClr val="accent1"/>
-              </a:fillRef>
-              <a:effectRef idx="0">
-                <a:schemeClr val="accent1"/>
-              </a:effectRef>
-              <a:fontRef idx="minor">
-                <a:schemeClr val="lt1"/>
-              </a:fontRef>
-            </p:style>
-            <p:txBody>
-              <a:bodyPr rtlCol="0" anchor="ctr"/>
-              <a:lstStyle/>
-              <a:p>
-                <a:pPr algn="ctr"/>
-                <a:endParaRPr lang="pt-BR"/>
-              </a:p>
-            </p:txBody>
-          </p:sp>
-          <p:sp>
-            <p:nvSpPr>
-              <p:cNvPr id="26" name="Retângulo 25"/>
-              <p:cNvSpPr/>
-              <p:nvPr/>
-            </p:nvSpPr>
-            <p:spPr>
-              <a:xfrm>
-                <a:off x="6984737" y="5837591"/>
-                <a:ext cx="1440000" cy="1440000"/>
-              </a:xfrm>
-              <a:prstGeom prst="rect">
-                <a:avLst/>
-              </a:prstGeom>
-              <a:solidFill>
-                <a:srgbClr val="CC0000"/>
-              </a:solidFill>
-              <a:ln w="76200">
-                <a:solidFill>
-                  <a:schemeClr val="bg1"/>
-                </a:solidFill>
-              </a:ln>
-            </p:spPr>
-            <p:style>
-              <a:lnRef idx="2">
-                <a:schemeClr val="accent1">
-                  <a:shade val="50000"/>
-                </a:schemeClr>
-              </a:lnRef>
-              <a:fillRef idx="1">
-                <a:schemeClr val="accent1"/>
-              </a:fillRef>
-              <a:effectRef idx="0">
-                <a:schemeClr val="accent1"/>
-              </a:effectRef>
-              <a:fontRef idx="minor">
-                <a:schemeClr val="lt1"/>
-              </a:fontRef>
-            </p:style>
-            <p:txBody>
-              <a:bodyPr rtlCol="0" anchor="ctr"/>
-              <a:lstStyle/>
-              <a:p>
-                <a:pPr algn="ctr"/>
-                <a:endParaRPr lang="pt-BR"/>
-              </a:p>
-            </p:txBody>
-          </p:sp>
-          <p:sp>
-            <p:nvSpPr>
-              <p:cNvPr id="27" name="Retângulo 26"/>
-              <p:cNvSpPr/>
-              <p:nvPr/>
-            </p:nvSpPr>
-            <p:spPr>
-              <a:xfrm>
-                <a:off x="5400401" y="5837591"/>
-                <a:ext cx="1440000" cy="1440000"/>
-              </a:xfrm>
-              <a:prstGeom prst="rect">
-                <a:avLst/>
-              </a:prstGeom>
-              <a:solidFill>
-                <a:srgbClr val="CC0000"/>
-              </a:solidFill>
-              <a:ln w="76200">
-                <a:solidFill>
-                  <a:schemeClr val="bg1"/>
-                </a:solidFill>
-              </a:ln>
-            </p:spPr>
-            <p:style>
-              <a:lnRef idx="2">
-                <a:schemeClr val="accent1">
-                  <a:shade val="50000"/>
-                </a:schemeClr>
-              </a:lnRef>
-              <a:fillRef idx="1">
-                <a:schemeClr val="accent1"/>
-              </a:fillRef>
-              <a:effectRef idx="0">
-                <a:schemeClr val="accent1"/>
-              </a:effectRef>
-              <a:fontRef idx="minor">
-                <a:schemeClr val="lt1"/>
-              </a:fontRef>
-            </p:style>
-            <p:txBody>
-              <a:bodyPr rtlCol="0" anchor="ctr"/>
-              <a:lstStyle/>
-              <a:p>
-                <a:pPr algn="ctr"/>
-                <a:endParaRPr lang="pt-BR"/>
-              </a:p>
-            </p:txBody>
-          </p:sp>
-          <p:sp>
-            <p:nvSpPr>
-              <p:cNvPr id="28" name="Retângulo 27"/>
-              <p:cNvSpPr/>
-              <p:nvPr/>
-            </p:nvSpPr>
-            <p:spPr>
-              <a:xfrm>
-                <a:off x="3816065" y="5837591"/>
-                <a:ext cx="1440000" cy="1440000"/>
-              </a:xfrm>
-              <a:prstGeom prst="rect">
-                <a:avLst/>
-              </a:prstGeom>
-              <a:solidFill>
-                <a:srgbClr val="CC0000"/>
-              </a:solidFill>
-              <a:ln w="76200">
-                <a:solidFill>
-                  <a:schemeClr val="bg1"/>
-                </a:solidFill>
-              </a:ln>
-            </p:spPr>
-            <p:style>
-              <a:lnRef idx="2">
-                <a:schemeClr val="accent1">
-                  <a:shade val="50000"/>
-                </a:schemeClr>
-              </a:lnRef>
-              <a:fillRef idx="1">
-                <a:schemeClr val="accent1"/>
-              </a:fillRef>
-              <a:effectRef idx="0">
-                <a:schemeClr val="accent1"/>
-              </a:effectRef>
-              <a:fontRef idx="minor">
-                <a:schemeClr val="lt1"/>
-              </a:fontRef>
-            </p:style>
-            <p:txBody>
-              <a:bodyPr rtlCol="0" anchor="ctr"/>
-              <a:lstStyle/>
-              <a:p>
-                <a:pPr algn="ctr"/>
-                <a:endParaRPr lang="pt-BR"/>
-              </a:p>
-            </p:txBody>
-          </p:sp>
-          <p:sp>
-            <p:nvSpPr>
-              <p:cNvPr id="29" name="Retângulo 28"/>
-              <p:cNvSpPr/>
-              <p:nvPr/>
-            </p:nvSpPr>
-            <p:spPr>
-              <a:xfrm>
-                <a:off x="2231729" y="5837591"/>
-                <a:ext cx="1440000" cy="1440000"/>
-              </a:xfrm>
-              <a:prstGeom prst="rect">
-                <a:avLst/>
-              </a:prstGeom>
-              <a:solidFill>
-                <a:srgbClr val="CC0000"/>
-              </a:solidFill>
-              <a:ln w="76200">
-                <a:solidFill>
-                  <a:schemeClr val="bg1"/>
-                </a:solidFill>
-              </a:ln>
-            </p:spPr>
-            <p:style>
-              <a:lnRef idx="2">
-                <a:schemeClr val="accent1">
-                  <a:shade val="50000"/>
-                </a:schemeClr>
-              </a:lnRef>
-              <a:fillRef idx="1">
-                <a:schemeClr val="accent1"/>
-              </a:fillRef>
-              <a:effectRef idx="0">
-                <a:schemeClr val="accent1"/>
-              </a:effectRef>
-              <a:fontRef idx="minor">
-                <a:schemeClr val="lt1"/>
-              </a:fontRef>
-            </p:style>
-            <p:txBody>
-              <a:bodyPr rtlCol="0" anchor="ctr"/>
-              <a:lstStyle/>
-              <a:p>
-                <a:pPr algn="ctr"/>
-                <a:endParaRPr lang="pt-BR"/>
-              </a:p>
-            </p:txBody>
-          </p:sp>
-          <p:sp>
-            <p:nvSpPr>
-              <p:cNvPr id="40" name="Retângulo 39"/>
-              <p:cNvSpPr/>
-              <p:nvPr/>
-            </p:nvSpPr>
-            <p:spPr>
-              <a:xfrm>
-                <a:off x="3816065" y="7421767"/>
-                <a:ext cx="1440000" cy="1440000"/>
-              </a:xfrm>
-              <a:prstGeom prst="rect">
-                <a:avLst/>
-              </a:prstGeom>
-              <a:solidFill>
-                <a:srgbClr val="CC0000"/>
-              </a:solidFill>
-              <a:ln w="76200">
-                <a:solidFill>
-                  <a:schemeClr val="bg1"/>
-                </a:solidFill>
-              </a:ln>
-            </p:spPr>
-            <p:style>
-              <a:lnRef idx="2">
-                <a:schemeClr val="accent1">
-                  <a:shade val="50000"/>
-                </a:schemeClr>
-              </a:lnRef>
-              <a:fillRef idx="1">
-                <a:schemeClr val="accent1"/>
-              </a:fillRef>
-              <a:effectRef idx="0">
-                <a:schemeClr val="accent1"/>
-              </a:effectRef>
-              <a:fontRef idx="minor">
-                <a:schemeClr val="lt1"/>
-              </a:fontRef>
-            </p:style>
-            <p:txBody>
-              <a:bodyPr rtlCol="0" anchor="ctr"/>
-              <a:lstStyle/>
-              <a:p>
-                <a:pPr algn="ctr"/>
-                <a:endParaRPr lang="pt-BR"/>
-              </a:p>
-            </p:txBody>
-          </p:sp>
-          <p:sp>
-            <p:nvSpPr>
-              <p:cNvPr id="41" name="Retângulo 40"/>
-              <p:cNvSpPr/>
-              <p:nvPr/>
-            </p:nvSpPr>
-            <p:spPr>
-              <a:xfrm>
-                <a:off x="2231729" y="7421767"/>
-                <a:ext cx="1440000" cy="1440000"/>
-              </a:xfrm>
-              <a:prstGeom prst="rect">
-                <a:avLst/>
-              </a:prstGeom>
-              <a:solidFill>
-                <a:srgbClr val="CC0000"/>
-              </a:solidFill>
-              <a:ln w="76200">
-                <a:solidFill>
-                  <a:schemeClr val="bg1"/>
-                </a:solidFill>
-              </a:ln>
-            </p:spPr>
-            <p:style>
-              <a:lnRef idx="2">
-                <a:schemeClr val="accent1">
-                  <a:shade val="50000"/>
-                </a:schemeClr>
-              </a:lnRef>
-              <a:fillRef idx="1">
-                <a:schemeClr val="accent1"/>
-              </a:fillRef>
-              <a:effectRef idx="0">
-                <a:schemeClr val="accent1"/>
-              </a:effectRef>
-              <a:fontRef idx="minor">
-                <a:schemeClr val="lt1"/>
-              </a:fontRef>
-            </p:style>
-            <p:txBody>
-              <a:bodyPr rtlCol="0" anchor="ctr"/>
-              <a:lstStyle/>
-              <a:p>
-                <a:pPr algn="ctr"/>
-                <a:endParaRPr lang="pt-BR"/>
-              </a:p>
-            </p:txBody>
-          </p:sp>
-          <p:sp>
-            <p:nvSpPr>
-              <p:cNvPr id="42" name="Retângulo 41"/>
-              <p:cNvSpPr/>
-              <p:nvPr/>
-            </p:nvSpPr>
-            <p:spPr>
-              <a:xfrm>
-                <a:off x="5400081" y="7421767"/>
-                <a:ext cx="1440000" cy="1440000"/>
-              </a:xfrm>
-              <a:prstGeom prst="rect">
-                <a:avLst/>
-              </a:prstGeom>
-              <a:solidFill>
-                <a:srgbClr val="CC0000"/>
-              </a:solidFill>
-              <a:ln w="76200">
-                <a:solidFill>
-                  <a:schemeClr val="bg1"/>
-                </a:solidFill>
-              </a:ln>
-            </p:spPr>
-            <p:style>
-              <a:lnRef idx="2">
-                <a:schemeClr val="accent1">
-                  <a:shade val="50000"/>
-                </a:schemeClr>
-              </a:lnRef>
-              <a:fillRef idx="1">
-                <a:schemeClr val="accent1"/>
-              </a:fillRef>
-              <a:effectRef idx="0">
-                <a:schemeClr val="accent1"/>
-              </a:effectRef>
-              <a:fontRef idx="minor">
-                <a:schemeClr val="lt1"/>
-              </a:fontRef>
-            </p:style>
-            <p:txBody>
-              <a:bodyPr rtlCol="0" anchor="ctr"/>
-              <a:lstStyle/>
-              <a:p>
-                <a:pPr algn="ctr"/>
-                <a:endParaRPr lang="pt-BR"/>
-              </a:p>
-            </p:txBody>
-          </p:sp>
-        </p:grpSp>
-        <p:sp>
-          <p:nvSpPr>
-            <p:cNvPr id="43" name="Retângulo de cantos arredondados 42"/>
-            <p:cNvSpPr/>
-            <p:nvPr/>
-          </p:nvSpPr>
-          <p:spPr>
-            <a:xfrm>
-              <a:off x="1799681" y="1855843"/>
-              <a:ext cx="7200000" cy="1116000"/>
-            </a:xfrm>
-            <a:prstGeom prst="roundRect">
-              <a:avLst>
-                <a:gd name="adj" fmla="val 0"/>
-              </a:avLst>
-            </a:prstGeom>
-            <a:solidFill>
-              <a:schemeClr val="bg1"/>
-            </a:solidFill>
-            <a:ln w="76200">
-              <a:solidFill>
-                <a:schemeClr val="bg1"/>
-              </a:solidFill>
-            </a:ln>
-          </p:spPr>
-          <p:style>
-            <a:lnRef idx="2">
-              <a:schemeClr val="accent1">
-                <a:shade val="50000"/>
-              </a:schemeClr>
-            </a:lnRef>
-            <a:fillRef idx="1">
-              <a:schemeClr val="accent1"/>
-            </a:fillRef>
-            <a:effectRef idx="0">
-              <a:schemeClr val="accent1"/>
-            </a:effectRef>
-            <a:fontRef idx="minor">
-              <a:schemeClr val="lt1"/>
-            </a:fontRef>
-          </p:style>
-          <p:txBody>
-            <a:bodyPr rtlCol="0" anchor="ctr"/>
-            <a:lstStyle/>
-            <a:p>
-              <a:pPr algn="ctr"/>
-              <a:endParaRPr lang="pt-BR" dirty="0"/>
-            </a:p>
-          </p:txBody>
-        </p:sp>
-        <p:sp>
-          <p:nvSpPr>
-            <p:cNvPr id="44" name="Retângulo de cantos arredondados 43"/>
-            <p:cNvSpPr/>
-            <p:nvPr/>
-          </p:nvSpPr>
-          <p:spPr>
-            <a:xfrm>
-              <a:off x="3383289" y="1131175"/>
-              <a:ext cx="720000" cy="1440000"/>
-            </a:xfrm>
-            <a:prstGeom prst="roundRect">
+            <a:prstGeom prst="rect">
               <a:avLst/>
             </a:prstGeom>
             <a:solidFill>
-              <a:srgbClr val="C00000"/>
+              <a:srgbClr val="CC0000"/>
             </a:solidFill>
             <a:ln w="76200">
               <a:solidFill>
@@ -9553,20 +9009,404 @@
         </p:sp>
         <p:sp>
           <p:nvSpPr>
-            <p:cNvPr id="45" name="Retângulo de cantos arredondados 44"/>
+            <p:cNvPr id="19" name="Retângulo 18"/>
             <p:cNvSpPr/>
             <p:nvPr/>
           </p:nvSpPr>
           <p:spPr>
             <a:xfrm>
-              <a:off x="6552209" y="1131175"/>
-              <a:ext cx="720000" cy="1440000"/>
+              <a:off x="5400401" y="4195979"/>
+              <a:ext cx="1440000" cy="1440000"/>
             </a:xfrm>
-            <a:prstGeom prst="roundRect">
+            <a:prstGeom prst="rect">
               <a:avLst/>
             </a:prstGeom>
             <a:solidFill>
-              <a:srgbClr val="C00000"/>
+              <a:srgbClr val="CC0000"/>
+            </a:solidFill>
+            <a:ln w="76200">
+              <a:solidFill>
+                <a:schemeClr val="bg1"/>
+              </a:solidFill>
+            </a:ln>
+          </p:spPr>
+          <p:style>
+            <a:lnRef idx="2">
+              <a:schemeClr val="accent1">
+                <a:shade val="50000"/>
+              </a:schemeClr>
+            </a:lnRef>
+            <a:fillRef idx="1">
+              <a:schemeClr val="accent1"/>
+            </a:fillRef>
+            <a:effectRef idx="0">
+              <a:schemeClr val="accent1"/>
+            </a:effectRef>
+            <a:fontRef idx="minor">
+              <a:schemeClr val="lt1"/>
+            </a:fontRef>
+          </p:style>
+          <p:txBody>
+            <a:bodyPr rtlCol="0" anchor="ctr"/>
+            <a:lstStyle/>
+            <a:p>
+              <a:pPr algn="ctr"/>
+              <a:endParaRPr lang="pt-BR" sz="19900" dirty="0"/>
+            </a:p>
+          </p:txBody>
+        </p:sp>
+        <p:sp>
+          <p:nvSpPr>
+            <p:cNvPr id="21" name="Retângulo 20"/>
+            <p:cNvSpPr/>
+            <p:nvPr/>
+          </p:nvSpPr>
+          <p:spPr>
+            <a:xfrm>
+              <a:off x="3816065" y="4195979"/>
+              <a:ext cx="1440000" cy="1440000"/>
+            </a:xfrm>
+            <a:prstGeom prst="rect">
+              <a:avLst/>
+            </a:prstGeom>
+            <a:solidFill>
+              <a:srgbClr val="CC0000"/>
+            </a:solidFill>
+            <a:ln w="76200">
+              <a:solidFill>
+                <a:schemeClr val="bg1"/>
+              </a:solidFill>
+            </a:ln>
+          </p:spPr>
+          <p:style>
+            <a:lnRef idx="2">
+              <a:schemeClr val="accent1">
+                <a:shade val="50000"/>
+              </a:schemeClr>
+            </a:lnRef>
+            <a:fillRef idx="1">
+              <a:schemeClr val="accent1"/>
+            </a:fillRef>
+            <a:effectRef idx="0">
+              <a:schemeClr val="accent1"/>
+            </a:effectRef>
+            <a:fontRef idx="minor">
+              <a:schemeClr val="lt1"/>
+            </a:fontRef>
+          </p:style>
+          <p:txBody>
+            <a:bodyPr rtlCol="0" anchor="ctr"/>
+            <a:lstStyle/>
+            <a:p>
+              <a:pPr algn="ctr"/>
+              <a:endParaRPr lang="pt-BR"/>
+            </a:p>
+          </p:txBody>
+        </p:sp>
+        <p:sp>
+          <p:nvSpPr>
+            <p:cNvPr id="26" name="Retângulo 25"/>
+            <p:cNvSpPr/>
+            <p:nvPr/>
+          </p:nvSpPr>
+          <p:spPr>
+            <a:xfrm>
+              <a:off x="6984737" y="5837591"/>
+              <a:ext cx="1440000" cy="1440000"/>
+            </a:xfrm>
+            <a:prstGeom prst="rect">
+              <a:avLst/>
+            </a:prstGeom>
+            <a:solidFill>
+              <a:srgbClr val="CC0000"/>
+            </a:solidFill>
+            <a:ln w="76200">
+              <a:solidFill>
+                <a:schemeClr val="bg1"/>
+              </a:solidFill>
+            </a:ln>
+          </p:spPr>
+          <p:style>
+            <a:lnRef idx="2">
+              <a:schemeClr val="accent1">
+                <a:shade val="50000"/>
+              </a:schemeClr>
+            </a:lnRef>
+            <a:fillRef idx="1">
+              <a:schemeClr val="accent1"/>
+            </a:fillRef>
+            <a:effectRef idx="0">
+              <a:schemeClr val="accent1"/>
+            </a:effectRef>
+            <a:fontRef idx="minor">
+              <a:schemeClr val="lt1"/>
+            </a:fontRef>
+          </p:style>
+          <p:txBody>
+            <a:bodyPr rtlCol="0" anchor="ctr"/>
+            <a:lstStyle/>
+            <a:p>
+              <a:pPr algn="ctr"/>
+              <a:endParaRPr lang="pt-BR"/>
+            </a:p>
+          </p:txBody>
+        </p:sp>
+        <p:sp>
+          <p:nvSpPr>
+            <p:cNvPr id="27" name="Retângulo 26"/>
+            <p:cNvSpPr/>
+            <p:nvPr/>
+          </p:nvSpPr>
+          <p:spPr>
+            <a:xfrm>
+              <a:off x="5400401" y="5837591"/>
+              <a:ext cx="1440000" cy="1440000"/>
+            </a:xfrm>
+            <a:prstGeom prst="rect">
+              <a:avLst/>
+            </a:prstGeom>
+            <a:solidFill>
+              <a:srgbClr val="CC0000"/>
+            </a:solidFill>
+            <a:ln w="76200">
+              <a:solidFill>
+                <a:schemeClr val="bg1"/>
+              </a:solidFill>
+            </a:ln>
+          </p:spPr>
+          <p:style>
+            <a:lnRef idx="2">
+              <a:schemeClr val="accent1">
+                <a:shade val="50000"/>
+              </a:schemeClr>
+            </a:lnRef>
+            <a:fillRef idx="1">
+              <a:schemeClr val="accent1"/>
+            </a:fillRef>
+            <a:effectRef idx="0">
+              <a:schemeClr val="accent1"/>
+            </a:effectRef>
+            <a:fontRef idx="minor">
+              <a:schemeClr val="lt1"/>
+            </a:fontRef>
+          </p:style>
+          <p:txBody>
+            <a:bodyPr rtlCol="0" anchor="ctr"/>
+            <a:lstStyle/>
+            <a:p>
+              <a:pPr algn="ctr"/>
+              <a:endParaRPr lang="pt-BR"/>
+            </a:p>
+          </p:txBody>
+        </p:sp>
+        <p:sp>
+          <p:nvSpPr>
+            <p:cNvPr id="28" name="Retângulo 27"/>
+            <p:cNvSpPr/>
+            <p:nvPr/>
+          </p:nvSpPr>
+          <p:spPr>
+            <a:xfrm>
+              <a:off x="3816065" y="5837591"/>
+              <a:ext cx="1440000" cy="1440000"/>
+            </a:xfrm>
+            <a:prstGeom prst="rect">
+              <a:avLst/>
+            </a:prstGeom>
+            <a:solidFill>
+              <a:srgbClr val="CC0000"/>
+            </a:solidFill>
+            <a:ln w="76200">
+              <a:solidFill>
+                <a:schemeClr val="bg1"/>
+              </a:solidFill>
+            </a:ln>
+          </p:spPr>
+          <p:style>
+            <a:lnRef idx="2">
+              <a:schemeClr val="accent1">
+                <a:shade val="50000"/>
+              </a:schemeClr>
+            </a:lnRef>
+            <a:fillRef idx="1">
+              <a:schemeClr val="accent1"/>
+            </a:fillRef>
+            <a:effectRef idx="0">
+              <a:schemeClr val="accent1"/>
+            </a:effectRef>
+            <a:fontRef idx="minor">
+              <a:schemeClr val="lt1"/>
+            </a:fontRef>
+          </p:style>
+          <p:txBody>
+            <a:bodyPr rtlCol="0" anchor="ctr"/>
+            <a:lstStyle/>
+            <a:p>
+              <a:pPr algn="ctr"/>
+              <a:endParaRPr lang="pt-BR"/>
+            </a:p>
+          </p:txBody>
+        </p:sp>
+        <p:sp>
+          <p:nvSpPr>
+            <p:cNvPr id="29" name="Retângulo 28"/>
+            <p:cNvSpPr/>
+            <p:nvPr/>
+          </p:nvSpPr>
+          <p:spPr>
+            <a:xfrm>
+              <a:off x="2231729" y="5837591"/>
+              <a:ext cx="1440000" cy="1440000"/>
+            </a:xfrm>
+            <a:prstGeom prst="rect">
+              <a:avLst/>
+            </a:prstGeom>
+            <a:solidFill>
+              <a:srgbClr val="CC0000"/>
+            </a:solidFill>
+            <a:ln w="76200">
+              <a:solidFill>
+                <a:schemeClr val="bg1"/>
+              </a:solidFill>
+            </a:ln>
+          </p:spPr>
+          <p:style>
+            <a:lnRef idx="2">
+              <a:schemeClr val="accent1">
+                <a:shade val="50000"/>
+              </a:schemeClr>
+            </a:lnRef>
+            <a:fillRef idx="1">
+              <a:schemeClr val="accent1"/>
+            </a:fillRef>
+            <a:effectRef idx="0">
+              <a:schemeClr val="accent1"/>
+            </a:effectRef>
+            <a:fontRef idx="minor">
+              <a:schemeClr val="lt1"/>
+            </a:fontRef>
+          </p:style>
+          <p:txBody>
+            <a:bodyPr rtlCol="0" anchor="ctr"/>
+            <a:lstStyle/>
+            <a:p>
+              <a:pPr algn="ctr"/>
+              <a:endParaRPr lang="pt-BR"/>
+            </a:p>
+          </p:txBody>
+        </p:sp>
+        <p:sp>
+          <p:nvSpPr>
+            <p:cNvPr id="40" name="Retângulo 39"/>
+            <p:cNvSpPr/>
+            <p:nvPr/>
+          </p:nvSpPr>
+          <p:spPr>
+            <a:xfrm>
+              <a:off x="3816065" y="7421767"/>
+              <a:ext cx="1440000" cy="1440000"/>
+            </a:xfrm>
+            <a:prstGeom prst="rect">
+              <a:avLst/>
+            </a:prstGeom>
+            <a:solidFill>
+              <a:srgbClr val="CC0000"/>
+            </a:solidFill>
+            <a:ln w="76200">
+              <a:solidFill>
+                <a:schemeClr val="bg1"/>
+              </a:solidFill>
+            </a:ln>
+          </p:spPr>
+          <p:style>
+            <a:lnRef idx="2">
+              <a:schemeClr val="accent1">
+                <a:shade val="50000"/>
+              </a:schemeClr>
+            </a:lnRef>
+            <a:fillRef idx="1">
+              <a:schemeClr val="accent1"/>
+            </a:fillRef>
+            <a:effectRef idx="0">
+              <a:schemeClr val="accent1"/>
+            </a:effectRef>
+            <a:fontRef idx="minor">
+              <a:schemeClr val="lt1"/>
+            </a:fontRef>
+          </p:style>
+          <p:txBody>
+            <a:bodyPr rtlCol="0" anchor="ctr"/>
+            <a:lstStyle/>
+            <a:p>
+              <a:pPr algn="ctr"/>
+              <a:endParaRPr lang="pt-BR"/>
+            </a:p>
+          </p:txBody>
+        </p:sp>
+        <p:sp>
+          <p:nvSpPr>
+            <p:cNvPr id="41" name="Retângulo 40"/>
+            <p:cNvSpPr/>
+            <p:nvPr/>
+          </p:nvSpPr>
+          <p:spPr>
+            <a:xfrm>
+              <a:off x="2231729" y="7421767"/>
+              <a:ext cx="1440000" cy="1440000"/>
+            </a:xfrm>
+            <a:prstGeom prst="rect">
+              <a:avLst/>
+            </a:prstGeom>
+            <a:solidFill>
+              <a:srgbClr val="CC0000"/>
+            </a:solidFill>
+            <a:ln w="76200">
+              <a:solidFill>
+                <a:schemeClr val="bg1"/>
+              </a:solidFill>
+            </a:ln>
+          </p:spPr>
+          <p:style>
+            <a:lnRef idx="2">
+              <a:schemeClr val="accent1">
+                <a:shade val="50000"/>
+              </a:schemeClr>
+            </a:lnRef>
+            <a:fillRef idx="1">
+              <a:schemeClr val="accent1"/>
+            </a:fillRef>
+            <a:effectRef idx="0">
+              <a:schemeClr val="accent1"/>
+            </a:effectRef>
+            <a:fontRef idx="minor">
+              <a:schemeClr val="lt1"/>
+            </a:fontRef>
+          </p:style>
+          <p:txBody>
+            <a:bodyPr rtlCol="0" anchor="ctr"/>
+            <a:lstStyle/>
+            <a:p>
+              <a:pPr algn="ctr"/>
+              <a:endParaRPr lang="pt-BR"/>
+            </a:p>
+          </p:txBody>
+        </p:sp>
+        <p:sp>
+          <p:nvSpPr>
+            <p:cNvPr id="42" name="Retângulo 41"/>
+            <p:cNvSpPr/>
+            <p:nvPr/>
+          </p:nvSpPr>
+          <p:spPr>
+            <a:xfrm>
+              <a:off x="5400081" y="7421767"/>
+              <a:ext cx="1440000" cy="1440000"/>
+            </a:xfrm>
+            <a:prstGeom prst="rect">
+              <a:avLst/>
+            </a:prstGeom>
+            <a:solidFill>
+              <a:srgbClr val="CC0000"/>
             </a:solidFill>
             <a:ln w="76200">
               <a:solidFill>
@@ -9600,10 +9440,156 @@
           </p:txBody>
         </p:sp>
       </p:grpSp>
+      <p:sp>
+        <p:nvSpPr>
+          <p:cNvPr id="43" name="Retângulo de cantos arredondados 42"/>
+          <p:cNvSpPr/>
+          <p:nvPr/>
+        </p:nvSpPr>
+        <p:spPr>
+          <a:xfrm>
+            <a:off x="1799681" y="2035843"/>
+            <a:ext cx="7200000" cy="1116000"/>
+          </a:xfrm>
+          <a:prstGeom prst="roundRect">
+            <a:avLst>
+              <a:gd name="adj" fmla="val 0"/>
+            </a:avLst>
+          </a:prstGeom>
+          <a:solidFill>
+            <a:schemeClr val="bg1"/>
+          </a:solidFill>
+          <a:ln w="76200">
+            <a:solidFill>
+              <a:schemeClr val="bg1"/>
+            </a:solidFill>
+          </a:ln>
+        </p:spPr>
+        <p:style>
+          <a:lnRef idx="2">
+            <a:schemeClr val="accent1">
+              <a:shade val="50000"/>
+            </a:schemeClr>
+          </a:lnRef>
+          <a:fillRef idx="1">
+            <a:schemeClr val="accent1"/>
+          </a:fillRef>
+          <a:effectRef idx="0">
+            <a:schemeClr val="accent1"/>
+          </a:effectRef>
+          <a:fontRef idx="minor">
+            <a:schemeClr val="lt1"/>
+          </a:fontRef>
+        </p:style>
+        <p:txBody>
+          <a:bodyPr rtlCol="0" anchor="ctr"/>
+          <a:lstStyle/>
+          <a:p>
+            <a:pPr algn="ctr"/>
+            <a:endParaRPr lang="pt-BR" dirty="0"/>
+          </a:p>
+        </p:txBody>
+      </p:sp>
+      <p:sp>
+        <p:nvSpPr>
+          <p:cNvPr id="44" name="Retângulo de cantos arredondados 43"/>
+          <p:cNvSpPr/>
+          <p:nvPr/>
+        </p:nvSpPr>
+        <p:spPr>
+          <a:xfrm>
+            <a:off x="3383289" y="1311175"/>
+            <a:ext cx="720000" cy="1440000"/>
+          </a:xfrm>
+          <a:prstGeom prst="roundRect">
+            <a:avLst/>
+          </a:prstGeom>
+          <a:solidFill>
+            <a:srgbClr val="C00000"/>
+          </a:solidFill>
+          <a:ln w="76200">
+            <a:solidFill>
+              <a:schemeClr val="bg1"/>
+            </a:solidFill>
+          </a:ln>
+        </p:spPr>
+        <p:style>
+          <a:lnRef idx="2">
+            <a:schemeClr val="accent1">
+              <a:shade val="50000"/>
+            </a:schemeClr>
+          </a:lnRef>
+          <a:fillRef idx="1">
+            <a:schemeClr val="accent1"/>
+          </a:fillRef>
+          <a:effectRef idx="0">
+            <a:schemeClr val="accent1"/>
+          </a:effectRef>
+          <a:fontRef idx="minor">
+            <a:schemeClr val="lt1"/>
+          </a:fontRef>
+        </p:style>
+        <p:txBody>
+          <a:bodyPr rtlCol="0" anchor="ctr"/>
+          <a:lstStyle/>
+          <a:p>
+            <a:pPr algn="ctr"/>
+            <a:endParaRPr lang="pt-BR"/>
+          </a:p>
+        </p:txBody>
+      </p:sp>
+      <p:sp>
+        <p:nvSpPr>
+          <p:cNvPr id="45" name="Retângulo de cantos arredondados 44"/>
+          <p:cNvSpPr/>
+          <p:nvPr/>
+        </p:nvSpPr>
+        <p:spPr>
+          <a:xfrm>
+            <a:off x="6552209" y="1311175"/>
+            <a:ext cx="720000" cy="1440000"/>
+          </a:xfrm>
+          <a:prstGeom prst="roundRect">
+            <a:avLst/>
+          </a:prstGeom>
+          <a:solidFill>
+            <a:srgbClr val="C00000"/>
+          </a:solidFill>
+          <a:ln w="76200">
+            <a:solidFill>
+              <a:schemeClr val="bg1"/>
+            </a:solidFill>
+          </a:ln>
+        </p:spPr>
+        <p:style>
+          <a:lnRef idx="2">
+            <a:schemeClr val="accent1">
+              <a:shade val="50000"/>
+            </a:schemeClr>
+          </a:lnRef>
+          <a:fillRef idx="1">
+            <a:schemeClr val="accent1"/>
+          </a:fillRef>
+          <a:effectRef idx="0">
+            <a:schemeClr val="accent1"/>
+          </a:effectRef>
+          <a:fontRef idx="minor">
+            <a:schemeClr val="lt1"/>
+          </a:fontRef>
+        </p:style>
+        <p:txBody>
+          <a:bodyPr rtlCol="0" anchor="ctr"/>
+          <a:lstStyle/>
+          <a:p>
+            <a:pPr algn="ctr"/>
+            <a:endParaRPr lang="pt-BR"/>
+          </a:p>
+        </p:txBody>
+      </p:sp>
     </p:spTree>
     <p:extLst>
       <p:ext uri="{BB962C8B-B14F-4D97-AF65-F5344CB8AC3E}">
-        <p14:creationId xmlns="" xmlns:p14="http://schemas.microsoft.com/office/powerpoint/2010/main" val="4266587926"/>
+        <p14:creationId xmlns:p14="http://schemas.microsoft.com/office/powerpoint/2010/main" val="4266587926"/>
       </p:ext>
     </p:extLst>
   </p:cSld>
@@ -9613,7 +9599,7 @@
   <p:timing>
     <p:tnLst>
       <p:par>
-        <p:cTn id="1" dur="indefinite" restart="never" nodeType="tmRoot"/>
+        <p:cTn xmlns:p14="http://schemas.microsoft.com/office/powerpoint/2010/main" id="1" dur="indefinite" restart="never" nodeType="tmRoot"/>
       </p:par>
     </p:tnLst>
   </p:timing>
@@ -9925,7 +9911,7 @@
     </p:spTree>
     <p:extLst>
       <p:ext uri="{BB962C8B-B14F-4D97-AF65-F5344CB8AC3E}">
-        <p14:creationId xmlns="" xmlns:p14="http://schemas.microsoft.com/office/powerpoint/2010/main" val="2652139153"/>
+        <p14:creationId xmlns:p14="http://schemas.microsoft.com/office/powerpoint/2010/main" val="2652139153"/>
       </p:ext>
     </p:extLst>
   </p:cSld>
@@ -9935,7 +9921,7 @@
   <p:timing>
     <p:tnLst>
       <p:par>
-        <p:cTn id="1" dur="indefinite" restart="never" nodeType="tmRoot"/>
+        <p:cTn xmlns:p14="http://schemas.microsoft.com/office/powerpoint/2010/main" id="1" dur="indefinite" restart="never" nodeType="tmRoot"/>
       </p:par>
     </p:tnLst>
   </p:timing>
@@ -10875,7 +10861,7 @@
     </p:spTree>
     <p:extLst>
       <p:ext uri="{BB962C8B-B14F-4D97-AF65-F5344CB8AC3E}">
-        <p14:creationId xmlns="" xmlns:p14="http://schemas.microsoft.com/office/powerpoint/2010/main" val="601465837"/>
+        <p14:creationId xmlns:p14="http://schemas.microsoft.com/office/powerpoint/2010/main" val="601465837"/>
       </p:ext>
     </p:extLst>
   </p:cSld>
@@ -10885,7 +10871,7 @@
   <p:timing>
     <p:tnLst>
       <p:par>
-        <p:cTn id="1" dur="indefinite" restart="never" nodeType="tmRoot"/>
+        <p:cTn xmlns:p14="http://schemas.microsoft.com/office/powerpoint/2010/main" id="1" dur="indefinite" restart="never" nodeType="tmRoot"/>
       </p:par>
     </p:tnLst>
   </p:timing>
@@ -11329,7 +11315,7 @@
     </p:spTree>
     <p:extLst>
       <p:ext uri="{BB962C8B-B14F-4D97-AF65-F5344CB8AC3E}">
-        <p14:creationId xmlns="" xmlns:p14="http://schemas.microsoft.com/office/powerpoint/2010/main" val="601465837"/>
+        <p14:creationId xmlns:p14="http://schemas.microsoft.com/office/powerpoint/2010/main" val="601465837"/>
       </p:ext>
     </p:extLst>
   </p:cSld>
@@ -11339,7 +11325,7 @@
   <p:timing>
     <p:tnLst>
       <p:par>
-        <p:cTn id="1" dur="indefinite" restart="never" nodeType="tmRoot"/>
+        <p:cTn xmlns:p14="http://schemas.microsoft.com/office/powerpoint/2010/main" id="1" dur="indefinite" restart="never" nodeType="tmRoot"/>
       </p:par>
     </p:tnLst>
   </p:timing>
